--- a/Documents/Capstone3/NintendoTweetsSlideDeck.pptx
+++ b/Documents/Capstone3/NintendoTweetsSlideDeck.pptx
@@ -9,17 +9,19 @@
     <p:sldId id="257" r:id="rId3"/>
     <p:sldId id="258" r:id="rId4"/>
     <p:sldId id="259" r:id="rId5"/>
-    <p:sldId id="260" r:id="rId6"/>
-    <p:sldId id="261" r:id="rId7"/>
-    <p:sldId id="262" r:id="rId8"/>
-    <p:sldId id="263" r:id="rId9"/>
-    <p:sldId id="265" r:id="rId10"/>
-    <p:sldId id="264" r:id="rId11"/>
-    <p:sldId id="266" r:id="rId12"/>
-    <p:sldId id="267" r:id="rId13"/>
-    <p:sldId id="268" r:id="rId14"/>
-    <p:sldId id="269" r:id="rId15"/>
-    <p:sldId id="270" r:id="rId16"/>
+    <p:sldId id="261" r:id="rId6"/>
+    <p:sldId id="262" r:id="rId7"/>
+    <p:sldId id="263" r:id="rId8"/>
+    <p:sldId id="265" r:id="rId9"/>
+    <p:sldId id="264" r:id="rId10"/>
+    <p:sldId id="266" r:id="rId11"/>
+    <p:sldId id="267" r:id="rId12"/>
+    <p:sldId id="271" r:id="rId13"/>
+    <p:sldId id="269" r:id="rId14"/>
+    <p:sldId id="268" r:id="rId15"/>
+    <p:sldId id="272" r:id="rId16"/>
+    <p:sldId id="260" r:id="rId17"/>
+    <p:sldId id="270" r:id="rId18"/>
   </p:sldIdLst>
   <p:sldSz cx="12192000" cy="6858000"/>
   <p:notesSz cx="6858000" cy="9144000"/>
@@ -118,6 +120,11 @@
       </a:defRPr>
     </a:lvl9pPr>
   </p:defaultTextStyle>
+  <p:extLst>
+    <p:ext uri="{EFAFB233-063F-42B5-8137-9DF3F51BA10A}">
+      <p15:sldGuideLst xmlns:p15="http://schemas.microsoft.com/office/powerpoint/2012/main"/>
+    </p:ext>
+  </p:extLst>
 </p:presentation>
 </file>
 
@@ -10134,7 +10141,7 @@
           <a:p>
             <a:fld id="{72EA7947-E287-4738-8C82-07CE4F01EF03}" type="datetime2">
               <a:rPr lang="en-US" smtClean="0"/>
-              <a:t>Thursday, November 26, 2020</a:t>
+              <a:t>Friday, November 27, 2020</a:t>
             </a:fld>
             <a:endParaRPr lang="en-US" dirty="0"/>
           </a:p>
@@ -11170,7 +11177,7 @@
           <a:p>
             <a:fld id="{EE2EBD84-71F4-4271-8C46-0D47C0A9B12E}" type="datetime2">
               <a:rPr lang="en-US" smtClean="0"/>
-              <a:t>Thursday, November 26, 2020</a:t>
+              <a:t>Friday, November 27, 2020</a:t>
             </a:fld>
             <a:endParaRPr lang="en-US"/>
           </a:p>
@@ -11381,7 +11388,7 @@
           <a:p>
             <a:fld id="{ABAE0CE1-F450-4107-B2CB-17B18F8A3F4A}" type="datetime2">
               <a:rPr lang="en-US" smtClean="0"/>
-              <a:t>Thursday, November 26, 2020</a:t>
+              <a:t>Friday, November 27, 2020</a:t>
             </a:fld>
             <a:endParaRPr lang="en-US"/>
           </a:p>
@@ -12046,7 +12053,7 @@
           <a:p>
             <a:fld id="{6FE8C025-CD7A-4966-867E-81CF82B15267}" type="datetime2">
               <a:rPr lang="en-US" smtClean="0"/>
-              <a:t>Thursday, November 26, 2020</a:t>
+              <a:t>Friday, November 27, 2020</a:t>
             </a:fld>
             <a:endParaRPr lang="en-US"/>
           </a:p>
@@ -12666,7 +12673,7 @@
           <a:p>
             <a:fld id="{FE809929-0719-4517-94D6-FDF7F99E70F6}" type="datetime2">
               <a:rPr lang="en-US" smtClean="0"/>
-              <a:t>Thursday, November 26, 2020</a:t>
+              <a:t>Friday, November 27, 2020</a:t>
             </a:fld>
             <a:endParaRPr lang="en-US"/>
           </a:p>
@@ -13784,7 +13791,7 @@
           <a:p>
             <a:fld id="{20E95673-5512-4AAA-9AEB-E00C61EC65D5}" type="datetime2">
               <a:rPr lang="en-US" smtClean="0"/>
-              <a:t>Thursday, November 26, 2020</a:t>
+              <a:t>Friday, November 27, 2020</a:t>
             </a:fld>
             <a:endParaRPr lang="en-US"/>
           </a:p>
@@ -14331,7 +14338,7 @@
           <a:p>
             <a:fld id="{C13138FA-2E87-4873-8BBA-13E447C9A99A}" type="datetime2">
               <a:rPr lang="en-US" smtClean="0"/>
-              <a:t>Thursday, November 26, 2020</a:t>
+              <a:t>Friday, November 27, 2020</a:t>
             </a:fld>
             <a:endParaRPr lang="en-US"/>
           </a:p>
@@ -14492,7 +14499,7 @@
           <a:p>
             <a:fld id="{D75BB40A-97BD-4BFB-B639-0BFF95FDE8B7}" type="datetime2">
               <a:rPr lang="en-US" smtClean="0"/>
-              <a:t>Thursday, November 26, 2020</a:t>
+              <a:t>Friday, November 27, 2020</a:t>
             </a:fld>
             <a:endParaRPr lang="en-US"/>
           </a:p>
@@ -15527,7 +15534,7 @@
           <a:p>
             <a:fld id="{9EE9E0E3-ECF6-4CFE-8698-AEFEBCECC3C0}" type="datetime2">
               <a:rPr lang="en-US" smtClean="0"/>
-              <a:t>Thursday, November 26, 2020</a:t>
+              <a:t>Friday, November 27, 2020</a:t>
             </a:fld>
             <a:endParaRPr lang="en-US"/>
           </a:p>
@@ -16173,7 +16180,7 @@
           <a:p>
             <a:fld id="{251462FC-960E-4740-921F-B36862979F21}" type="datetime2">
               <a:rPr lang="en-US" smtClean="0"/>
-              <a:t>Thursday, November 26, 2020</a:t>
+              <a:t>Friday, November 27, 2020</a:t>
             </a:fld>
             <a:endParaRPr lang="en-US"/>
           </a:p>
@@ -16937,7 +16944,7 @@
           <a:p>
             <a:fld id="{E50BC9E2-CB44-4C05-9BB5-496C18A241E0}" type="datetime2">
               <a:rPr lang="en-US" smtClean="0"/>
-              <a:t>Thursday, November 26, 2020</a:t>
+              <a:t>Friday, November 27, 2020</a:t>
             </a:fld>
             <a:endParaRPr lang="en-US"/>
           </a:p>
@@ -17190,7 +17197,7 @@
           <a:p>
             <a:fld id="{246CB39B-5F4C-4A7E-9BE3-AAFD45576D16}" type="datetime2">
               <a:rPr lang="en-US" smtClean="0"/>
-              <a:t>Thursday, November 26, 2020</a:t>
+              <a:t>Friday, November 27, 2020</a:t>
             </a:fld>
             <a:endParaRPr lang="en-US" dirty="0"/>
           </a:p>
@@ -18399,6 +18406,3998 @@
 </file>
 
 <file path=ppt/slides/slide10.xml><?xml version="1.0" encoding="utf-8"?>
+<p:sld xmlns:a="http://schemas.openxmlformats.org/drawingml/2006/main" xmlns:r="http://schemas.openxmlformats.org/officeDocument/2006/relationships" xmlns:p="http://schemas.openxmlformats.org/presentationml/2006/main">
+  <p:cSld>
+    <p:bg>
+      <p:bgPr>
+        <a:solidFill>
+          <a:schemeClr val="bg2"/>
+        </a:solidFill>
+        <a:effectLst/>
+      </p:bgPr>
+    </p:bg>
+    <p:spTree>
+      <p:nvGrpSpPr>
+        <p:cNvPr id="1" name=""/>
+        <p:cNvGrpSpPr/>
+        <p:nvPr/>
+      </p:nvGrpSpPr>
+      <p:grpSpPr>
+        <a:xfrm>
+          <a:off x="0" y="0"/>
+          <a:ext cx="0" cy="0"/>
+          <a:chOff x="0" y="0"/>
+          <a:chExt cx="0" cy="0"/>
+        </a:xfrm>
+      </p:grpSpPr>
+      <p:sp useBgFill="1">
+        <p:nvSpPr>
+          <p:cNvPr id="19" name="Rectangle 18">
+            <a:extLst>
+              <a:ext uri="{FF2B5EF4-FFF2-40B4-BE49-F238E27FC236}">
+                <a16:creationId xmlns:a16="http://schemas.microsoft.com/office/drawing/2014/main" id="{60B7752B-728D-4CA3-8923-C4F7F77029E3}"/>
+              </a:ext>
+              <a:ext uri="{C183D7F6-B498-43B3-948B-1728B52AA6E4}">
+                <adec:decorative xmlns:adec="http://schemas.microsoft.com/office/drawing/2017/decorative" val="1"/>
+              </a:ext>
+            </a:extLst>
+          </p:cNvPr>
+          <p:cNvSpPr>
+            <a:spLocks noGrp="1" noRot="1" noChangeAspect="1" noMove="1" noResize="1" noEditPoints="1" noAdjustHandles="1" noChangeArrowheads="1" noChangeShapeType="1" noTextEdit="1"/>
+          </p:cNvSpPr>
+          <p:nvPr>
+            <p:extLst>
+              <p:ext uri="{386F3935-93C4-4BCD-93E2-E3B085C9AB24}">
+                <p16:designElem xmlns:p16="http://schemas.microsoft.com/office/powerpoint/2015/main" val="1"/>
+              </p:ext>
+            </p:extLst>
+          </p:nvPr>
+        </p:nvSpPr>
+        <p:spPr>
+          <a:xfrm>
+            <a:off x="0" y="0"/>
+            <a:ext cx="12192000" cy="6858000"/>
+          </a:xfrm>
+          <a:prstGeom prst="rect">
+            <a:avLst/>
+          </a:prstGeom>
+          <a:ln w="12700" cap="flat" cmpd="sng" algn="ctr">
+            <a:noFill/>
+            <a:prstDash val="solid"/>
+            <a:miter lim="800000"/>
+          </a:ln>
+          <a:effectLst/>
+          <a:extLst>
+            <a:ext uri="{91240B29-F687-4F45-9708-019B960494DF}">
+              <a14:hiddenLine xmlns:a14="http://schemas.microsoft.com/office/drawing/2010/main" w="12700" cap="flat" cmpd="sng" algn="ctr">
+                <a:solidFill>
+                  <a:schemeClr val="accent1">
+                    <a:shade val="50000"/>
+                  </a:schemeClr>
+                </a:solidFill>
+                <a:prstDash val="solid"/>
+                <a:miter lim="800000"/>
+              </a14:hiddenLine>
+            </a:ext>
+          </a:extLst>
+        </p:spPr>
+        <p:style>
+          <a:lnRef idx="2">
+            <a:schemeClr val="accent1">
+              <a:shade val="50000"/>
+            </a:schemeClr>
+          </a:lnRef>
+          <a:fillRef idx="1">
+            <a:schemeClr val="accent1"/>
+          </a:fillRef>
+          <a:effectRef idx="0">
+            <a:schemeClr val="accent1"/>
+          </a:effectRef>
+          <a:fontRef idx="minor">
+            <a:schemeClr val="lt1"/>
+          </a:fontRef>
+        </p:style>
+        <p:txBody>
+          <a:bodyPr rtlCol="0" anchor="ctr"/>
+          <a:lstStyle/>
+          <a:p>
+            <a:pPr algn="ctr"/>
+            <a:endParaRPr lang="en-US"/>
+          </a:p>
+        </p:txBody>
+      </p:sp>
+      <p:sp>
+        <p:nvSpPr>
+          <p:cNvPr id="5" name="Title 4">
+            <a:extLst>
+              <a:ext uri="{FF2B5EF4-FFF2-40B4-BE49-F238E27FC236}">
+                <a16:creationId xmlns:a16="http://schemas.microsoft.com/office/drawing/2014/main" id="{1D2A6076-6E78-CE46-9BB4-116D6E7D97D4}"/>
+              </a:ext>
+            </a:extLst>
+          </p:cNvPr>
+          <p:cNvSpPr>
+            <a:spLocks noGrp="1"/>
+          </p:cNvSpPr>
+          <p:nvPr>
+            <p:ph type="title"/>
+          </p:nvPr>
+        </p:nvSpPr>
+        <p:spPr>
+          <a:xfrm>
+            <a:off x="550863" y="1520825"/>
+            <a:ext cx="4535487" cy="3779838"/>
+          </a:xfrm>
+        </p:spPr>
+        <p:txBody>
+          <a:bodyPr anchor="ctr">
+            <a:normAutofit/>
+          </a:bodyPr>
+          <a:lstStyle/>
+          <a:p>
+            <a:r>
+              <a:rPr lang="en-US" sz="5000"/>
+              <a:t>Hyperparameter Tuning</a:t>
+            </a:r>
+          </a:p>
+        </p:txBody>
+      </p:sp>
+      <p:grpSp>
+        <p:nvGrpSpPr>
+          <p:cNvPr id="21" name="Group 20">
+            <a:extLst>
+              <a:ext uri="{FF2B5EF4-FFF2-40B4-BE49-F238E27FC236}">
+                <a16:creationId xmlns:a16="http://schemas.microsoft.com/office/drawing/2014/main" id="{20205E53-D75C-4F15-A4A3-21DA0826FCE9}"/>
+              </a:ext>
+              <a:ext uri="{C183D7F6-B498-43B3-948B-1728B52AA6E4}">
+                <adec:decorative xmlns:adec="http://schemas.microsoft.com/office/drawing/2017/decorative" val="1"/>
+              </a:ext>
+            </a:extLst>
+          </p:cNvPr>
+          <p:cNvGrpSpPr>
+            <a:grpSpLocks noGrp="1" noUngrp="1" noRot="1" noChangeAspect="1" noMove="1" noResize="1"/>
+          </p:cNvGrpSpPr>
+          <p:nvPr>
+            <p:extLst>
+              <p:ext uri="{386F3935-93C4-4BCD-93E2-E3B085C9AB24}">
+                <p16:designElem xmlns:p16="http://schemas.microsoft.com/office/powerpoint/2015/main" val="1"/>
+              </p:ext>
+            </p:extLst>
+          </p:nvPr>
+        </p:nvGrpSpPr>
+        <p:grpSpPr>
+          <a:xfrm>
+            <a:off x="1132950" y="623661"/>
+            <a:ext cx="667800" cy="631474"/>
+            <a:chOff x="8069541" y="1262702"/>
+            <a:chExt cx="667800" cy="631474"/>
+          </a:xfrm>
+        </p:grpSpPr>
+        <p:sp>
+          <p:nvSpPr>
+            <p:cNvPr id="22" name="Freeform: Shape 21">
+              <a:extLst>
+                <a:ext uri="{FF2B5EF4-FFF2-40B4-BE49-F238E27FC236}">
+                  <a16:creationId xmlns:a16="http://schemas.microsoft.com/office/drawing/2014/main" id="{EB48C7E5-9699-4FB1-9EEE-581C686293C0}"/>
+                </a:ext>
+                <a:ext uri="{C183D7F6-B498-43B3-948B-1728B52AA6E4}">
+                  <adec:decorative xmlns:adec="http://schemas.microsoft.com/office/drawing/2017/decorative" val="1"/>
+                </a:ext>
+              </a:extLst>
+            </p:cNvPr>
+            <p:cNvSpPr>
+              <a:spLocks noChangeAspect="1"/>
+            </p:cNvSpPr>
+            <p:nvPr>
+              <p:extLst>
+                <p:ext uri="{386F3935-93C4-4BCD-93E2-E3B085C9AB24}">
+                  <p16:designElem xmlns:p16="http://schemas.microsoft.com/office/powerpoint/2015/main" val="1"/>
+                </p:ext>
+              </p:extLst>
+            </p:nvPr>
+          </p:nvSpPr>
+          <p:spPr>
+            <a:xfrm rot="18900000">
+              <a:off x="8069541" y="1262702"/>
+              <a:ext cx="540000" cy="631474"/>
+            </a:xfrm>
+            <a:custGeom>
+              <a:avLst/>
+              <a:gdLst>
+                <a:gd name="connsiteX0" fmla="*/ 540000 w 1080000"/>
+                <a:gd name="connsiteY0" fmla="*/ 0 h 1262947"/>
+                <a:gd name="connsiteX1" fmla="*/ 1080000 w 1080000"/>
+                <a:gd name="connsiteY1" fmla="*/ 931034 h 1262947"/>
+                <a:gd name="connsiteX2" fmla="*/ 1064374 w 1080000"/>
+                <a:gd name="connsiteY2" fmla="*/ 931034 h 1262947"/>
+                <a:gd name="connsiteX3" fmla="*/ 1069029 w 1080000"/>
+                <a:gd name="connsiteY3" fmla="*/ 938533 h 1262947"/>
+                <a:gd name="connsiteX4" fmla="*/ 1080000 w 1080000"/>
+                <a:gd name="connsiteY4" fmla="*/ 992947 h 1262947"/>
+                <a:gd name="connsiteX5" fmla="*/ 540000 w 1080000"/>
+                <a:gd name="connsiteY5" fmla="*/ 1262947 h 1262947"/>
+                <a:gd name="connsiteX6" fmla="*/ 0 w 1080000"/>
+                <a:gd name="connsiteY6" fmla="*/ 992947 h 1262947"/>
+                <a:gd name="connsiteX7" fmla="*/ 10971 w 1080000"/>
+                <a:gd name="connsiteY7" fmla="*/ 938533 h 1262947"/>
+                <a:gd name="connsiteX8" fmla="*/ 15626 w 1080000"/>
+                <a:gd name="connsiteY8" fmla="*/ 931034 h 1262947"/>
+                <a:gd name="connsiteX9" fmla="*/ 0 w 1080000"/>
+                <a:gd name="connsiteY9" fmla="*/ 931034 h 1262947"/>
+                <a:gd name="connsiteX0" fmla="*/ 540000 w 1080000"/>
+                <a:gd name="connsiteY0" fmla="*/ 0 h 1262947"/>
+                <a:gd name="connsiteX1" fmla="*/ 1080000 w 1080000"/>
+                <a:gd name="connsiteY1" fmla="*/ 931034 h 1262947"/>
+                <a:gd name="connsiteX2" fmla="*/ 1064374 w 1080000"/>
+                <a:gd name="connsiteY2" fmla="*/ 931034 h 1262947"/>
+                <a:gd name="connsiteX3" fmla="*/ 1069029 w 1080000"/>
+                <a:gd name="connsiteY3" fmla="*/ 938533 h 1262947"/>
+                <a:gd name="connsiteX4" fmla="*/ 1080000 w 1080000"/>
+                <a:gd name="connsiteY4" fmla="*/ 992947 h 1262947"/>
+                <a:gd name="connsiteX5" fmla="*/ 540000 w 1080000"/>
+                <a:gd name="connsiteY5" fmla="*/ 1262947 h 1262947"/>
+                <a:gd name="connsiteX6" fmla="*/ 0 w 1080000"/>
+                <a:gd name="connsiteY6" fmla="*/ 992947 h 1262947"/>
+                <a:gd name="connsiteX7" fmla="*/ 10971 w 1080000"/>
+                <a:gd name="connsiteY7" fmla="*/ 938533 h 1262947"/>
+                <a:gd name="connsiteX8" fmla="*/ 15626 w 1080000"/>
+                <a:gd name="connsiteY8" fmla="*/ 931034 h 1262947"/>
+                <a:gd name="connsiteX9" fmla="*/ 540000 w 1080000"/>
+                <a:gd name="connsiteY9" fmla="*/ 0 h 1262947"/>
+                <a:gd name="connsiteX0" fmla="*/ 540000 w 1080000"/>
+                <a:gd name="connsiteY0" fmla="*/ 0 h 1262947"/>
+                <a:gd name="connsiteX1" fmla="*/ 1064374 w 1080000"/>
+                <a:gd name="connsiteY1" fmla="*/ 931034 h 1262947"/>
+                <a:gd name="connsiteX2" fmla="*/ 1069029 w 1080000"/>
+                <a:gd name="connsiteY2" fmla="*/ 938533 h 1262947"/>
+                <a:gd name="connsiteX3" fmla="*/ 1080000 w 1080000"/>
+                <a:gd name="connsiteY3" fmla="*/ 992947 h 1262947"/>
+                <a:gd name="connsiteX4" fmla="*/ 540000 w 1080000"/>
+                <a:gd name="connsiteY4" fmla="*/ 1262947 h 1262947"/>
+                <a:gd name="connsiteX5" fmla="*/ 0 w 1080000"/>
+                <a:gd name="connsiteY5" fmla="*/ 992947 h 1262947"/>
+                <a:gd name="connsiteX6" fmla="*/ 10971 w 1080000"/>
+                <a:gd name="connsiteY6" fmla="*/ 938533 h 1262947"/>
+                <a:gd name="connsiteX7" fmla="*/ 15626 w 1080000"/>
+                <a:gd name="connsiteY7" fmla="*/ 931034 h 1262947"/>
+                <a:gd name="connsiteX8" fmla="*/ 540000 w 1080000"/>
+                <a:gd name="connsiteY8" fmla="*/ 0 h 1262947"/>
+              </a:gdLst>
+              <a:ahLst/>
+              <a:cxnLst>
+                <a:cxn ang="0">
+                  <a:pos x="connsiteX0" y="connsiteY0"/>
+                </a:cxn>
+                <a:cxn ang="0">
+                  <a:pos x="connsiteX1" y="connsiteY1"/>
+                </a:cxn>
+                <a:cxn ang="0">
+                  <a:pos x="connsiteX2" y="connsiteY2"/>
+                </a:cxn>
+                <a:cxn ang="0">
+                  <a:pos x="connsiteX3" y="connsiteY3"/>
+                </a:cxn>
+                <a:cxn ang="0">
+                  <a:pos x="connsiteX4" y="connsiteY4"/>
+                </a:cxn>
+                <a:cxn ang="0">
+                  <a:pos x="connsiteX5" y="connsiteY5"/>
+                </a:cxn>
+                <a:cxn ang="0">
+                  <a:pos x="connsiteX6" y="connsiteY6"/>
+                </a:cxn>
+                <a:cxn ang="0">
+                  <a:pos x="connsiteX7" y="connsiteY7"/>
+                </a:cxn>
+                <a:cxn ang="0">
+                  <a:pos x="connsiteX8" y="connsiteY8"/>
+                </a:cxn>
+              </a:cxnLst>
+              <a:rect l="l" t="t" r="r" b="b"/>
+              <a:pathLst>
+                <a:path w="1080000" h="1262947">
+                  <a:moveTo>
+                    <a:pt x="540000" y="0"/>
+                  </a:moveTo>
+                  <a:lnTo>
+                    <a:pt x="1064374" y="931034"/>
+                  </a:lnTo>
+                  <a:lnTo>
+                    <a:pt x="1069029" y="938533"/>
+                  </a:lnTo>
+                  <a:cubicBezTo>
+                    <a:pt x="1076223" y="956109"/>
+                    <a:pt x="1080000" y="974307"/>
+                    <a:pt x="1080000" y="992947"/>
+                  </a:cubicBezTo>
+                  <a:cubicBezTo>
+                    <a:pt x="1080000" y="1142064"/>
+                    <a:pt x="838234" y="1262947"/>
+                    <a:pt x="540000" y="1262947"/>
+                  </a:cubicBezTo>
+                  <a:cubicBezTo>
+                    <a:pt x="241766" y="1262947"/>
+                    <a:pt x="0" y="1142064"/>
+                    <a:pt x="0" y="992947"/>
+                  </a:cubicBezTo>
+                  <a:cubicBezTo>
+                    <a:pt x="0" y="974307"/>
+                    <a:pt x="3778" y="956109"/>
+                    <a:pt x="10971" y="938533"/>
+                  </a:cubicBezTo>
+                  <a:lnTo>
+                    <a:pt x="15626" y="931034"/>
+                  </a:lnTo>
+                  <a:lnTo>
+                    <a:pt x="540000" y="0"/>
+                  </a:lnTo>
+                  <a:close/>
+                </a:path>
+              </a:pathLst>
+            </a:custGeom>
+            <a:gradFill>
+              <a:gsLst>
+                <a:gs pos="60000">
+                  <a:schemeClr val="bg2">
+                    <a:lumMod val="90000"/>
+                    <a:lumOff val="10000"/>
+                  </a:schemeClr>
+                </a:gs>
+                <a:gs pos="30000">
+                  <a:schemeClr val="bg2">
+                    <a:lumMod val="90000"/>
+                    <a:lumOff val="10000"/>
+                  </a:schemeClr>
+                </a:gs>
+                <a:gs pos="40000">
+                  <a:schemeClr val="bg2">
+                    <a:lumMod val="75000"/>
+                    <a:lumOff val="25000"/>
+                  </a:schemeClr>
+                </a:gs>
+                <a:gs pos="100000">
+                  <a:schemeClr val="bg2"/>
+                </a:gs>
+              </a:gsLst>
+              <a:lin ang="10200000" scaled="0"/>
+            </a:gradFill>
+            <a:ln>
+              <a:noFill/>
+            </a:ln>
+            <a:effectLst>
+              <a:innerShdw blurRad="127000" dist="50800" dir="4200000">
+                <a:schemeClr val="accent1">
+                  <a:lumMod val="60000"/>
+                  <a:lumOff val="40000"/>
+                  <a:alpha val="20000"/>
+                </a:schemeClr>
+              </a:innerShdw>
+            </a:effectLst>
+          </p:spPr>
+          <p:style>
+            <a:lnRef idx="2">
+              <a:schemeClr val="accent1">
+                <a:shade val="50000"/>
+              </a:schemeClr>
+            </a:lnRef>
+            <a:fillRef idx="1">
+              <a:schemeClr val="accent1"/>
+            </a:fillRef>
+            <a:effectRef idx="0">
+              <a:schemeClr val="accent1"/>
+            </a:effectRef>
+            <a:fontRef idx="minor">
+              <a:schemeClr val="lt1"/>
+            </a:fontRef>
+          </p:style>
+          <p:txBody>
+            <a:bodyPr rot="0" spcFirstLastPara="0" vertOverflow="overflow" horzOverflow="overflow" vert="horz" wrap="square" lIns="91440" tIns="45720" rIns="91440" bIns="45720" numCol="1" spcCol="0" rtlCol="0" fromWordArt="0" anchor="ctr" anchorCtr="0" forceAA="0" compatLnSpc="1">
+              <a:prstTxWarp prst="textNoShape">
+                <a:avLst/>
+              </a:prstTxWarp>
+              <a:noAutofit/>
+            </a:bodyPr>
+            <a:lstStyle/>
+            <a:p>
+              <a:pPr algn="ctr"/>
+              <a:endParaRPr lang="en-US"/>
+            </a:p>
+          </p:txBody>
+        </p:sp>
+        <p:sp>
+          <p:nvSpPr>
+            <p:cNvPr id="23" name="Oval 22">
+              <a:extLst>
+                <a:ext uri="{FF2B5EF4-FFF2-40B4-BE49-F238E27FC236}">
+                  <a16:creationId xmlns:a16="http://schemas.microsoft.com/office/drawing/2014/main" id="{316993F2-7052-4269-8B81-AC271D2D9911}"/>
+                </a:ext>
+                <a:ext uri="{C183D7F6-B498-43B3-948B-1728B52AA6E4}">
+                  <adec:decorative xmlns:adec="http://schemas.microsoft.com/office/drawing/2017/decorative" val="1"/>
+                </a:ext>
+              </a:extLst>
+            </p:cNvPr>
+            <p:cNvSpPr/>
+            <p:nvPr>
+              <p:extLst>
+                <p:ext uri="{386F3935-93C4-4BCD-93E2-E3B085C9AB24}">
+                  <p16:designElem xmlns:p16="http://schemas.microsoft.com/office/powerpoint/2015/main" val="1"/>
+                </p:ext>
+              </p:extLst>
+            </p:nvPr>
+          </p:nvSpPr>
+          <p:spPr>
+            <a:xfrm rot="2700000">
+              <a:off x="8332341" y="1436239"/>
+              <a:ext cx="270000" cy="540000"/>
+            </a:xfrm>
+            <a:prstGeom prst="ellipse">
+              <a:avLst/>
+            </a:prstGeom>
+            <a:solidFill>
+              <a:schemeClr val="bg2">
+                <a:lumMod val="90000"/>
+                <a:lumOff val="10000"/>
+              </a:schemeClr>
+            </a:solidFill>
+            <a:ln>
+              <a:noFill/>
+            </a:ln>
+            <a:effectLst>
+              <a:innerShdw blurRad="1270000" dist="2540000">
+                <a:schemeClr val="accent1">
+                  <a:lumMod val="60000"/>
+                  <a:lumOff val="40000"/>
+                  <a:alpha val="0"/>
+                </a:schemeClr>
+              </a:innerShdw>
+            </a:effectLst>
+          </p:spPr>
+          <p:style>
+            <a:lnRef idx="2">
+              <a:schemeClr val="accent1">
+                <a:shade val="50000"/>
+              </a:schemeClr>
+            </a:lnRef>
+            <a:fillRef idx="1">
+              <a:schemeClr val="accent1"/>
+            </a:fillRef>
+            <a:effectRef idx="0">
+              <a:schemeClr val="accent1"/>
+            </a:effectRef>
+            <a:fontRef idx="minor">
+              <a:schemeClr val="lt1"/>
+            </a:fontRef>
+          </p:style>
+          <p:txBody>
+            <a:bodyPr rot="0" spcFirstLastPara="0" vertOverflow="overflow" horzOverflow="overflow" vert="horz" wrap="square" lIns="91440" tIns="45720" rIns="91440" bIns="45720" numCol="1" spcCol="0" rtlCol="0" fromWordArt="0" anchor="ctr" anchorCtr="0" forceAA="0" compatLnSpc="1">
+              <a:prstTxWarp prst="textNoShape">
+                <a:avLst/>
+              </a:prstTxWarp>
+              <a:noAutofit/>
+            </a:bodyPr>
+            <a:lstStyle/>
+            <a:p>
+              <a:pPr algn="ctr"/>
+              <a:endParaRPr lang="en-US" dirty="0"/>
+            </a:p>
+          </p:txBody>
+        </p:sp>
+      </p:grpSp>
+      <p:sp>
+        <p:nvSpPr>
+          <p:cNvPr id="25" name="Oval 24">
+            <a:extLst>
+              <a:ext uri="{FF2B5EF4-FFF2-40B4-BE49-F238E27FC236}">
+                <a16:creationId xmlns:a16="http://schemas.microsoft.com/office/drawing/2014/main" id="{52D58DC7-20C8-4471-BAA7-B296A2AEC3F6}"/>
+              </a:ext>
+              <a:ext uri="{C183D7F6-B498-43B3-948B-1728B52AA6E4}">
+                <adec:decorative xmlns:adec="http://schemas.microsoft.com/office/drawing/2017/decorative" val="1"/>
+              </a:ext>
+            </a:extLst>
+          </p:cNvPr>
+          <p:cNvSpPr>
+            <a:spLocks noGrp="1" noRot="1" noChangeAspect="1" noMove="1" noResize="1" noEditPoints="1" noAdjustHandles="1" noChangeArrowheads="1" noChangeShapeType="1" noTextEdit="1"/>
+          </p:cNvSpPr>
+          <p:nvPr>
+            <p:extLst>
+              <p:ext uri="{386F3935-93C4-4BCD-93E2-E3B085C9AB24}">
+                <p16:designElem xmlns:p16="http://schemas.microsoft.com/office/powerpoint/2015/main" val="1"/>
+              </p:ext>
+            </p:extLst>
+          </p:nvPr>
+        </p:nvSpPr>
+        <p:spPr>
+          <a:xfrm>
+            <a:off x="482384" y="4977175"/>
+            <a:ext cx="360000" cy="360000"/>
+          </a:xfrm>
+          <a:prstGeom prst="ellipse">
+            <a:avLst/>
+          </a:prstGeom>
+          <a:gradFill flip="none" rotWithShape="1">
+            <a:gsLst>
+              <a:gs pos="100000">
+                <a:schemeClr val="bg2">
+                  <a:lumMod val="50000"/>
+                  <a:lumOff val="50000"/>
+                </a:schemeClr>
+              </a:gs>
+              <a:gs pos="60000">
+                <a:schemeClr val="bg2"/>
+              </a:gs>
+            </a:gsLst>
+            <a:path path="circle">
+              <a:fillToRect l="100000" b="100000"/>
+            </a:path>
+            <a:tileRect t="-100000" r="-100000"/>
+          </a:gradFill>
+          <a:ln>
+            <a:noFill/>
+          </a:ln>
+          <a:effectLst>
+            <a:innerShdw blurRad="127000" dist="63500" dir="2700000">
+              <a:schemeClr val="accent1">
+                <a:lumMod val="60000"/>
+                <a:lumOff val="40000"/>
+                <a:alpha val="20000"/>
+              </a:schemeClr>
+            </a:innerShdw>
+            <a:softEdge rad="0"/>
+          </a:effectLst>
+        </p:spPr>
+        <p:style>
+          <a:lnRef idx="2">
+            <a:schemeClr val="accent1">
+              <a:shade val="50000"/>
+            </a:schemeClr>
+          </a:lnRef>
+          <a:fillRef idx="1">
+            <a:schemeClr val="accent1"/>
+          </a:fillRef>
+          <a:effectRef idx="0">
+            <a:schemeClr val="accent1"/>
+          </a:effectRef>
+          <a:fontRef idx="minor">
+            <a:schemeClr val="lt1"/>
+          </a:fontRef>
+        </p:style>
+        <p:txBody>
+          <a:bodyPr rot="0" spcFirstLastPara="0" vertOverflow="overflow" horzOverflow="overflow" vert="horz" wrap="square" lIns="91440" tIns="45720" rIns="91440" bIns="45720" numCol="1" spcCol="0" rtlCol="0" fromWordArt="0" anchor="ctr" anchorCtr="0" forceAA="0" compatLnSpc="1">
+            <a:prstTxWarp prst="textNoShape">
+              <a:avLst/>
+            </a:prstTxWarp>
+            <a:noAutofit/>
+          </a:bodyPr>
+          <a:lstStyle/>
+          <a:p>
+            <a:pPr algn="ctr"/>
+            <a:endParaRPr lang="en-US"/>
+          </a:p>
+        </p:txBody>
+      </p:sp>
+      <p:sp>
+        <p:nvSpPr>
+          <p:cNvPr id="27" name="Freeform: Shape 26">
+            <a:extLst>
+              <a:ext uri="{FF2B5EF4-FFF2-40B4-BE49-F238E27FC236}">
+                <a16:creationId xmlns:a16="http://schemas.microsoft.com/office/drawing/2014/main" id="{8E4AABAC-100B-437F-86D3-981412859411}"/>
+              </a:ext>
+              <a:ext uri="{C183D7F6-B498-43B3-948B-1728B52AA6E4}">
+                <adec:decorative xmlns:adec="http://schemas.microsoft.com/office/drawing/2017/decorative" val="1"/>
+              </a:ext>
+            </a:extLst>
+          </p:cNvPr>
+          <p:cNvSpPr>
+            <a:spLocks noGrp="1" noRot="1" noChangeAspect="1" noMove="1" noResize="1" noEditPoints="1" noAdjustHandles="1" noChangeArrowheads="1" noChangeShapeType="1" noTextEdit="1"/>
+          </p:cNvSpPr>
+          <p:nvPr>
+            <p:extLst>
+              <p:ext uri="{386F3935-93C4-4BCD-93E2-E3B085C9AB24}">
+                <p16:designElem xmlns:p16="http://schemas.microsoft.com/office/powerpoint/2015/main" val="1"/>
+              </p:ext>
+            </p:extLst>
+          </p:nvPr>
+        </p:nvSpPr>
+        <p:spPr>
+          <a:xfrm rot="18900000">
+            <a:off x="3261346" y="5733597"/>
+            <a:ext cx="1758388" cy="926985"/>
+          </a:xfrm>
+          <a:custGeom>
+            <a:avLst/>
+            <a:gdLst>
+              <a:gd name="connsiteX0" fmla="*/ 1486881 w 1758388"/>
+              <a:gd name="connsiteY0" fmla="*/ 271508 h 926985"/>
+              <a:gd name="connsiteX1" fmla="*/ 1758388 w 1758388"/>
+              <a:gd name="connsiteY1" fmla="*/ 926985 h 926985"/>
+              <a:gd name="connsiteX2" fmla="*/ 1294895 w 1758388"/>
+              <a:gd name="connsiteY2" fmla="*/ 926985 h 926985"/>
+              <a:gd name="connsiteX3" fmla="*/ 831404 w 1758388"/>
+              <a:gd name="connsiteY3" fmla="*/ 463493 h 926985"/>
+              <a:gd name="connsiteX4" fmla="*/ 377328 w 1758388"/>
+              <a:gd name="connsiteY4" fmla="*/ 833575 h 926985"/>
+              <a:gd name="connsiteX5" fmla="*/ 371585 w 1758388"/>
+              <a:gd name="connsiteY5" fmla="*/ 890552 h 926985"/>
+              <a:gd name="connsiteX6" fmla="*/ 0 w 1758388"/>
+              <a:gd name="connsiteY6" fmla="*/ 518968 h 926985"/>
+              <a:gd name="connsiteX7" fmla="*/ 16301 w 1758388"/>
+              <a:gd name="connsiteY7" fmla="*/ 485129 h 926985"/>
+              <a:gd name="connsiteX8" fmla="*/ 831403 w 1758388"/>
+              <a:gd name="connsiteY8" fmla="*/ 0 h 926985"/>
+              <a:gd name="connsiteX9" fmla="*/ 1486881 w 1758388"/>
+              <a:gd name="connsiteY9" fmla="*/ 271508 h 926985"/>
+            </a:gdLst>
+            <a:ahLst/>
+            <a:cxnLst>
+              <a:cxn ang="0">
+                <a:pos x="connsiteX0" y="connsiteY0"/>
+              </a:cxn>
+              <a:cxn ang="0">
+                <a:pos x="connsiteX1" y="connsiteY1"/>
+              </a:cxn>
+              <a:cxn ang="0">
+                <a:pos x="connsiteX2" y="connsiteY2"/>
+              </a:cxn>
+              <a:cxn ang="0">
+                <a:pos x="connsiteX3" y="connsiteY3"/>
+              </a:cxn>
+              <a:cxn ang="0">
+                <a:pos x="connsiteX4" y="connsiteY4"/>
+              </a:cxn>
+              <a:cxn ang="0">
+                <a:pos x="connsiteX5" y="connsiteY5"/>
+              </a:cxn>
+              <a:cxn ang="0">
+                <a:pos x="connsiteX6" y="connsiteY6"/>
+              </a:cxn>
+              <a:cxn ang="0">
+                <a:pos x="connsiteX7" y="connsiteY7"/>
+              </a:cxn>
+              <a:cxn ang="0">
+                <a:pos x="connsiteX8" y="connsiteY8"/>
+              </a:cxn>
+              <a:cxn ang="0">
+                <a:pos x="connsiteX9" y="connsiteY9"/>
+              </a:cxn>
+            </a:cxnLst>
+            <a:rect l="l" t="t" r="r" b="b"/>
+            <a:pathLst>
+              <a:path w="1758388" h="926985">
+                <a:moveTo>
+                  <a:pt x="1486881" y="271508"/>
+                </a:moveTo>
+                <a:cubicBezTo>
+                  <a:pt x="1654632" y="439259"/>
+                  <a:pt x="1758388" y="671005"/>
+                  <a:pt x="1758388" y="926985"/>
+                </a:cubicBezTo>
+                <a:lnTo>
+                  <a:pt x="1294895" y="926985"/>
+                </a:lnTo>
+                <a:cubicBezTo>
+                  <a:pt x="1294895" y="671005"/>
+                  <a:pt x="1087383" y="463493"/>
+                  <a:pt x="831404" y="463493"/>
+                </a:cubicBezTo>
+                <a:cubicBezTo>
+                  <a:pt x="607421" y="463493"/>
+                  <a:pt x="420547" y="622370"/>
+                  <a:pt x="377328" y="833575"/>
+                </a:cubicBezTo>
+                <a:lnTo>
+                  <a:pt x="371585" y="890552"/>
+                </a:lnTo>
+                <a:lnTo>
+                  <a:pt x="0" y="518968"/>
+                </a:lnTo>
+                <a:lnTo>
+                  <a:pt x="16301" y="485129"/>
+                </a:lnTo>
+                <a:cubicBezTo>
+                  <a:pt x="173276" y="196165"/>
+                  <a:pt x="479432" y="0"/>
+                  <a:pt x="831403" y="0"/>
+                </a:cubicBezTo>
+                <a:cubicBezTo>
+                  <a:pt x="1087383" y="0"/>
+                  <a:pt x="1319129" y="103757"/>
+                  <a:pt x="1486881" y="271508"/>
+                </a:cubicBezTo>
+                <a:close/>
+              </a:path>
+            </a:pathLst>
+          </a:custGeom>
+          <a:solidFill>
+            <a:schemeClr val="bg2"/>
+          </a:solidFill>
+          <a:ln>
+            <a:noFill/>
+          </a:ln>
+          <a:effectLst>
+            <a:innerShdw blurRad="254000" dist="50800" dir="5400000">
+              <a:schemeClr val="accent1">
+                <a:lumMod val="40000"/>
+                <a:lumOff val="60000"/>
+                <a:alpha val="40000"/>
+              </a:schemeClr>
+            </a:innerShdw>
+          </a:effectLst>
+        </p:spPr>
+        <p:style>
+          <a:lnRef idx="2">
+            <a:schemeClr val="accent1">
+              <a:shade val="50000"/>
+            </a:schemeClr>
+          </a:lnRef>
+          <a:fillRef idx="1">
+            <a:schemeClr val="accent1"/>
+          </a:fillRef>
+          <a:effectRef idx="0">
+            <a:schemeClr val="accent1"/>
+          </a:effectRef>
+          <a:fontRef idx="minor">
+            <a:schemeClr val="lt1"/>
+          </a:fontRef>
+        </p:style>
+        <p:txBody>
+          <a:bodyPr wrap="square" rtlCol="0" anchor="ctr">
+            <a:noAutofit/>
+          </a:bodyPr>
+          <a:lstStyle/>
+          <a:p>
+            <a:pPr algn="ctr"/>
+            <a:endParaRPr lang="en-US" dirty="0">
+              <a:solidFill>
+                <a:schemeClr val="tx1"/>
+              </a:solidFill>
+            </a:endParaRPr>
+          </a:p>
+        </p:txBody>
+      </p:sp>
+      <p:sp>
+        <p:nvSpPr>
+          <p:cNvPr id="29" name="Freeform: Shape 28">
+            <a:extLst>
+              <a:ext uri="{FF2B5EF4-FFF2-40B4-BE49-F238E27FC236}">
+                <a16:creationId xmlns:a16="http://schemas.microsoft.com/office/drawing/2014/main" id="{1DFD33E0-4D46-4176-BAE2-6AED15231C59}"/>
+              </a:ext>
+              <a:ext uri="{C183D7F6-B498-43B3-948B-1728B52AA6E4}">
+                <adec:decorative xmlns:adec="http://schemas.microsoft.com/office/drawing/2017/decorative" val="1"/>
+              </a:ext>
+            </a:extLst>
+          </p:cNvPr>
+          <p:cNvSpPr>
+            <a:spLocks noGrp="1" noRot="1" noChangeAspect="1" noMove="1" noResize="1" noEditPoints="1" noAdjustHandles="1" noChangeArrowheads="1" noChangeShapeType="1" noTextEdit="1"/>
+          </p:cNvSpPr>
+          <p:nvPr>
+            <p:extLst>
+              <p:ext uri="{386F3935-93C4-4BCD-93E2-E3B085C9AB24}">
+                <p16:designElem xmlns:p16="http://schemas.microsoft.com/office/powerpoint/2015/main" val="1"/>
+              </p:ext>
+            </p:extLst>
+          </p:nvPr>
+        </p:nvSpPr>
+        <p:spPr>
+          <a:xfrm rot="18900000">
+            <a:off x="3353363" y="5725768"/>
+            <a:ext cx="1728640" cy="1042921"/>
+          </a:xfrm>
+          <a:custGeom>
+            <a:avLst/>
+            <a:gdLst>
+              <a:gd name="connsiteX0" fmla="*/ 1391304 w 1728640"/>
+              <a:gd name="connsiteY0" fmla="*/ 238153 h 1042921"/>
+              <a:gd name="connsiteX1" fmla="*/ 1728640 w 1728640"/>
+              <a:gd name="connsiteY1" fmla="*/ 1042921 h 1042921"/>
+              <a:gd name="connsiteX2" fmla="*/ 1265147 w 1728640"/>
+              <a:gd name="connsiteY2" fmla="*/ 1042921 h 1042921"/>
+              <a:gd name="connsiteX3" fmla="*/ 801655 w 1728640"/>
+              <a:gd name="connsiteY3" fmla="*/ 521461 h 1042921"/>
+              <a:gd name="connsiteX4" fmla="*/ 374587 w 1728640"/>
+              <a:gd name="connsiteY4" fmla="*/ 839945 h 1042921"/>
+              <a:gd name="connsiteX5" fmla="*/ 362576 w 1728640"/>
+              <a:gd name="connsiteY5" fmla="*/ 883477 h 1042921"/>
+              <a:gd name="connsiteX6" fmla="*/ 0 w 1728640"/>
+              <a:gd name="connsiteY6" fmla="*/ 520901 h 1042921"/>
+              <a:gd name="connsiteX7" fmla="*/ 32986 w 1728640"/>
+              <a:gd name="connsiteY7" fmla="*/ 459814 h 1042921"/>
+              <a:gd name="connsiteX8" fmla="*/ 801656 w 1728640"/>
+              <a:gd name="connsiteY8" fmla="*/ 0 h 1042921"/>
+              <a:gd name="connsiteX9" fmla="*/ 1391304 w 1728640"/>
+              <a:gd name="connsiteY9" fmla="*/ 238153 h 1042921"/>
+            </a:gdLst>
+            <a:ahLst/>
+            <a:cxnLst>
+              <a:cxn ang="0">
+                <a:pos x="connsiteX0" y="connsiteY0"/>
+              </a:cxn>
+              <a:cxn ang="0">
+                <a:pos x="connsiteX1" y="connsiteY1"/>
+              </a:cxn>
+              <a:cxn ang="0">
+                <a:pos x="connsiteX2" y="connsiteY2"/>
+              </a:cxn>
+              <a:cxn ang="0">
+                <a:pos x="connsiteX3" y="connsiteY3"/>
+              </a:cxn>
+              <a:cxn ang="0">
+                <a:pos x="connsiteX4" y="connsiteY4"/>
+              </a:cxn>
+              <a:cxn ang="0">
+                <a:pos x="connsiteX5" y="connsiteY5"/>
+              </a:cxn>
+              <a:cxn ang="0">
+                <a:pos x="connsiteX6" y="connsiteY6"/>
+              </a:cxn>
+              <a:cxn ang="0">
+                <a:pos x="connsiteX7" y="connsiteY7"/>
+              </a:cxn>
+              <a:cxn ang="0">
+                <a:pos x="connsiteX8" y="connsiteY8"/>
+              </a:cxn>
+              <a:cxn ang="0">
+                <a:pos x="connsiteX9" y="connsiteY9"/>
+              </a:cxn>
+            </a:cxnLst>
+            <a:rect l="l" t="t" r="r" b="b"/>
+            <a:pathLst>
+              <a:path w="1728640" h="1042921">
+                <a:moveTo>
+                  <a:pt x="1391304" y="238153"/>
+                </a:moveTo>
+                <a:cubicBezTo>
+                  <a:pt x="1597323" y="429440"/>
+                  <a:pt x="1728640" y="718927"/>
+                  <a:pt x="1728640" y="1042921"/>
+                </a:cubicBezTo>
+                <a:lnTo>
+                  <a:pt x="1265147" y="1042921"/>
+                </a:lnTo>
+                <a:cubicBezTo>
+                  <a:pt x="1265147" y="754926"/>
+                  <a:pt x="1057635" y="521461"/>
+                  <a:pt x="801655" y="521461"/>
+                </a:cubicBezTo>
+                <a:cubicBezTo>
+                  <a:pt x="609671" y="521461"/>
+                  <a:pt x="444949" y="652785"/>
+                  <a:pt x="374587" y="839945"/>
+                </a:cubicBezTo>
+                <a:lnTo>
+                  <a:pt x="362576" y="883477"/>
+                </a:lnTo>
+                <a:lnTo>
+                  <a:pt x="0" y="520901"/>
+                </a:lnTo>
+                <a:lnTo>
+                  <a:pt x="32986" y="459814"/>
+                </a:lnTo>
+                <a:cubicBezTo>
+                  <a:pt x="199571" y="182395"/>
+                  <a:pt x="481681" y="0"/>
+                  <a:pt x="801656" y="0"/>
+                </a:cubicBezTo>
+                <a:cubicBezTo>
+                  <a:pt x="1025638" y="0"/>
+                  <a:pt x="1231066" y="89374"/>
+                  <a:pt x="1391304" y="238153"/>
+                </a:cubicBezTo>
+                <a:close/>
+              </a:path>
+            </a:pathLst>
+          </a:custGeom>
+          <a:solidFill>
+            <a:schemeClr val="bg2">
+              <a:lumMod val="50000"/>
+              <a:lumOff val="50000"/>
+              <a:alpha val="40000"/>
+            </a:schemeClr>
+          </a:solidFill>
+          <a:ln>
+            <a:noFill/>
+          </a:ln>
+          <a:effectLst>
+            <a:softEdge rad="190500"/>
+          </a:effectLst>
+        </p:spPr>
+        <p:style>
+          <a:lnRef idx="2">
+            <a:schemeClr val="accent1">
+              <a:shade val="50000"/>
+            </a:schemeClr>
+          </a:lnRef>
+          <a:fillRef idx="1">
+            <a:schemeClr val="accent1"/>
+          </a:fillRef>
+          <a:effectRef idx="0">
+            <a:schemeClr val="accent1"/>
+          </a:effectRef>
+          <a:fontRef idx="minor">
+            <a:schemeClr val="lt1"/>
+          </a:fontRef>
+        </p:style>
+        <p:txBody>
+          <a:bodyPr wrap="square" rtlCol="0" anchor="ctr">
+            <a:noAutofit/>
+          </a:bodyPr>
+          <a:lstStyle/>
+          <a:p>
+            <a:pPr algn="ctr"/>
+            <a:endParaRPr lang="en-US" dirty="0">
+              <a:solidFill>
+                <a:schemeClr val="tx1"/>
+              </a:solidFill>
+            </a:endParaRPr>
+          </a:p>
+        </p:txBody>
+      </p:sp>
+      <p:sp>
+        <p:nvSpPr>
+          <p:cNvPr id="31" name="Oval 30">
+            <a:extLst>
+              <a:ext uri="{FF2B5EF4-FFF2-40B4-BE49-F238E27FC236}">
+                <a16:creationId xmlns:a16="http://schemas.microsoft.com/office/drawing/2014/main" id="{022B5D87-7689-4E7F-B03A-7F803B5DF799}"/>
+              </a:ext>
+              <a:ext uri="{C183D7F6-B498-43B3-948B-1728B52AA6E4}">
+                <adec:decorative xmlns:adec="http://schemas.microsoft.com/office/drawing/2017/decorative" val="1"/>
+              </a:ext>
+            </a:extLst>
+          </p:cNvPr>
+          <p:cNvSpPr>
+            <a:spLocks noGrp="1" noRot="1" noChangeAspect="1" noMove="1" noResize="1" noEditPoints="1" noAdjustHandles="1" noChangeArrowheads="1" noChangeShapeType="1" noTextEdit="1"/>
+          </p:cNvSpPr>
+          <p:nvPr>
+            <p:extLst>
+              <p:ext uri="{386F3935-93C4-4BCD-93E2-E3B085C9AB24}">
+                <p16:designElem xmlns:p16="http://schemas.microsoft.com/office/powerpoint/2015/main" val="1"/>
+              </p:ext>
+            </p:extLst>
+          </p:nvPr>
+        </p:nvSpPr>
+        <p:spPr>
+          <a:xfrm rot="2700000">
+            <a:off x="4872920" y="5836283"/>
+            <a:ext cx="107098" cy="466589"/>
+          </a:xfrm>
+          <a:prstGeom prst="ellipse">
+            <a:avLst/>
+          </a:prstGeom>
+          <a:solidFill>
+            <a:schemeClr val="bg2"/>
+          </a:solidFill>
+          <a:ln>
+            <a:noFill/>
+          </a:ln>
+          <a:effectLst>
+            <a:innerShdw blurRad="63500" dist="2540000">
+              <a:schemeClr val="accent1">
+                <a:lumMod val="40000"/>
+                <a:lumOff val="60000"/>
+                <a:alpha val="20000"/>
+              </a:schemeClr>
+            </a:innerShdw>
+          </a:effectLst>
+        </p:spPr>
+        <p:style>
+          <a:lnRef idx="2">
+            <a:schemeClr val="accent1">
+              <a:shade val="50000"/>
+            </a:schemeClr>
+          </a:lnRef>
+          <a:fillRef idx="1">
+            <a:schemeClr val="accent1"/>
+          </a:fillRef>
+          <a:effectRef idx="0">
+            <a:schemeClr val="accent1"/>
+          </a:effectRef>
+          <a:fontRef idx="minor">
+            <a:schemeClr val="lt1"/>
+          </a:fontRef>
+        </p:style>
+        <p:txBody>
+          <a:bodyPr rot="0" spcFirstLastPara="0" vertOverflow="overflow" horzOverflow="overflow" vert="horz" wrap="square" lIns="91440" tIns="45720" rIns="91440" bIns="45720" numCol="1" spcCol="0" rtlCol="0" fromWordArt="0" anchor="ctr" anchorCtr="0" forceAA="0" compatLnSpc="1">
+            <a:prstTxWarp prst="textNoShape">
+              <a:avLst/>
+            </a:prstTxWarp>
+            <a:noAutofit/>
+          </a:bodyPr>
+          <a:lstStyle/>
+          <a:p>
+            <a:pPr algn="ctr"/>
+            <a:endParaRPr lang="en-US"/>
+          </a:p>
+        </p:txBody>
+      </p:sp>
+      <p:graphicFrame>
+        <p:nvGraphicFramePr>
+          <p:cNvPr id="8" name="Content Placeholder 5">
+            <a:extLst>
+              <a:ext uri="{FF2B5EF4-FFF2-40B4-BE49-F238E27FC236}">
+                <a16:creationId xmlns:a16="http://schemas.microsoft.com/office/drawing/2014/main" id="{4A1CD662-ABBE-45E4-95F2-BA6F9004882D}"/>
+              </a:ext>
+            </a:extLst>
+          </p:cNvPr>
+          <p:cNvGraphicFramePr>
+            <a:graphicFrameLocks noGrp="1"/>
+          </p:cNvGraphicFramePr>
+          <p:nvPr>
+            <p:ph idx="1"/>
+            <p:extLst>
+              <p:ext uri="{D42A27DB-BD31-4B8C-83A1-F6EECF244321}">
+                <p14:modId xmlns:p14="http://schemas.microsoft.com/office/powerpoint/2010/main" val="728619382"/>
+              </p:ext>
+            </p:extLst>
+          </p:nvPr>
+        </p:nvGraphicFramePr>
+        <p:xfrm>
+          <a:off x="5267325" y="549275"/>
+          <a:ext cx="6373814" cy="5759450"/>
+        </p:xfrm>
+        <a:graphic>
+          <a:graphicData uri="http://schemas.openxmlformats.org/drawingml/2006/diagram">
+            <dgm:relIds xmlns:dgm="http://schemas.openxmlformats.org/drawingml/2006/diagram" xmlns:r="http://schemas.openxmlformats.org/officeDocument/2006/relationships" r:dm="rId2" r:lo="rId3" r:qs="rId4" r:cs="rId5"/>
+          </a:graphicData>
+        </a:graphic>
+      </p:graphicFrame>
+    </p:spTree>
+    <p:extLst>
+      <p:ext uri="{BB962C8B-B14F-4D97-AF65-F5344CB8AC3E}">
+        <p14:creationId xmlns:p14="http://schemas.microsoft.com/office/powerpoint/2010/main" val="791904048"/>
+      </p:ext>
+    </p:extLst>
+  </p:cSld>
+  <p:clrMapOvr>
+    <a:masterClrMapping/>
+  </p:clrMapOvr>
+</p:sld>
+</file>
+
+<file path=ppt/slides/slide11.xml><?xml version="1.0" encoding="utf-8"?>
+<p:sld xmlns:a="http://schemas.openxmlformats.org/drawingml/2006/main" xmlns:r="http://schemas.openxmlformats.org/officeDocument/2006/relationships" xmlns:p="http://schemas.openxmlformats.org/presentationml/2006/main">
+  <p:cSld>
+    <p:spTree>
+      <p:nvGrpSpPr>
+        <p:cNvPr id="1" name=""/>
+        <p:cNvGrpSpPr/>
+        <p:nvPr/>
+      </p:nvGrpSpPr>
+      <p:grpSpPr>
+        <a:xfrm>
+          <a:off x="0" y="0"/>
+          <a:ext cx="0" cy="0"/>
+          <a:chOff x="0" y="0"/>
+          <a:chExt cx="0" cy="0"/>
+        </a:xfrm>
+      </p:grpSpPr>
+      <p:sp>
+        <p:nvSpPr>
+          <p:cNvPr id="2" name="Title 1">
+            <a:extLst>
+              <a:ext uri="{FF2B5EF4-FFF2-40B4-BE49-F238E27FC236}">
+                <a16:creationId xmlns:a16="http://schemas.microsoft.com/office/drawing/2014/main" id="{DBD1BE5A-2F51-1442-AE97-665736C41343}"/>
+              </a:ext>
+            </a:extLst>
+          </p:cNvPr>
+          <p:cNvSpPr>
+            <a:spLocks noGrp="1"/>
+          </p:cNvSpPr>
+          <p:nvPr>
+            <p:ph type="title"/>
+          </p:nvPr>
+        </p:nvSpPr>
+        <p:spPr/>
+        <p:txBody>
+          <a:bodyPr/>
+          <a:lstStyle/>
+          <a:p>
+            <a:r>
+              <a:rPr lang="en-US" dirty="0"/>
+              <a:t>Extended Modeling – Recall Scores</a:t>
+            </a:r>
+          </a:p>
+        </p:txBody>
+      </p:sp>
+      <p:sp>
+        <p:nvSpPr>
+          <p:cNvPr id="4" name="Content Placeholder 3">
+            <a:extLst>
+              <a:ext uri="{FF2B5EF4-FFF2-40B4-BE49-F238E27FC236}">
+                <a16:creationId xmlns:a16="http://schemas.microsoft.com/office/drawing/2014/main" id="{B4DC2CDD-8EE3-744D-B384-F37E1C6C8A05}"/>
+              </a:ext>
+            </a:extLst>
+          </p:cNvPr>
+          <p:cNvSpPr>
+            <a:spLocks noGrp="1"/>
+          </p:cNvSpPr>
+          <p:nvPr>
+            <p:ph sz="half" idx="1"/>
+          </p:nvPr>
+        </p:nvSpPr>
+        <p:spPr/>
+        <p:txBody>
+          <a:bodyPr/>
+          <a:lstStyle/>
+          <a:p>
+            <a:r>
+              <a:rPr lang="en-US" dirty="0"/>
+              <a:t>Before Tuning</a:t>
+            </a:r>
+          </a:p>
+        </p:txBody>
+      </p:sp>
+      <p:sp>
+        <p:nvSpPr>
+          <p:cNvPr id="5" name="Content Placeholder 4">
+            <a:extLst>
+              <a:ext uri="{FF2B5EF4-FFF2-40B4-BE49-F238E27FC236}">
+                <a16:creationId xmlns:a16="http://schemas.microsoft.com/office/drawing/2014/main" id="{953316B1-3DEE-AA49-B335-03646242A51A}"/>
+              </a:ext>
+            </a:extLst>
+          </p:cNvPr>
+          <p:cNvSpPr>
+            <a:spLocks noGrp="1"/>
+          </p:cNvSpPr>
+          <p:nvPr>
+            <p:ph sz="half" idx="2"/>
+          </p:nvPr>
+        </p:nvSpPr>
+        <p:spPr/>
+        <p:txBody>
+          <a:bodyPr/>
+          <a:lstStyle/>
+          <a:p>
+            <a:r>
+              <a:rPr lang="en-US" dirty="0"/>
+              <a:t>After Tuning</a:t>
+            </a:r>
+          </a:p>
+        </p:txBody>
+      </p:sp>
+      <p:pic>
+        <p:nvPicPr>
+          <p:cNvPr id="7" name="Picture 6" descr="Table&#10;&#10;Description automatically generated">
+            <a:extLst>
+              <a:ext uri="{FF2B5EF4-FFF2-40B4-BE49-F238E27FC236}">
+                <a16:creationId xmlns:a16="http://schemas.microsoft.com/office/drawing/2014/main" id="{1220C3A6-C605-B549-BA68-2627372090B2}"/>
+              </a:ext>
+            </a:extLst>
+          </p:cNvPr>
+          <p:cNvPicPr>
+            <a:picLocks noChangeAspect="1"/>
+          </p:cNvPicPr>
+          <p:nvPr/>
+        </p:nvPicPr>
+        <p:blipFill>
+          <a:blip r:embed="rId2"/>
+          <a:stretch>
+            <a:fillRect/>
+          </a:stretch>
+        </p:blipFill>
+        <p:spPr>
+          <a:xfrm>
+            <a:off x="6205537" y="2924774"/>
+            <a:ext cx="4605681" cy="2750615"/>
+          </a:xfrm>
+          <a:prstGeom prst="rect">
+            <a:avLst/>
+          </a:prstGeom>
+        </p:spPr>
+      </p:pic>
+      <p:pic>
+        <p:nvPicPr>
+          <p:cNvPr id="9" name="Picture 8" descr="Table&#10;&#10;Description automatically generated">
+            <a:extLst>
+              <a:ext uri="{FF2B5EF4-FFF2-40B4-BE49-F238E27FC236}">
+                <a16:creationId xmlns:a16="http://schemas.microsoft.com/office/drawing/2014/main" id="{66200D5E-4170-5D44-88F7-9E06D16167C9}"/>
+              </a:ext>
+            </a:extLst>
+          </p:cNvPr>
+          <p:cNvPicPr>
+            <a:picLocks noChangeAspect="1"/>
+          </p:cNvPicPr>
+          <p:nvPr/>
+        </p:nvPicPr>
+        <p:blipFill>
+          <a:blip r:embed="rId3"/>
+          <a:stretch>
+            <a:fillRect/>
+          </a:stretch>
+        </p:blipFill>
+        <p:spPr>
+          <a:xfrm>
+            <a:off x="550862" y="2924775"/>
+            <a:ext cx="4676046" cy="2750615"/>
+          </a:xfrm>
+          <a:prstGeom prst="rect">
+            <a:avLst/>
+          </a:prstGeom>
+        </p:spPr>
+      </p:pic>
+    </p:spTree>
+    <p:extLst>
+      <p:ext uri="{BB962C8B-B14F-4D97-AF65-F5344CB8AC3E}">
+        <p14:creationId xmlns:p14="http://schemas.microsoft.com/office/powerpoint/2010/main" val="3171560043"/>
+      </p:ext>
+    </p:extLst>
+  </p:cSld>
+  <p:clrMapOvr>
+    <a:masterClrMapping/>
+  </p:clrMapOvr>
+</p:sld>
+</file>
+
+<file path=ppt/slides/slide12.xml><?xml version="1.0" encoding="utf-8"?>
+<p:sld xmlns:a="http://schemas.openxmlformats.org/drawingml/2006/main" xmlns:r="http://schemas.openxmlformats.org/officeDocument/2006/relationships" xmlns:p="http://schemas.openxmlformats.org/presentationml/2006/main">
+  <p:cSld>
+    <p:spTree>
+      <p:nvGrpSpPr>
+        <p:cNvPr id="1" name=""/>
+        <p:cNvGrpSpPr/>
+        <p:nvPr/>
+      </p:nvGrpSpPr>
+      <p:grpSpPr>
+        <a:xfrm>
+          <a:off x="0" y="0"/>
+          <a:ext cx="0" cy="0"/>
+          <a:chOff x="0" y="0"/>
+          <a:chExt cx="0" cy="0"/>
+        </a:xfrm>
+      </p:grpSpPr>
+      <p:sp>
+        <p:nvSpPr>
+          <p:cNvPr id="2" name="Title 1">
+            <a:extLst>
+              <a:ext uri="{FF2B5EF4-FFF2-40B4-BE49-F238E27FC236}">
+                <a16:creationId xmlns:a16="http://schemas.microsoft.com/office/drawing/2014/main" id="{94E66370-CDF6-2143-8DAC-59164AEDEC7B}"/>
+              </a:ext>
+            </a:extLst>
+          </p:cNvPr>
+          <p:cNvSpPr>
+            <a:spLocks noGrp="1"/>
+          </p:cNvSpPr>
+          <p:nvPr>
+            <p:ph type="title"/>
+          </p:nvPr>
+        </p:nvSpPr>
+        <p:spPr/>
+        <p:txBody>
+          <a:bodyPr/>
+          <a:lstStyle/>
+          <a:p>
+            <a:r>
+              <a:rPr lang="en-US" dirty="0"/>
+              <a:t>Final Models By Game</a:t>
+            </a:r>
+          </a:p>
+        </p:txBody>
+      </p:sp>
+      <p:sp>
+        <p:nvSpPr>
+          <p:cNvPr id="5" name="Content Placeholder 4">
+            <a:extLst>
+              <a:ext uri="{FF2B5EF4-FFF2-40B4-BE49-F238E27FC236}">
+                <a16:creationId xmlns:a16="http://schemas.microsoft.com/office/drawing/2014/main" id="{01B0E39C-E9E6-EB4E-90B7-FD3FD0A7DE37}"/>
+              </a:ext>
+            </a:extLst>
+          </p:cNvPr>
+          <p:cNvSpPr>
+            <a:spLocks noGrp="1"/>
+          </p:cNvSpPr>
+          <p:nvPr>
+            <p:ph idx="1"/>
+          </p:nvPr>
+        </p:nvSpPr>
+        <p:spPr/>
+        <p:txBody>
+          <a:bodyPr>
+            <a:normAutofit/>
+          </a:bodyPr>
+          <a:lstStyle/>
+          <a:p>
+            <a:r>
+              <a:rPr lang="en-US" sz="3200" dirty="0"/>
+              <a:t>Super Smash Bros Ultimate: Random Forest</a:t>
+            </a:r>
+          </a:p>
+          <a:p>
+            <a:r>
+              <a:rPr lang="en-US" sz="3200" dirty="0"/>
+              <a:t>Fire Emblem: Three Houses: XGBClassifier</a:t>
+            </a:r>
+          </a:p>
+          <a:p>
+            <a:r>
+              <a:rPr lang="en-US" sz="3200" dirty="0"/>
+              <a:t>Super Mario Party:  Random Forest</a:t>
+            </a:r>
+          </a:p>
+        </p:txBody>
+      </p:sp>
+    </p:spTree>
+    <p:extLst>
+      <p:ext uri="{BB962C8B-B14F-4D97-AF65-F5344CB8AC3E}">
+        <p14:creationId xmlns:p14="http://schemas.microsoft.com/office/powerpoint/2010/main" val="1903526523"/>
+      </p:ext>
+    </p:extLst>
+  </p:cSld>
+  <p:clrMapOvr>
+    <a:masterClrMapping/>
+  </p:clrMapOvr>
+</p:sld>
+</file>
+
+<file path=ppt/slides/slide13.xml><?xml version="1.0" encoding="utf-8"?>
+<p:sld xmlns:a="http://schemas.openxmlformats.org/drawingml/2006/main" xmlns:r="http://schemas.openxmlformats.org/officeDocument/2006/relationships" xmlns:p="http://schemas.openxmlformats.org/presentationml/2006/main">
+  <p:cSld>
+    <p:spTree>
+      <p:nvGrpSpPr>
+        <p:cNvPr id="1" name=""/>
+        <p:cNvGrpSpPr/>
+        <p:nvPr/>
+      </p:nvGrpSpPr>
+      <p:grpSpPr>
+        <a:xfrm>
+          <a:off x="0" y="0"/>
+          <a:ext cx="0" cy="0"/>
+          <a:chOff x="0" y="0"/>
+          <a:chExt cx="0" cy="0"/>
+        </a:xfrm>
+      </p:grpSpPr>
+      <p:sp>
+        <p:nvSpPr>
+          <p:cNvPr id="2" name="Title 1">
+            <a:extLst>
+              <a:ext uri="{FF2B5EF4-FFF2-40B4-BE49-F238E27FC236}">
+                <a16:creationId xmlns:a16="http://schemas.microsoft.com/office/drawing/2014/main" id="{6405657F-CDA6-A14C-8443-F158C7F43BB7}"/>
+              </a:ext>
+            </a:extLst>
+          </p:cNvPr>
+          <p:cNvSpPr>
+            <a:spLocks noGrp="1"/>
+          </p:cNvSpPr>
+          <p:nvPr>
+            <p:ph type="title"/>
+          </p:nvPr>
+        </p:nvSpPr>
+        <p:spPr/>
+        <p:txBody>
+          <a:bodyPr>
+            <a:normAutofit fontScale="90000"/>
+          </a:bodyPr>
+          <a:lstStyle/>
+          <a:p>
+            <a:r>
+              <a:rPr lang="en-US" dirty="0"/>
+              <a:t>Comparing Model Predictions with Manually Labeled Data</a:t>
+            </a:r>
+          </a:p>
+        </p:txBody>
+      </p:sp>
+      <p:graphicFrame>
+        <p:nvGraphicFramePr>
+          <p:cNvPr id="7" name="Table 7">
+            <a:extLst>
+              <a:ext uri="{FF2B5EF4-FFF2-40B4-BE49-F238E27FC236}">
+                <a16:creationId xmlns:a16="http://schemas.microsoft.com/office/drawing/2014/main" id="{C385E5F8-91E2-AA41-9E03-90E85405A91F}"/>
+              </a:ext>
+            </a:extLst>
+          </p:cNvPr>
+          <p:cNvGraphicFramePr>
+            <a:graphicFrameLocks noGrp="1"/>
+          </p:cNvGraphicFramePr>
+          <p:nvPr>
+            <p:ph sz="half" idx="1"/>
+            <p:extLst>
+              <p:ext uri="{D42A27DB-BD31-4B8C-83A1-F6EECF244321}">
+                <p14:modId xmlns:p14="http://schemas.microsoft.com/office/powerpoint/2010/main" val="3349997362"/>
+              </p:ext>
+            </p:extLst>
+          </p:nvPr>
+        </p:nvGraphicFramePr>
+        <p:xfrm>
+          <a:off x="550863" y="2097086"/>
+          <a:ext cx="5435600" cy="3930868"/>
+        </p:xfrm>
+        <a:graphic>
+          <a:graphicData uri="http://schemas.openxmlformats.org/drawingml/2006/table">
+            <a:tbl>
+              <a:tblPr firstRow="1" bandRow="1">
+                <a:tableStyleId>{5C22544A-7EE6-4342-B048-85BDC9FD1C3A}</a:tableStyleId>
+              </a:tblPr>
+              <a:tblGrid>
+                <a:gridCol w="1358900">
+                  <a:extLst>
+                    <a:ext uri="{9D8B030D-6E8A-4147-A177-3AD203B41FA5}">
+                      <a16:colId xmlns:a16="http://schemas.microsoft.com/office/drawing/2014/main" val="3961716476"/>
+                    </a:ext>
+                  </a:extLst>
+                </a:gridCol>
+                <a:gridCol w="1358900">
+                  <a:extLst>
+                    <a:ext uri="{9D8B030D-6E8A-4147-A177-3AD203B41FA5}">
+                      <a16:colId xmlns:a16="http://schemas.microsoft.com/office/drawing/2014/main" val="1632115523"/>
+                    </a:ext>
+                  </a:extLst>
+                </a:gridCol>
+                <a:gridCol w="1358900">
+                  <a:extLst>
+                    <a:ext uri="{9D8B030D-6E8A-4147-A177-3AD203B41FA5}">
+                      <a16:colId xmlns:a16="http://schemas.microsoft.com/office/drawing/2014/main" val="2879737478"/>
+                    </a:ext>
+                  </a:extLst>
+                </a:gridCol>
+                <a:gridCol w="1358900">
+                  <a:extLst>
+                    <a:ext uri="{9D8B030D-6E8A-4147-A177-3AD203B41FA5}">
+                      <a16:colId xmlns:a16="http://schemas.microsoft.com/office/drawing/2014/main" val="2733219490"/>
+                    </a:ext>
+                  </a:extLst>
+                </a:gridCol>
+              </a:tblGrid>
+              <a:tr h="1184904">
+                <a:tc>
+                  <a:txBody>
+                    <a:bodyPr/>
+                    <a:lstStyle/>
+                    <a:p>
+                      <a:endParaRPr lang="en-US"/>
+                    </a:p>
+                  </a:txBody>
+                  <a:tcPr/>
+                </a:tc>
+                <a:tc>
+                  <a:txBody>
+                    <a:bodyPr/>
+                    <a:lstStyle/>
+                    <a:p>
+                      <a:r>
+                        <a:rPr lang="en-US" dirty="0"/>
+                        <a:t>Smash Bros</a:t>
+                      </a:r>
+                    </a:p>
+                  </a:txBody>
+                  <a:tcPr/>
+                </a:tc>
+                <a:tc>
+                  <a:txBody>
+                    <a:bodyPr/>
+                    <a:lstStyle/>
+                    <a:p>
+                      <a:r>
+                        <a:rPr lang="en-US" dirty="0"/>
+                        <a:t>Fire Emblem</a:t>
+                      </a:r>
+                    </a:p>
+                  </a:txBody>
+                  <a:tcPr/>
+                </a:tc>
+                <a:tc>
+                  <a:txBody>
+                    <a:bodyPr/>
+                    <a:lstStyle/>
+                    <a:p>
+                      <a:r>
+                        <a:rPr lang="en-US" dirty="0"/>
+                        <a:t>Mario Party</a:t>
+                      </a:r>
+                    </a:p>
+                  </a:txBody>
+                  <a:tcPr/>
+                </a:tc>
+                <a:extLst>
+                  <a:ext uri="{0D108BD9-81ED-4DB2-BD59-A6C34878D82A}">
+                    <a16:rowId xmlns:a16="http://schemas.microsoft.com/office/drawing/2014/main" val="553456063"/>
+                  </a:ext>
+                </a:extLst>
+              </a:tr>
+              <a:tr h="686491">
+                <a:tc>
+                  <a:txBody>
+                    <a:bodyPr/>
+                    <a:lstStyle/>
+                    <a:p>
+                      <a:r>
+                        <a:rPr lang="en-US" dirty="0"/>
+                        <a:t>Accuracy</a:t>
+                      </a:r>
+                    </a:p>
+                  </a:txBody>
+                  <a:tcPr/>
+                </a:tc>
+                <a:tc>
+                  <a:txBody>
+                    <a:bodyPr/>
+                    <a:lstStyle/>
+                    <a:p>
+                      <a:r>
+                        <a:rPr lang="en-US" dirty="0"/>
+                        <a:t>0.960</a:t>
+                      </a:r>
+                    </a:p>
+                  </a:txBody>
+                  <a:tcPr/>
+                </a:tc>
+                <a:tc>
+                  <a:txBody>
+                    <a:bodyPr/>
+                    <a:lstStyle/>
+                    <a:p>
+                      <a:r>
+                        <a:rPr lang="en-US" dirty="0"/>
+                        <a:t>0.970</a:t>
+                      </a:r>
+                    </a:p>
+                  </a:txBody>
+                  <a:tcPr/>
+                </a:tc>
+                <a:tc>
+                  <a:txBody>
+                    <a:bodyPr/>
+                    <a:lstStyle/>
+                    <a:p>
+                      <a:r>
+                        <a:rPr lang="en-US" dirty="0"/>
+                        <a:t>0.925</a:t>
+                      </a:r>
+                    </a:p>
+                  </a:txBody>
+                  <a:tcPr/>
+                </a:tc>
+                <a:extLst>
+                  <a:ext uri="{0D108BD9-81ED-4DB2-BD59-A6C34878D82A}">
+                    <a16:rowId xmlns:a16="http://schemas.microsoft.com/office/drawing/2014/main" val="1069539744"/>
+                  </a:ext>
+                </a:extLst>
+              </a:tr>
+              <a:tr h="686491">
+                <a:tc>
+                  <a:txBody>
+                    <a:bodyPr/>
+                    <a:lstStyle/>
+                    <a:p>
+                      <a:r>
+                        <a:rPr lang="en-US" dirty="0"/>
+                        <a:t>Precision</a:t>
+                      </a:r>
+                    </a:p>
+                  </a:txBody>
+                  <a:tcPr/>
+                </a:tc>
+                <a:tc>
+                  <a:txBody>
+                    <a:bodyPr/>
+                    <a:lstStyle/>
+                    <a:p>
+                      <a:r>
+                        <a:rPr lang="en-US" dirty="0"/>
+                        <a:t>0.800</a:t>
+                      </a:r>
+                    </a:p>
+                  </a:txBody>
+                  <a:tcPr/>
+                </a:tc>
+                <a:tc>
+                  <a:txBody>
+                    <a:bodyPr/>
+                    <a:lstStyle/>
+                    <a:p>
+                      <a:r>
+                        <a:rPr lang="en-US" dirty="0"/>
+                        <a:t>0.000</a:t>
+                      </a:r>
+                    </a:p>
+                  </a:txBody>
+                  <a:tcPr/>
+                </a:tc>
+                <a:tc>
+                  <a:txBody>
+                    <a:bodyPr/>
+                    <a:lstStyle/>
+                    <a:p>
+                      <a:r>
+                        <a:rPr lang="en-US" dirty="0"/>
+                        <a:t>0.000</a:t>
+                      </a:r>
+                    </a:p>
+                  </a:txBody>
+                  <a:tcPr/>
+                </a:tc>
+                <a:extLst>
+                  <a:ext uri="{0D108BD9-81ED-4DB2-BD59-A6C34878D82A}">
+                    <a16:rowId xmlns:a16="http://schemas.microsoft.com/office/drawing/2014/main" val="3591974390"/>
+                  </a:ext>
+                </a:extLst>
+              </a:tr>
+              <a:tr h="686491">
+                <a:tc>
+                  <a:txBody>
+                    <a:bodyPr/>
+                    <a:lstStyle/>
+                    <a:p>
+                      <a:r>
+                        <a:rPr lang="en-US" dirty="0"/>
+                        <a:t>Recall</a:t>
+                      </a:r>
+                    </a:p>
+                  </a:txBody>
+                  <a:tcPr/>
+                </a:tc>
+                <a:tc>
+                  <a:txBody>
+                    <a:bodyPr/>
+                    <a:lstStyle/>
+                    <a:p>
+                      <a:r>
+                        <a:rPr lang="en-US" dirty="0"/>
+                        <a:t>0.222</a:t>
+                      </a:r>
+                    </a:p>
+                  </a:txBody>
+                  <a:tcPr/>
+                </a:tc>
+                <a:tc>
+                  <a:txBody>
+                    <a:bodyPr/>
+                    <a:lstStyle/>
+                    <a:p>
+                      <a:r>
+                        <a:rPr lang="en-US" dirty="0"/>
+                        <a:t>0.000</a:t>
+                      </a:r>
+                    </a:p>
+                  </a:txBody>
+                  <a:tcPr/>
+                </a:tc>
+                <a:tc>
+                  <a:txBody>
+                    <a:bodyPr/>
+                    <a:lstStyle/>
+                    <a:p>
+                      <a:r>
+                        <a:rPr lang="en-US" dirty="0"/>
+                        <a:t>0.000</a:t>
+                      </a:r>
+                    </a:p>
+                  </a:txBody>
+                  <a:tcPr/>
+                </a:tc>
+                <a:extLst>
+                  <a:ext uri="{0D108BD9-81ED-4DB2-BD59-A6C34878D82A}">
+                    <a16:rowId xmlns:a16="http://schemas.microsoft.com/office/drawing/2014/main" val="1211511881"/>
+                  </a:ext>
+                </a:extLst>
+              </a:tr>
+              <a:tr h="686491">
+                <a:tc>
+                  <a:txBody>
+                    <a:bodyPr/>
+                    <a:lstStyle/>
+                    <a:p>
+                      <a:r>
+                        <a:rPr lang="en-US" dirty="0"/>
+                        <a:t>F1</a:t>
+                      </a:r>
+                    </a:p>
+                  </a:txBody>
+                  <a:tcPr/>
+                </a:tc>
+                <a:tc>
+                  <a:txBody>
+                    <a:bodyPr/>
+                    <a:lstStyle/>
+                    <a:p>
+                      <a:r>
+                        <a:rPr lang="en-US" dirty="0"/>
+                        <a:t>0.348</a:t>
+                      </a:r>
+                    </a:p>
+                  </a:txBody>
+                  <a:tcPr/>
+                </a:tc>
+                <a:tc>
+                  <a:txBody>
+                    <a:bodyPr/>
+                    <a:lstStyle/>
+                    <a:p>
+                      <a:r>
+                        <a:rPr lang="en-US" dirty="0"/>
+                        <a:t>0.000</a:t>
+                      </a:r>
+                    </a:p>
+                  </a:txBody>
+                  <a:tcPr/>
+                </a:tc>
+                <a:tc>
+                  <a:txBody>
+                    <a:bodyPr/>
+                    <a:lstStyle/>
+                    <a:p>
+                      <a:r>
+                        <a:rPr lang="en-US" dirty="0"/>
+                        <a:t>0.000</a:t>
+                      </a:r>
+                    </a:p>
+                  </a:txBody>
+                  <a:tcPr/>
+                </a:tc>
+                <a:extLst>
+                  <a:ext uri="{0D108BD9-81ED-4DB2-BD59-A6C34878D82A}">
+                    <a16:rowId xmlns:a16="http://schemas.microsoft.com/office/drawing/2014/main" val="3886819870"/>
+                  </a:ext>
+                </a:extLst>
+              </a:tr>
+            </a:tbl>
+          </a:graphicData>
+        </a:graphic>
+      </p:graphicFrame>
+      <p:pic>
+        <p:nvPicPr>
+          <p:cNvPr id="6" name="Content Placeholder 5" descr="Text&#10;&#10;Description automatically generated">
+            <a:extLst>
+              <a:ext uri="{FF2B5EF4-FFF2-40B4-BE49-F238E27FC236}">
+                <a16:creationId xmlns:a16="http://schemas.microsoft.com/office/drawing/2014/main" id="{64F1A07E-EF05-7B48-AA06-34CD94C74AC1}"/>
+              </a:ext>
+            </a:extLst>
+          </p:cNvPr>
+          <p:cNvPicPr>
+            <a:picLocks noGrp="1" noChangeAspect="1"/>
+          </p:cNvPicPr>
+          <p:nvPr>
+            <p:ph sz="half" idx="2"/>
+          </p:nvPr>
+        </p:nvPicPr>
+        <p:blipFill>
+          <a:blip r:embed="rId2"/>
+          <a:stretch>
+            <a:fillRect/>
+          </a:stretch>
+        </p:blipFill>
+        <p:spPr>
+          <a:xfrm>
+            <a:off x="6145553" y="2097088"/>
+            <a:ext cx="5495584" cy="3930869"/>
+          </a:xfrm>
+        </p:spPr>
+      </p:pic>
+    </p:spTree>
+    <p:extLst>
+      <p:ext uri="{BB962C8B-B14F-4D97-AF65-F5344CB8AC3E}">
+        <p14:creationId xmlns:p14="http://schemas.microsoft.com/office/powerpoint/2010/main" val="4112906621"/>
+      </p:ext>
+    </p:extLst>
+  </p:cSld>
+  <p:clrMapOvr>
+    <a:masterClrMapping/>
+  </p:clrMapOvr>
+</p:sld>
+</file>
+
+<file path=ppt/slides/slide14.xml><?xml version="1.0" encoding="utf-8"?>
+<p:sld xmlns:a="http://schemas.openxmlformats.org/drawingml/2006/main" xmlns:r="http://schemas.openxmlformats.org/officeDocument/2006/relationships" xmlns:p="http://schemas.openxmlformats.org/presentationml/2006/main">
+  <p:cSld>
+    <p:spTree>
+      <p:nvGrpSpPr>
+        <p:cNvPr id="1" name=""/>
+        <p:cNvGrpSpPr/>
+        <p:nvPr/>
+      </p:nvGrpSpPr>
+      <p:grpSpPr>
+        <a:xfrm>
+          <a:off x="0" y="0"/>
+          <a:ext cx="0" cy="0"/>
+          <a:chOff x="0" y="0"/>
+          <a:chExt cx="0" cy="0"/>
+        </a:xfrm>
+      </p:grpSpPr>
+      <p:sp>
+        <p:nvSpPr>
+          <p:cNvPr id="2" name="Title 1">
+            <a:extLst>
+              <a:ext uri="{FF2B5EF4-FFF2-40B4-BE49-F238E27FC236}">
+                <a16:creationId xmlns:a16="http://schemas.microsoft.com/office/drawing/2014/main" id="{DCD30F62-76A9-8A44-89E1-026667F1BD6D}"/>
+              </a:ext>
+            </a:extLst>
+          </p:cNvPr>
+          <p:cNvSpPr>
+            <a:spLocks noGrp="1"/>
+          </p:cNvSpPr>
+          <p:nvPr>
+            <p:ph type="title"/>
+          </p:nvPr>
+        </p:nvSpPr>
+        <p:spPr/>
+        <p:txBody>
+          <a:bodyPr>
+            <a:normAutofit/>
+          </a:bodyPr>
+          <a:lstStyle/>
+          <a:p>
+            <a:r>
+              <a:rPr lang="en-US"/>
+              <a:t>Feature Importance</a:t>
+            </a:r>
+            <a:endParaRPr lang="en-US" dirty="0"/>
+          </a:p>
+        </p:txBody>
+      </p:sp>
+      <p:pic>
+        <p:nvPicPr>
+          <p:cNvPr id="12" name="Content Placeholder 11" descr="Chart, bar chart&#10;&#10;Description automatically generated">
+            <a:extLst>
+              <a:ext uri="{FF2B5EF4-FFF2-40B4-BE49-F238E27FC236}">
+                <a16:creationId xmlns:a16="http://schemas.microsoft.com/office/drawing/2014/main" id="{A73C73A3-339D-0841-9DBB-AA44BA29B9E8}"/>
+              </a:ext>
+            </a:extLst>
+          </p:cNvPr>
+          <p:cNvPicPr>
+            <a:picLocks noGrp="1" noChangeAspect="1"/>
+          </p:cNvPicPr>
+          <p:nvPr>
+            <p:ph sz="half" idx="1"/>
+          </p:nvPr>
+        </p:nvPicPr>
+        <p:blipFill>
+          <a:blip r:embed="rId2"/>
+          <a:stretch>
+            <a:fillRect/>
+          </a:stretch>
+        </p:blipFill>
+        <p:spPr>
+          <a:xfrm>
+            <a:off x="550863" y="2330857"/>
+            <a:ext cx="5435600" cy="3528198"/>
+          </a:xfrm>
+        </p:spPr>
+      </p:pic>
+      <p:pic>
+        <p:nvPicPr>
+          <p:cNvPr id="18" name="Content Placeholder 17" descr="Chart, bar chart&#10;&#10;Description automatically generated">
+            <a:extLst>
+              <a:ext uri="{FF2B5EF4-FFF2-40B4-BE49-F238E27FC236}">
+                <a16:creationId xmlns:a16="http://schemas.microsoft.com/office/drawing/2014/main" id="{1C039E11-1A91-D142-A34A-29B1F14062DC}"/>
+              </a:ext>
+            </a:extLst>
+          </p:cNvPr>
+          <p:cNvPicPr>
+            <a:picLocks noGrp="1" noChangeAspect="1"/>
+          </p:cNvPicPr>
+          <p:nvPr>
+            <p:ph sz="half" idx="2"/>
+          </p:nvPr>
+        </p:nvPicPr>
+        <p:blipFill>
+          <a:blip r:embed="rId3"/>
+          <a:stretch>
+            <a:fillRect/>
+          </a:stretch>
+        </p:blipFill>
+        <p:spPr>
+          <a:xfrm>
+            <a:off x="6205538" y="2330857"/>
+            <a:ext cx="5435600" cy="3528198"/>
+          </a:xfrm>
+        </p:spPr>
+      </p:pic>
+    </p:spTree>
+    <p:extLst>
+      <p:ext uri="{BB962C8B-B14F-4D97-AF65-F5344CB8AC3E}">
+        <p14:creationId xmlns:p14="http://schemas.microsoft.com/office/powerpoint/2010/main" val="1520755306"/>
+      </p:ext>
+    </p:extLst>
+  </p:cSld>
+  <p:clrMapOvr>
+    <a:masterClrMapping/>
+  </p:clrMapOvr>
+</p:sld>
+</file>
+
+<file path=ppt/slides/slide15.xml><?xml version="1.0" encoding="utf-8"?>
+<p:sld xmlns:a="http://schemas.openxmlformats.org/drawingml/2006/main" xmlns:r="http://schemas.openxmlformats.org/officeDocument/2006/relationships" xmlns:p="http://schemas.openxmlformats.org/presentationml/2006/main">
+  <p:cSld>
+    <p:spTree>
+      <p:nvGrpSpPr>
+        <p:cNvPr id="1" name=""/>
+        <p:cNvGrpSpPr/>
+        <p:nvPr/>
+      </p:nvGrpSpPr>
+      <p:grpSpPr>
+        <a:xfrm>
+          <a:off x="0" y="0"/>
+          <a:ext cx="0" cy="0"/>
+          <a:chOff x="0" y="0"/>
+          <a:chExt cx="0" cy="0"/>
+        </a:xfrm>
+      </p:grpSpPr>
+      <p:sp>
+        <p:nvSpPr>
+          <p:cNvPr id="2" name="Title 1">
+            <a:extLst>
+              <a:ext uri="{FF2B5EF4-FFF2-40B4-BE49-F238E27FC236}">
+                <a16:creationId xmlns:a16="http://schemas.microsoft.com/office/drawing/2014/main" id="{7DB41457-B4EE-1A46-A4C4-F96016597089}"/>
+              </a:ext>
+            </a:extLst>
+          </p:cNvPr>
+          <p:cNvSpPr>
+            <a:spLocks noGrp="1"/>
+          </p:cNvSpPr>
+          <p:nvPr>
+            <p:ph type="title"/>
+          </p:nvPr>
+        </p:nvSpPr>
+        <p:spPr/>
+        <p:txBody>
+          <a:bodyPr/>
+          <a:lstStyle/>
+          <a:p>
+            <a:r>
+              <a:rPr lang="en-US" dirty="0"/>
+              <a:t>Feature Importance</a:t>
+            </a:r>
+          </a:p>
+        </p:txBody>
+      </p:sp>
+      <p:sp>
+        <p:nvSpPr>
+          <p:cNvPr id="3" name="Content Placeholder 2">
+            <a:extLst>
+              <a:ext uri="{FF2B5EF4-FFF2-40B4-BE49-F238E27FC236}">
+                <a16:creationId xmlns:a16="http://schemas.microsoft.com/office/drawing/2014/main" id="{C59A8F15-4199-554E-9F5B-A3AD7F3D0C37}"/>
+              </a:ext>
+            </a:extLst>
+          </p:cNvPr>
+          <p:cNvSpPr>
+            <a:spLocks noGrp="1"/>
+          </p:cNvSpPr>
+          <p:nvPr>
+            <p:ph sz="half" idx="1"/>
+          </p:nvPr>
+        </p:nvSpPr>
+        <p:spPr>
+          <a:xfrm>
+            <a:off x="550862" y="2097175"/>
+            <a:ext cx="5545138" cy="3995650"/>
+          </a:xfrm>
+        </p:spPr>
+        <p:txBody>
+          <a:bodyPr>
+            <a:normAutofit/>
+          </a:bodyPr>
+          <a:lstStyle/>
+          <a:p>
+            <a:r>
+              <a:rPr lang="en-US" dirty="0"/>
+              <a:t>Hmmm… why? How?</a:t>
+            </a:r>
+          </a:p>
+          <a:p>
+            <a:r>
+              <a:rPr lang="en-US" dirty="0"/>
+              <a:t>Most imbalanced data set: 53:1 positive: negative</a:t>
+            </a:r>
+          </a:p>
+          <a:p>
+            <a:r>
+              <a:rPr lang="en-US" dirty="0"/>
+              <a:t>Majority duplicate rows ,only 200 unique tweets out of 1563 total tweets</a:t>
+            </a:r>
+          </a:p>
+          <a:p>
+            <a:r>
+              <a:rPr lang="en-US" dirty="0"/>
+              <a:t>One tweet was retweeted 1178 times, in other words the data set has 1178 identical rows</a:t>
+            </a:r>
+          </a:p>
+        </p:txBody>
+      </p:sp>
+      <p:pic>
+        <p:nvPicPr>
+          <p:cNvPr id="6" name="Content Placeholder 5" descr="A picture containing chart&#10;&#10;Description automatically generated">
+            <a:extLst>
+              <a:ext uri="{FF2B5EF4-FFF2-40B4-BE49-F238E27FC236}">
+                <a16:creationId xmlns:a16="http://schemas.microsoft.com/office/drawing/2014/main" id="{BA724A2A-A144-6348-B19E-DC0B384F12FD}"/>
+              </a:ext>
+            </a:extLst>
+          </p:cNvPr>
+          <p:cNvPicPr>
+            <a:picLocks noGrp="1" noChangeAspect="1"/>
+          </p:cNvPicPr>
+          <p:nvPr>
+            <p:ph sz="half" idx="2"/>
+          </p:nvPr>
+        </p:nvPicPr>
+        <p:blipFill>
+          <a:blip r:embed="rId2"/>
+          <a:stretch>
+            <a:fillRect/>
+          </a:stretch>
+        </p:blipFill>
+        <p:spPr>
+          <a:xfrm>
+            <a:off x="6205538" y="2371938"/>
+            <a:ext cx="5435600" cy="3446037"/>
+          </a:xfrm>
+        </p:spPr>
+      </p:pic>
+    </p:spTree>
+    <p:extLst>
+      <p:ext uri="{BB962C8B-B14F-4D97-AF65-F5344CB8AC3E}">
+        <p14:creationId xmlns:p14="http://schemas.microsoft.com/office/powerpoint/2010/main" val="180481745"/>
+      </p:ext>
+    </p:extLst>
+  </p:cSld>
+  <p:clrMapOvr>
+    <a:masterClrMapping/>
+  </p:clrMapOvr>
+</p:sld>
+</file>
+
+<file path=ppt/slides/slide16.xml><?xml version="1.0" encoding="utf-8"?>
+<p:sld xmlns:a="http://schemas.openxmlformats.org/drawingml/2006/main" xmlns:r="http://schemas.openxmlformats.org/officeDocument/2006/relationships" xmlns:p="http://schemas.openxmlformats.org/presentationml/2006/main">
+  <p:cSld>
+    <p:spTree>
+      <p:nvGrpSpPr>
+        <p:cNvPr id="1" name=""/>
+        <p:cNvGrpSpPr/>
+        <p:nvPr/>
+      </p:nvGrpSpPr>
+      <p:grpSpPr>
+        <a:xfrm>
+          <a:off x="0" y="0"/>
+          <a:ext cx="0" cy="0"/>
+          <a:chOff x="0" y="0"/>
+          <a:chExt cx="0" cy="0"/>
+        </a:xfrm>
+      </p:grpSpPr>
+      <p:sp>
+        <p:nvSpPr>
+          <p:cNvPr id="2" name="Title 1">
+            <a:extLst>
+              <a:ext uri="{FF2B5EF4-FFF2-40B4-BE49-F238E27FC236}">
+                <a16:creationId xmlns:a16="http://schemas.microsoft.com/office/drawing/2014/main" id="{FCDBDEE9-6EC8-4E41-BD22-AD38A082F02C}"/>
+              </a:ext>
+            </a:extLst>
+          </p:cNvPr>
+          <p:cNvSpPr>
+            <a:spLocks noGrp="1"/>
+          </p:cNvSpPr>
+          <p:nvPr>
+            <p:ph type="title"/>
+          </p:nvPr>
+        </p:nvSpPr>
+        <p:spPr/>
+        <p:txBody>
+          <a:bodyPr/>
+          <a:lstStyle/>
+          <a:p>
+            <a:r>
+              <a:rPr lang="en-US" dirty="0"/>
+              <a:t>Reasons for Modeling Failure</a:t>
+            </a:r>
+          </a:p>
+        </p:txBody>
+      </p:sp>
+      <p:sp>
+        <p:nvSpPr>
+          <p:cNvPr id="3" name="Content Placeholder 2">
+            <a:extLst>
+              <a:ext uri="{FF2B5EF4-FFF2-40B4-BE49-F238E27FC236}">
+                <a16:creationId xmlns:a16="http://schemas.microsoft.com/office/drawing/2014/main" id="{DB61DC71-F161-9947-A298-D1E94A4C9F18}"/>
+              </a:ext>
+            </a:extLst>
+          </p:cNvPr>
+          <p:cNvSpPr>
+            <a:spLocks noGrp="1"/>
+          </p:cNvSpPr>
+          <p:nvPr>
+            <p:ph sz="half" idx="1"/>
+          </p:nvPr>
+        </p:nvSpPr>
+        <p:spPr/>
+        <p:txBody>
+          <a:bodyPr/>
+          <a:lstStyle/>
+          <a:p>
+            <a:r>
+              <a:rPr lang="en-US" dirty="0"/>
+              <a:t>The language and content of tweets is more unfocused and broad compared to for example, formal reviews</a:t>
+            </a:r>
+          </a:p>
+          <a:p>
+            <a:r>
+              <a:rPr lang="en-US" dirty="0"/>
+              <a:t>Harder for algorithms to work with documents that don’t adhere to more standard language</a:t>
+            </a:r>
+          </a:p>
+          <a:p>
+            <a:r>
+              <a:rPr lang="en-US" dirty="0"/>
+              <a:t>Bag-of-words representation of tweets is too simplistic and unnuanced</a:t>
+            </a:r>
+          </a:p>
+        </p:txBody>
+      </p:sp>
+      <p:pic>
+        <p:nvPicPr>
+          <p:cNvPr id="6" name="Content Placeholder 5" descr="Text, calendar&#10;&#10;Description automatically generated">
+            <a:extLst>
+              <a:ext uri="{FF2B5EF4-FFF2-40B4-BE49-F238E27FC236}">
+                <a16:creationId xmlns:a16="http://schemas.microsoft.com/office/drawing/2014/main" id="{B8E2B893-73E4-FD4E-AD15-E0FC7C74BAC1}"/>
+              </a:ext>
+            </a:extLst>
+          </p:cNvPr>
+          <p:cNvPicPr>
+            <a:picLocks noGrp="1" noChangeAspect="1"/>
+          </p:cNvPicPr>
+          <p:nvPr>
+            <p:ph sz="half" idx="2"/>
+          </p:nvPr>
+        </p:nvPicPr>
+        <p:blipFill>
+          <a:blip r:embed="rId2"/>
+          <a:stretch>
+            <a:fillRect/>
+          </a:stretch>
+        </p:blipFill>
+        <p:spPr>
+          <a:xfrm>
+            <a:off x="6205538" y="2283090"/>
+            <a:ext cx="5435600" cy="3623733"/>
+          </a:xfrm>
+        </p:spPr>
+      </p:pic>
+    </p:spTree>
+    <p:extLst>
+      <p:ext uri="{BB962C8B-B14F-4D97-AF65-F5344CB8AC3E}">
+        <p14:creationId xmlns:p14="http://schemas.microsoft.com/office/powerpoint/2010/main" val="980975317"/>
+      </p:ext>
+    </p:extLst>
+  </p:cSld>
+  <p:clrMapOvr>
+    <a:masterClrMapping/>
+  </p:clrMapOvr>
+</p:sld>
+</file>
+
+<file path=ppt/slides/slide17.xml><?xml version="1.0" encoding="utf-8"?>
+<p:sld xmlns:a="http://schemas.openxmlformats.org/drawingml/2006/main" xmlns:r="http://schemas.openxmlformats.org/officeDocument/2006/relationships" xmlns:p="http://schemas.openxmlformats.org/presentationml/2006/main">
+  <p:cSld>
+    <p:bg>
+      <p:bgPr>
+        <a:solidFill>
+          <a:schemeClr val="bg2"/>
+        </a:solidFill>
+        <a:effectLst/>
+      </p:bgPr>
+    </p:bg>
+    <p:spTree>
+      <p:nvGrpSpPr>
+        <p:cNvPr id="1" name=""/>
+        <p:cNvGrpSpPr/>
+        <p:nvPr/>
+      </p:nvGrpSpPr>
+      <p:grpSpPr>
+        <a:xfrm>
+          <a:off x="0" y="0"/>
+          <a:ext cx="0" cy="0"/>
+          <a:chOff x="0" y="0"/>
+          <a:chExt cx="0" cy="0"/>
+        </a:xfrm>
+      </p:grpSpPr>
+      <p:sp useBgFill="1">
+        <p:nvSpPr>
+          <p:cNvPr id="11" name="Rectangle 10">
+            <a:extLst>
+              <a:ext uri="{FF2B5EF4-FFF2-40B4-BE49-F238E27FC236}">
+                <a16:creationId xmlns:a16="http://schemas.microsoft.com/office/drawing/2014/main" id="{60B7752B-728D-4CA3-8923-C4F7F77029E3}"/>
+              </a:ext>
+              <a:ext uri="{C183D7F6-B498-43B3-948B-1728B52AA6E4}">
+                <adec:decorative xmlns:adec="http://schemas.microsoft.com/office/drawing/2017/decorative" val="1"/>
+              </a:ext>
+            </a:extLst>
+          </p:cNvPr>
+          <p:cNvSpPr>
+            <a:spLocks noGrp="1" noRot="1" noChangeAspect="1" noMove="1" noResize="1" noEditPoints="1" noAdjustHandles="1" noChangeArrowheads="1" noChangeShapeType="1" noTextEdit="1"/>
+          </p:cNvSpPr>
+          <p:nvPr>
+            <p:extLst>
+              <p:ext uri="{386F3935-93C4-4BCD-93E2-E3B085C9AB24}">
+                <p16:designElem xmlns:p16="http://schemas.microsoft.com/office/powerpoint/2015/main" val="1"/>
+              </p:ext>
+            </p:extLst>
+          </p:nvPr>
+        </p:nvSpPr>
+        <p:spPr>
+          <a:xfrm>
+            <a:off x="0" y="0"/>
+            <a:ext cx="12192000" cy="6858000"/>
+          </a:xfrm>
+          <a:prstGeom prst="rect">
+            <a:avLst/>
+          </a:prstGeom>
+          <a:ln w="12700" cap="flat" cmpd="sng" algn="ctr">
+            <a:noFill/>
+            <a:prstDash val="solid"/>
+            <a:miter lim="800000"/>
+          </a:ln>
+          <a:effectLst/>
+          <a:extLst>
+            <a:ext uri="{91240B29-F687-4F45-9708-019B960494DF}">
+              <a14:hiddenLine xmlns:a14="http://schemas.microsoft.com/office/drawing/2010/main" w="12700" cap="flat" cmpd="sng" algn="ctr">
+                <a:solidFill>
+                  <a:schemeClr val="accent1">
+                    <a:shade val="50000"/>
+                  </a:schemeClr>
+                </a:solidFill>
+                <a:prstDash val="solid"/>
+                <a:miter lim="800000"/>
+              </a14:hiddenLine>
+            </a:ext>
+          </a:extLst>
+        </p:spPr>
+        <p:style>
+          <a:lnRef idx="2">
+            <a:schemeClr val="accent1">
+              <a:shade val="50000"/>
+            </a:schemeClr>
+          </a:lnRef>
+          <a:fillRef idx="1">
+            <a:schemeClr val="accent1"/>
+          </a:fillRef>
+          <a:effectRef idx="0">
+            <a:schemeClr val="accent1"/>
+          </a:effectRef>
+          <a:fontRef idx="minor">
+            <a:schemeClr val="lt1"/>
+          </a:fontRef>
+        </p:style>
+        <p:txBody>
+          <a:bodyPr rtlCol="0" anchor="ctr"/>
+          <a:lstStyle/>
+          <a:p>
+            <a:pPr algn="ctr"/>
+            <a:endParaRPr lang="en-US"/>
+          </a:p>
+        </p:txBody>
+      </p:sp>
+      <p:sp>
+        <p:nvSpPr>
+          <p:cNvPr id="2" name="Title 1">
+            <a:extLst>
+              <a:ext uri="{FF2B5EF4-FFF2-40B4-BE49-F238E27FC236}">
+                <a16:creationId xmlns:a16="http://schemas.microsoft.com/office/drawing/2014/main" id="{D6A538CF-438C-5846-B5F2-B37D418F494A}"/>
+              </a:ext>
+            </a:extLst>
+          </p:cNvPr>
+          <p:cNvSpPr>
+            <a:spLocks noGrp="1"/>
+          </p:cNvSpPr>
+          <p:nvPr>
+            <p:ph type="title"/>
+          </p:nvPr>
+        </p:nvSpPr>
+        <p:spPr>
+          <a:xfrm>
+            <a:off x="550863" y="549275"/>
+            <a:ext cx="3565525" cy="5543549"/>
+          </a:xfrm>
+        </p:spPr>
+        <p:txBody>
+          <a:bodyPr wrap="square" anchor="ctr">
+            <a:normAutofit/>
+          </a:bodyPr>
+          <a:lstStyle/>
+          <a:p>
+            <a:r>
+              <a:rPr lang="en-US" sz="4400"/>
+              <a:t>Future Improvements</a:t>
+            </a:r>
+          </a:p>
+        </p:txBody>
+      </p:sp>
+      <p:sp>
+        <p:nvSpPr>
+          <p:cNvPr id="13" name="Rectangle 12">
+            <a:extLst>
+              <a:ext uri="{FF2B5EF4-FFF2-40B4-BE49-F238E27FC236}">
+                <a16:creationId xmlns:a16="http://schemas.microsoft.com/office/drawing/2014/main" id="{429899A3-416E-4DB5-846D-023526052013}"/>
+              </a:ext>
+              <a:ext uri="{C183D7F6-B498-43B3-948B-1728B52AA6E4}">
+                <adec:decorative xmlns:adec="http://schemas.microsoft.com/office/drawing/2017/decorative" val="1"/>
+              </a:ext>
+            </a:extLst>
+          </p:cNvPr>
+          <p:cNvSpPr>
+            <a:spLocks noGrp="1" noRot="1" noChangeAspect="1" noMove="1" noResize="1" noEditPoints="1" noAdjustHandles="1" noChangeArrowheads="1" noChangeShapeType="1" noTextEdit="1"/>
+          </p:cNvSpPr>
+          <p:nvPr>
+            <p:extLst>
+              <p:ext uri="{386F3935-93C4-4BCD-93E2-E3B085C9AB24}">
+                <p16:designElem xmlns:p16="http://schemas.microsoft.com/office/powerpoint/2015/main" val="1"/>
+              </p:ext>
+            </p:extLst>
+          </p:nvPr>
+        </p:nvSpPr>
+        <p:spPr>
+          <a:xfrm>
+            <a:off x="4550899" y="0"/>
+            <a:ext cx="7641102" cy="6858000"/>
+          </a:xfrm>
+          <a:prstGeom prst="rect">
+            <a:avLst/>
+          </a:prstGeom>
+          <a:solidFill>
+            <a:schemeClr val="bg2">
+              <a:lumMod val="10000"/>
+              <a:lumOff val="90000"/>
+              <a:alpha val="5000"/>
+            </a:schemeClr>
+          </a:solidFill>
+          <a:ln>
+            <a:noFill/>
+          </a:ln>
+        </p:spPr>
+        <p:style>
+          <a:lnRef idx="2">
+            <a:schemeClr val="accent1">
+              <a:shade val="50000"/>
+            </a:schemeClr>
+          </a:lnRef>
+          <a:fillRef idx="1">
+            <a:schemeClr val="accent1"/>
+          </a:fillRef>
+          <a:effectRef idx="0">
+            <a:schemeClr val="accent1"/>
+          </a:effectRef>
+          <a:fontRef idx="minor">
+            <a:schemeClr val="lt1"/>
+          </a:fontRef>
+        </p:style>
+        <p:txBody>
+          <a:bodyPr rtlCol="0" anchor="ctr"/>
+          <a:lstStyle/>
+          <a:p>
+            <a:pPr algn="ctr"/>
+            <a:endParaRPr lang="en-US"/>
+          </a:p>
+        </p:txBody>
+      </p:sp>
+      <p:graphicFrame>
+        <p:nvGraphicFramePr>
+          <p:cNvPr id="7" name="Content Placeholder 4">
+            <a:extLst>
+              <a:ext uri="{FF2B5EF4-FFF2-40B4-BE49-F238E27FC236}">
+                <a16:creationId xmlns:a16="http://schemas.microsoft.com/office/drawing/2014/main" id="{60084B2C-63A5-46F9-9011-A4C9FFD72561}"/>
+              </a:ext>
+            </a:extLst>
+          </p:cNvPr>
+          <p:cNvGraphicFramePr>
+            <a:graphicFrameLocks noGrp="1"/>
+          </p:cNvGraphicFramePr>
+          <p:nvPr>
+            <p:ph idx="1"/>
+            <p:extLst>
+              <p:ext uri="{D42A27DB-BD31-4B8C-83A1-F6EECF244321}">
+                <p14:modId xmlns:p14="http://schemas.microsoft.com/office/powerpoint/2010/main" val="3184119140"/>
+              </p:ext>
+            </p:extLst>
+          </p:nvPr>
+        </p:nvGraphicFramePr>
+        <p:xfrm>
+          <a:off x="5267325" y="549275"/>
+          <a:ext cx="6373814" cy="5759450"/>
+        </p:xfrm>
+        <a:graphic>
+          <a:graphicData uri="http://schemas.openxmlformats.org/drawingml/2006/diagram">
+            <dgm:relIds xmlns:dgm="http://schemas.openxmlformats.org/drawingml/2006/diagram" xmlns:r="http://schemas.openxmlformats.org/officeDocument/2006/relationships" r:dm="rId2" r:lo="rId3" r:qs="rId4" r:cs="rId5"/>
+          </a:graphicData>
+        </a:graphic>
+      </p:graphicFrame>
+    </p:spTree>
+    <p:extLst>
+      <p:ext uri="{BB962C8B-B14F-4D97-AF65-F5344CB8AC3E}">
+        <p14:creationId xmlns:p14="http://schemas.microsoft.com/office/powerpoint/2010/main" val="4231760224"/>
+      </p:ext>
+    </p:extLst>
+  </p:cSld>
+  <p:clrMapOvr>
+    <a:masterClrMapping/>
+  </p:clrMapOvr>
+</p:sld>
+</file>
+
+<file path=ppt/slides/slide2.xml><?xml version="1.0" encoding="utf-8"?>
+<p:sld xmlns:a="http://schemas.openxmlformats.org/drawingml/2006/main" xmlns:r="http://schemas.openxmlformats.org/officeDocument/2006/relationships" xmlns:p="http://schemas.openxmlformats.org/presentationml/2006/main">
+  <p:cSld>
+    <p:spTree>
+      <p:nvGrpSpPr>
+        <p:cNvPr id="1" name=""/>
+        <p:cNvGrpSpPr/>
+        <p:nvPr/>
+      </p:nvGrpSpPr>
+      <p:grpSpPr>
+        <a:xfrm>
+          <a:off x="0" y="0"/>
+          <a:ext cx="0" cy="0"/>
+          <a:chOff x="0" y="0"/>
+          <a:chExt cx="0" cy="0"/>
+        </a:xfrm>
+      </p:grpSpPr>
+      <p:sp>
+        <p:nvSpPr>
+          <p:cNvPr id="2" name="Title 1">
+            <a:extLst>
+              <a:ext uri="{FF2B5EF4-FFF2-40B4-BE49-F238E27FC236}">
+                <a16:creationId xmlns:a16="http://schemas.microsoft.com/office/drawing/2014/main" id="{B0F413EC-2F4C-DA43-82DC-FD4A9EC713D3}"/>
+              </a:ext>
+            </a:extLst>
+          </p:cNvPr>
+          <p:cNvSpPr>
+            <a:spLocks noGrp="1"/>
+          </p:cNvSpPr>
+          <p:nvPr>
+            <p:ph type="title"/>
+          </p:nvPr>
+        </p:nvSpPr>
+        <p:spPr/>
+        <p:txBody>
+          <a:bodyPr/>
+          <a:lstStyle/>
+          <a:p>
+            <a:r>
+              <a:rPr lang="en-US" dirty="0"/>
+              <a:t>Introduction</a:t>
+            </a:r>
+          </a:p>
+        </p:txBody>
+      </p:sp>
+      <p:sp>
+        <p:nvSpPr>
+          <p:cNvPr id="3" name="Content Placeholder 2">
+            <a:extLst>
+              <a:ext uri="{FF2B5EF4-FFF2-40B4-BE49-F238E27FC236}">
+                <a16:creationId xmlns:a16="http://schemas.microsoft.com/office/drawing/2014/main" id="{60B72EC4-3C8F-F748-9261-44077A6FA10C}"/>
+              </a:ext>
+            </a:extLst>
+          </p:cNvPr>
+          <p:cNvSpPr>
+            <a:spLocks noGrp="1"/>
+          </p:cNvSpPr>
+          <p:nvPr>
+            <p:ph sz="half" idx="1"/>
+          </p:nvPr>
+        </p:nvSpPr>
+        <p:spPr/>
+        <p:txBody>
+          <a:bodyPr/>
+          <a:lstStyle/>
+          <a:p>
+            <a:r>
+              <a:rPr lang="en-US" dirty="0"/>
+              <a:t>E3 (Electronic Entertainment Expo) is a major annual event in the video game industry</a:t>
+            </a:r>
+          </a:p>
+          <a:p>
+            <a:r>
+              <a:rPr lang="en-US" dirty="0"/>
+              <a:t>Major companies in the industry attend the event to announce new releases, including Nintendo</a:t>
+            </a:r>
+          </a:p>
+          <a:p>
+            <a:r>
+              <a:rPr lang="en-US" dirty="0"/>
+              <a:t>Reactions to new titles get posted on Twitter</a:t>
+            </a:r>
+          </a:p>
+          <a:p>
+            <a:r>
+              <a:rPr lang="en-US" dirty="0"/>
+              <a:t>Major upcoming Nintendo titles: Super Smash Bros Ultimate, Fire Emblem: Three Houses, Super Mario Party</a:t>
+            </a:r>
+          </a:p>
+          <a:p>
+            <a:endParaRPr lang="en-US" dirty="0"/>
+          </a:p>
+        </p:txBody>
+      </p:sp>
+      <p:pic>
+        <p:nvPicPr>
+          <p:cNvPr id="14" name="Content Placeholder 13" descr="Text&#10;&#10;Description automatically generated">
+            <a:extLst>
+              <a:ext uri="{FF2B5EF4-FFF2-40B4-BE49-F238E27FC236}">
+                <a16:creationId xmlns:a16="http://schemas.microsoft.com/office/drawing/2014/main" id="{7D2870D9-EC9D-A349-815D-A96D54376EED}"/>
+              </a:ext>
+            </a:extLst>
+          </p:cNvPr>
+          <p:cNvPicPr>
+            <a:picLocks noGrp="1" noChangeAspect="1"/>
+          </p:cNvPicPr>
+          <p:nvPr>
+            <p:ph sz="half" idx="2"/>
+          </p:nvPr>
+        </p:nvPicPr>
+        <p:blipFill>
+          <a:blip r:embed="rId2"/>
+          <a:stretch>
+            <a:fillRect/>
+          </a:stretch>
+        </p:blipFill>
+        <p:spPr>
+          <a:xfrm>
+            <a:off x="6929633" y="1371484"/>
+            <a:ext cx="4711504" cy="4721341"/>
+          </a:xfrm>
+        </p:spPr>
+      </p:pic>
+    </p:spTree>
+    <p:extLst>
+      <p:ext uri="{BB962C8B-B14F-4D97-AF65-F5344CB8AC3E}">
+        <p14:creationId xmlns:p14="http://schemas.microsoft.com/office/powerpoint/2010/main" val="740252647"/>
+      </p:ext>
+    </p:extLst>
+  </p:cSld>
+  <p:clrMapOvr>
+    <a:masterClrMapping/>
+  </p:clrMapOvr>
+</p:sld>
+</file>
+
+<file path=ppt/slides/slide3.xml><?xml version="1.0" encoding="utf-8"?>
+<p:sld xmlns:a="http://schemas.openxmlformats.org/drawingml/2006/main" xmlns:r="http://schemas.openxmlformats.org/officeDocument/2006/relationships" xmlns:p="http://schemas.openxmlformats.org/presentationml/2006/main">
+  <p:cSld>
+    <p:spTree>
+      <p:nvGrpSpPr>
+        <p:cNvPr id="1" name=""/>
+        <p:cNvGrpSpPr/>
+        <p:nvPr/>
+      </p:nvGrpSpPr>
+      <p:grpSpPr>
+        <a:xfrm>
+          <a:off x="0" y="0"/>
+          <a:ext cx="0" cy="0"/>
+          <a:chOff x="0" y="0"/>
+          <a:chExt cx="0" cy="0"/>
+        </a:xfrm>
+      </p:grpSpPr>
+      <p:sp>
+        <p:nvSpPr>
+          <p:cNvPr id="2" name="Title 1">
+            <a:extLst>
+              <a:ext uri="{FF2B5EF4-FFF2-40B4-BE49-F238E27FC236}">
+                <a16:creationId xmlns:a16="http://schemas.microsoft.com/office/drawing/2014/main" id="{3BA243DC-743F-9B49-80B1-BC089F3A9AB3}"/>
+              </a:ext>
+            </a:extLst>
+          </p:cNvPr>
+          <p:cNvSpPr>
+            <a:spLocks noGrp="1"/>
+          </p:cNvSpPr>
+          <p:nvPr>
+            <p:ph type="title"/>
+          </p:nvPr>
+        </p:nvSpPr>
+        <p:spPr/>
+        <p:txBody>
+          <a:bodyPr/>
+          <a:lstStyle/>
+          <a:p>
+            <a:r>
+              <a:rPr lang="en-US" dirty="0"/>
+              <a:t>Business Problem</a:t>
+            </a:r>
+          </a:p>
+        </p:txBody>
+      </p:sp>
+      <p:pic>
+        <p:nvPicPr>
+          <p:cNvPr id="12" name="Content Placeholder 11" descr="A screenshot of a cell phone&#10;&#10;Description automatically generated">
+            <a:extLst>
+              <a:ext uri="{FF2B5EF4-FFF2-40B4-BE49-F238E27FC236}">
+                <a16:creationId xmlns:a16="http://schemas.microsoft.com/office/drawing/2014/main" id="{1D84A308-8959-D441-AE00-6FCCD0C06C91}"/>
+              </a:ext>
+            </a:extLst>
+          </p:cNvPr>
+          <p:cNvPicPr>
+            <a:picLocks noGrp="1" noChangeAspect="1"/>
+          </p:cNvPicPr>
+          <p:nvPr>
+            <p:ph sz="half" idx="2"/>
+          </p:nvPr>
+        </p:nvPicPr>
+        <p:blipFill>
+          <a:blip r:embed="rId2"/>
+          <a:stretch>
+            <a:fillRect/>
+          </a:stretch>
+        </p:blipFill>
+        <p:spPr>
+          <a:xfrm>
+            <a:off x="7687497" y="482481"/>
+            <a:ext cx="3149380" cy="2797588"/>
+          </a:xfrm>
+        </p:spPr>
+      </p:pic>
+      <p:sp>
+        <p:nvSpPr>
+          <p:cNvPr id="17" name="Content Placeholder 16">
+            <a:extLst>
+              <a:ext uri="{FF2B5EF4-FFF2-40B4-BE49-F238E27FC236}">
+                <a16:creationId xmlns:a16="http://schemas.microsoft.com/office/drawing/2014/main" id="{55B981E5-F7DF-2F42-A39A-D051E6461A78}"/>
+              </a:ext>
+            </a:extLst>
+          </p:cNvPr>
+          <p:cNvSpPr>
+            <a:spLocks noGrp="1"/>
+          </p:cNvSpPr>
+          <p:nvPr>
+            <p:ph sz="half" idx="1"/>
+          </p:nvPr>
+        </p:nvSpPr>
+        <p:spPr/>
+        <p:txBody>
+          <a:bodyPr/>
+          <a:lstStyle/>
+          <a:p>
+            <a:r>
+              <a:rPr lang="en-US" dirty="0"/>
+              <a:t>Sentiment analysis of tweets responding to the announcement of the major upcoming titles: Smash Ultimate, Fire Emblem, Mario Party</a:t>
+            </a:r>
+          </a:p>
+          <a:p>
+            <a:r>
+              <a:rPr lang="en-US" dirty="0"/>
+              <a:t>Build models that accurately label tweets as positive or negative reactions, one separate model for each game</a:t>
+            </a:r>
+          </a:p>
+          <a:p>
+            <a:pPr marL="0" indent="0">
+              <a:buNone/>
+            </a:pPr>
+            <a:endParaRPr lang="en-US" dirty="0"/>
+          </a:p>
+        </p:txBody>
+      </p:sp>
+      <p:pic>
+        <p:nvPicPr>
+          <p:cNvPr id="19" name="Picture 18" descr="Graphical user interface, text, application, email&#10;&#10;Description automatically generated">
+            <a:extLst>
+              <a:ext uri="{FF2B5EF4-FFF2-40B4-BE49-F238E27FC236}">
+                <a16:creationId xmlns:a16="http://schemas.microsoft.com/office/drawing/2014/main" id="{46976BE3-2F2A-814A-8BFF-F16657693A59}"/>
+              </a:ext>
+            </a:extLst>
+          </p:cNvPr>
+          <p:cNvPicPr>
+            <a:picLocks noChangeAspect="1"/>
+          </p:cNvPicPr>
+          <p:nvPr/>
+        </p:nvPicPr>
+        <p:blipFill>
+          <a:blip r:embed="rId3"/>
+          <a:stretch>
+            <a:fillRect/>
+          </a:stretch>
+        </p:blipFill>
+        <p:spPr>
+          <a:xfrm>
+            <a:off x="7129078" y="3419693"/>
+            <a:ext cx="4266218" cy="2955826"/>
+          </a:xfrm>
+          <a:prstGeom prst="rect">
+            <a:avLst/>
+          </a:prstGeom>
+        </p:spPr>
+      </p:pic>
+    </p:spTree>
+    <p:extLst>
+      <p:ext uri="{BB962C8B-B14F-4D97-AF65-F5344CB8AC3E}">
+        <p14:creationId xmlns:p14="http://schemas.microsoft.com/office/powerpoint/2010/main" val="1209830521"/>
+      </p:ext>
+    </p:extLst>
+  </p:cSld>
+  <p:clrMapOvr>
+    <a:masterClrMapping/>
+  </p:clrMapOvr>
+</p:sld>
+</file>
+
+<file path=ppt/slides/slide4.xml><?xml version="1.0" encoding="utf-8"?>
+<p:sld xmlns:a="http://schemas.openxmlformats.org/drawingml/2006/main" xmlns:r="http://schemas.openxmlformats.org/officeDocument/2006/relationships" xmlns:p="http://schemas.openxmlformats.org/presentationml/2006/main">
+  <p:cSld>
+    <p:bg>
+      <p:bgPr>
+        <a:solidFill>
+          <a:schemeClr val="bg2"/>
+        </a:solidFill>
+        <a:effectLst/>
+      </p:bgPr>
+    </p:bg>
+    <p:spTree>
+      <p:nvGrpSpPr>
+        <p:cNvPr id="1" name=""/>
+        <p:cNvGrpSpPr/>
+        <p:nvPr/>
+      </p:nvGrpSpPr>
+      <p:grpSpPr>
+        <a:xfrm>
+          <a:off x="0" y="0"/>
+          <a:ext cx="0" cy="0"/>
+          <a:chOff x="0" y="0"/>
+          <a:chExt cx="0" cy="0"/>
+        </a:xfrm>
+      </p:grpSpPr>
+      <p:sp useBgFill="1">
+        <p:nvSpPr>
+          <p:cNvPr id="15" name="Rectangle 10">
+            <a:extLst>
+              <a:ext uri="{FF2B5EF4-FFF2-40B4-BE49-F238E27FC236}">
+                <a16:creationId xmlns:a16="http://schemas.microsoft.com/office/drawing/2014/main" id="{60B7752B-728D-4CA3-8923-C4F7F77029E3}"/>
+              </a:ext>
+              <a:ext uri="{C183D7F6-B498-43B3-948B-1728B52AA6E4}">
+                <adec:decorative xmlns:adec="http://schemas.microsoft.com/office/drawing/2017/decorative" val="1"/>
+              </a:ext>
+            </a:extLst>
+          </p:cNvPr>
+          <p:cNvSpPr>
+            <a:spLocks noGrp="1" noRot="1" noChangeAspect="1" noMove="1" noResize="1" noEditPoints="1" noAdjustHandles="1" noChangeArrowheads="1" noChangeShapeType="1" noTextEdit="1"/>
+          </p:cNvSpPr>
+          <p:nvPr>
+            <p:extLst>
+              <p:ext uri="{386F3935-93C4-4BCD-93E2-E3B085C9AB24}">
+                <p16:designElem xmlns:p16="http://schemas.microsoft.com/office/powerpoint/2015/main" val="1"/>
+              </p:ext>
+            </p:extLst>
+          </p:nvPr>
+        </p:nvSpPr>
+        <p:spPr>
+          <a:xfrm>
+            <a:off x="0" y="0"/>
+            <a:ext cx="12192000" cy="6858000"/>
+          </a:xfrm>
+          <a:prstGeom prst="rect">
+            <a:avLst/>
+          </a:prstGeom>
+          <a:ln w="12700" cap="flat" cmpd="sng" algn="ctr">
+            <a:noFill/>
+            <a:prstDash val="solid"/>
+            <a:miter lim="800000"/>
+          </a:ln>
+          <a:effectLst/>
+          <a:extLst>
+            <a:ext uri="{91240B29-F687-4F45-9708-019B960494DF}">
+              <a14:hiddenLine xmlns:a14="http://schemas.microsoft.com/office/drawing/2010/main" w="12700" cap="flat" cmpd="sng" algn="ctr">
+                <a:solidFill>
+                  <a:schemeClr val="accent1">
+                    <a:shade val="50000"/>
+                  </a:schemeClr>
+                </a:solidFill>
+                <a:prstDash val="solid"/>
+                <a:miter lim="800000"/>
+              </a14:hiddenLine>
+            </a:ext>
+          </a:extLst>
+        </p:spPr>
+        <p:style>
+          <a:lnRef idx="2">
+            <a:schemeClr val="accent1">
+              <a:shade val="50000"/>
+            </a:schemeClr>
+          </a:lnRef>
+          <a:fillRef idx="1">
+            <a:schemeClr val="accent1"/>
+          </a:fillRef>
+          <a:effectRef idx="0">
+            <a:schemeClr val="accent1"/>
+          </a:effectRef>
+          <a:fontRef idx="minor">
+            <a:schemeClr val="lt1"/>
+          </a:fontRef>
+        </p:style>
+        <p:txBody>
+          <a:bodyPr rtlCol="0" anchor="ctr"/>
+          <a:lstStyle/>
+          <a:p>
+            <a:pPr algn="ctr"/>
+            <a:endParaRPr lang="en-US"/>
+          </a:p>
+        </p:txBody>
+      </p:sp>
+      <p:sp>
+        <p:nvSpPr>
+          <p:cNvPr id="2" name="Title 1">
+            <a:extLst>
+              <a:ext uri="{FF2B5EF4-FFF2-40B4-BE49-F238E27FC236}">
+                <a16:creationId xmlns:a16="http://schemas.microsoft.com/office/drawing/2014/main" id="{5A17FD71-8CE9-CA46-B5E0-803B2AA43F44}"/>
+              </a:ext>
+            </a:extLst>
+          </p:cNvPr>
+          <p:cNvSpPr>
+            <a:spLocks noGrp="1"/>
+          </p:cNvSpPr>
+          <p:nvPr>
+            <p:ph type="title"/>
+          </p:nvPr>
+        </p:nvSpPr>
+        <p:spPr>
+          <a:xfrm>
+            <a:off x="550863" y="550800"/>
+            <a:ext cx="7308850" cy="986400"/>
+          </a:xfrm>
+        </p:spPr>
+        <p:txBody>
+          <a:bodyPr wrap="square" anchor="ctr">
+            <a:normAutofit/>
+          </a:bodyPr>
+          <a:lstStyle/>
+          <a:p>
+            <a:r>
+              <a:rPr lang="en-US" dirty="0"/>
+              <a:t>Data Science Approach</a:t>
+            </a:r>
+          </a:p>
+        </p:txBody>
+      </p:sp>
+      <p:sp>
+        <p:nvSpPr>
+          <p:cNvPr id="16" name="Rectangle 12">
+            <a:extLst>
+              <a:ext uri="{FF2B5EF4-FFF2-40B4-BE49-F238E27FC236}">
+                <a16:creationId xmlns:a16="http://schemas.microsoft.com/office/drawing/2014/main" id="{88392DC7-0988-443B-A0D0-E726C7DB622B}"/>
+              </a:ext>
+              <a:ext uri="{C183D7F6-B498-43B3-948B-1728B52AA6E4}">
+                <adec:decorative xmlns:adec="http://schemas.microsoft.com/office/drawing/2017/decorative" val="1"/>
+              </a:ext>
+            </a:extLst>
+          </p:cNvPr>
+          <p:cNvSpPr>
+            <a:spLocks noGrp="1" noRot="1" noChangeAspect="1" noMove="1" noResize="1" noEditPoints="1" noAdjustHandles="1" noChangeArrowheads="1" noChangeShapeType="1" noTextEdit="1"/>
+          </p:cNvSpPr>
+          <p:nvPr>
+            <p:extLst>
+              <p:ext uri="{386F3935-93C4-4BCD-93E2-E3B085C9AB24}">
+                <p16:designElem xmlns:p16="http://schemas.microsoft.com/office/powerpoint/2015/main" val="1"/>
+              </p:ext>
+            </p:extLst>
+          </p:nvPr>
+        </p:nvSpPr>
+        <p:spPr>
+          <a:xfrm>
+            <a:off x="0" y="2083435"/>
+            <a:ext cx="12192000" cy="4774564"/>
+          </a:xfrm>
+          <a:prstGeom prst="rect">
+            <a:avLst/>
+          </a:prstGeom>
+          <a:solidFill>
+            <a:schemeClr val="bg2">
+              <a:lumMod val="10000"/>
+              <a:lumOff val="90000"/>
+              <a:alpha val="5000"/>
+            </a:schemeClr>
+          </a:solidFill>
+          <a:ln>
+            <a:noFill/>
+          </a:ln>
+        </p:spPr>
+        <p:style>
+          <a:lnRef idx="2">
+            <a:schemeClr val="accent1">
+              <a:shade val="50000"/>
+            </a:schemeClr>
+          </a:lnRef>
+          <a:fillRef idx="1">
+            <a:schemeClr val="accent1"/>
+          </a:fillRef>
+          <a:effectRef idx="0">
+            <a:schemeClr val="accent1"/>
+          </a:effectRef>
+          <a:fontRef idx="minor">
+            <a:schemeClr val="lt1"/>
+          </a:fontRef>
+        </p:style>
+        <p:txBody>
+          <a:bodyPr rtlCol="0" anchor="ctr"/>
+          <a:lstStyle/>
+          <a:p>
+            <a:pPr algn="ctr"/>
+            <a:endParaRPr lang="en-US"/>
+          </a:p>
+        </p:txBody>
+      </p:sp>
+      <p:graphicFrame>
+        <p:nvGraphicFramePr>
+          <p:cNvPr id="17" name="Content Placeholder 4">
+            <a:extLst>
+              <a:ext uri="{FF2B5EF4-FFF2-40B4-BE49-F238E27FC236}">
+                <a16:creationId xmlns:a16="http://schemas.microsoft.com/office/drawing/2014/main" id="{ECE320D5-C435-4DCF-A17B-DC4818E853BC}"/>
+              </a:ext>
+            </a:extLst>
+          </p:cNvPr>
+          <p:cNvGraphicFramePr>
+            <a:graphicFrameLocks noGrp="1"/>
+          </p:cNvGraphicFramePr>
+          <p:nvPr>
+            <p:ph idx="1"/>
+            <p:extLst>
+              <p:ext uri="{D42A27DB-BD31-4B8C-83A1-F6EECF244321}">
+                <p14:modId xmlns:p14="http://schemas.microsoft.com/office/powerpoint/2010/main" val="3181328065"/>
+              </p:ext>
+            </p:extLst>
+          </p:nvPr>
+        </p:nvGraphicFramePr>
+        <p:xfrm>
+          <a:off x="550863" y="2624135"/>
+          <a:ext cx="11090276" cy="3468690"/>
+        </p:xfrm>
+        <a:graphic>
+          <a:graphicData uri="http://schemas.openxmlformats.org/drawingml/2006/diagram">
+            <dgm:relIds xmlns:dgm="http://schemas.openxmlformats.org/drawingml/2006/diagram" xmlns:r="http://schemas.openxmlformats.org/officeDocument/2006/relationships" r:dm="rId2" r:lo="rId3" r:qs="rId4" r:cs="rId5"/>
+          </a:graphicData>
+        </a:graphic>
+      </p:graphicFrame>
+    </p:spTree>
+    <p:extLst>
+      <p:ext uri="{BB962C8B-B14F-4D97-AF65-F5344CB8AC3E}">
+        <p14:creationId xmlns:p14="http://schemas.microsoft.com/office/powerpoint/2010/main" val="1509420088"/>
+      </p:ext>
+    </p:extLst>
+  </p:cSld>
+  <p:clrMapOvr>
+    <a:masterClrMapping/>
+  </p:clrMapOvr>
+</p:sld>
+</file>
+
+<file path=ppt/slides/slide5.xml><?xml version="1.0" encoding="utf-8"?>
+<p:sld xmlns:a="http://schemas.openxmlformats.org/drawingml/2006/main" xmlns:r="http://schemas.openxmlformats.org/officeDocument/2006/relationships" xmlns:p="http://schemas.openxmlformats.org/presentationml/2006/main">
+  <p:cSld>
+    <p:bg>
+      <p:bgPr>
+        <a:solidFill>
+          <a:schemeClr val="bg2"/>
+        </a:solidFill>
+        <a:effectLst/>
+      </p:bgPr>
+    </p:bg>
+    <p:spTree>
+      <p:nvGrpSpPr>
+        <p:cNvPr id="1" name=""/>
+        <p:cNvGrpSpPr/>
+        <p:nvPr/>
+      </p:nvGrpSpPr>
+      <p:grpSpPr>
+        <a:xfrm>
+          <a:off x="0" y="0"/>
+          <a:ext cx="0" cy="0"/>
+          <a:chOff x="0" y="0"/>
+          <a:chExt cx="0" cy="0"/>
+        </a:xfrm>
+      </p:grpSpPr>
+      <p:sp useBgFill="1">
+        <p:nvSpPr>
+          <p:cNvPr id="8" name="Rectangle 7">
+            <a:extLst>
+              <a:ext uri="{FF2B5EF4-FFF2-40B4-BE49-F238E27FC236}">
+                <a16:creationId xmlns:a16="http://schemas.microsoft.com/office/drawing/2014/main" id="{A5931BE0-4B93-4D6C-878E-ACC59D6B4587}"/>
+              </a:ext>
+              <a:ext uri="{C183D7F6-B498-43B3-948B-1728B52AA6E4}">
+                <adec:decorative xmlns:adec="http://schemas.microsoft.com/office/drawing/2017/decorative" val="1"/>
+              </a:ext>
+            </a:extLst>
+          </p:cNvPr>
+          <p:cNvSpPr>
+            <a:spLocks noGrp="1" noRot="1" noChangeAspect="1" noMove="1" noResize="1" noEditPoints="1" noAdjustHandles="1" noChangeArrowheads="1" noChangeShapeType="1" noTextEdit="1"/>
+          </p:cNvSpPr>
+          <p:nvPr>
+            <p:extLst>
+              <p:ext uri="{386F3935-93C4-4BCD-93E2-E3B085C9AB24}">
+                <p16:designElem xmlns:p16="http://schemas.microsoft.com/office/powerpoint/2015/main" val="1"/>
+              </p:ext>
+            </p:extLst>
+          </p:nvPr>
+        </p:nvSpPr>
+        <p:spPr>
+          <a:xfrm>
+            <a:off x="0" y="0"/>
+            <a:ext cx="12192000" cy="6858000"/>
+          </a:xfrm>
+          <a:prstGeom prst="rect">
+            <a:avLst/>
+          </a:prstGeom>
+          <a:ln w="12700" cap="flat" cmpd="sng" algn="ctr">
+            <a:noFill/>
+            <a:prstDash val="solid"/>
+            <a:miter lim="800000"/>
+          </a:ln>
+          <a:effectLst/>
+          <a:extLst>
+            <a:ext uri="{91240B29-F687-4F45-9708-019B960494DF}">
+              <a14:hiddenLine xmlns:a14="http://schemas.microsoft.com/office/drawing/2010/main" w="12700" cap="flat" cmpd="sng" algn="ctr">
+                <a:solidFill>
+                  <a:schemeClr val="accent1">
+                    <a:shade val="50000"/>
+                  </a:schemeClr>
+                </a:solidFill>
+                <a:prstDash val="solid"/>
+                <a:miter lim="800000"/>
+              </a14:hiddenLine>
+            </a:ext>
+          </a:extLst>
+        </p:spPr>
+        <p:style>
+          <a:lnRef idx="2">
+            <a:schemeClr val="accent1">
+              <a:shade val="50000"/>
+            </a:schemeClr>
+          </a:lnRef>
+          <a:fillRef idx="1">
+            <a:schemeClr val="accent1"/>
+          </a:fillRef>
+          <a:effectRef idx="0">
+            <a:schemeClr val="accent1"/>
+          </a:effectRef>
+          <a:fontRef idx="minor">
+            <a:schemeClr val="lt1"/>
+          </a:fontRef>
+        </p:style>
+        <p:txBody>
+          <a:bodyPr rtlCol="0" anchor="ctr"/>
+          <a:lstStyle/>
+          <a:p>
+            <a:pPr algn="ctr"/>
+            <a:endParaRPr lang="en-US"/>
+          </a:p>
+        </p:txBody>
+      </p:sp>
+      <p:sp>
+        <p:nvSpPr>
+          <p:cNvPr id="2" name="Title 1">
+            <a:extLst>
+              <a:ext uri="{FF2B5EF4-FFF2-40B4-BE49-F238E27FC236}">
+                <a16:creationId xmlns:a16="http://schemas.microsoft.com/office/drawing/2014/main" id="{28F346B0-1ABB-B242-87BB-B8C40E06869E}"/>
+              </a:ext>
+            </a:extLst>
+          </p:cNvPr>
+          <p:cNvSpPr>
+            <a:spLocks noGrp="1"/>
+          </p:cNvSpPr>
+          <p:nvPr>
+            <p:ph type="title"/>
+          </p:nvPr>
+        </p:nvSpPr>
+        <p:spPr>
+          <a:xfrm>
+            <a:off x="550862" y="1435100"/>
+            <a:ext cx="5437188" cy="3496214"/>
+          </a:xfrm>
+        </p:spPr>
+        <p:txBody>
+          <a:bodyPr wrap="square" anchor="t">
+            <a:normAutofit/>
+          </a:bodyPr>
+          <a:lstStyle/>
+          <a:p>
+            <a:r>
+              <a:rPr lang="en-US" sz="8000" dirty="0"/>
+              <a:t>Data Acquisition</a:t>
+            </a:r>
+          </a:p>
+        </p:txBody>
+      </p:sp>
+      <p:sp>
+        <p:nvSpPr>
+          <p:cNvPr id="3" name="Content Placeholder 2">
+            <a:extLst>
+              <a:ext uri="{FF2B5EF4-FFF2-40B4-BE49-F238E27FC236}">
+                <a16:creationId xmlns:a16="http://schemas.microsoft.com/office/drawing/2014/main" id="{77D0DF8E-331A-1642-ABB8-4577B91BD225}"/>
+              </a:ext>
+            </a:extLst>
+          </p:cNvPr>
+          <p:cNvSpPr>
+            <a:spLocks noGrp="1"/>
+          </p:cNvSpPr>
+          <p:nvPr>
+            <p:ph idx="1"/>
+          </p:nvPr>
+        </p:nvSpPr>
+        <p:spPr>
+          <a:xfrm>
+            <a:off x="7140575" y="1522184"/>
+            <a:ext cx="3581181" cy="4570641"/>
+          </a:xfrm>
+        </p:spPr>
+        <p:txBody>
+          <a:bodyPr anchor="t">
+            <a:normAutofit/>
+          </a:bodyPr>
+          <a:lstStyle/>
+          <a:p>
+            <a:r>
+              <a:rPr lang="en-US" dirty="0"/>
+              <a:t>Data set found on Kaggle, 100,000+ tweets captured during Nintendo’s presentation at E3 2018, using keywords #NintendoE3 and #</a:t>
+            </a:r>
+            <a:r>
+              <a:rPr lang="en-US" dirty="0" err="1"/>
+              <a:t>NintendoDirect</a:t>
+            </a:r>
+            <a:endParaRPr lang="en-US" dirty="0"/>
+          </a:p>
+          <a:p>
+            <a:r>
+              <a:rPr lang="en-US" dirty="0"/>
+              <a:t>Tweet data encoded in JSON format, with predefined attributes and values</a:t>
+            </a:r>
+          </a:p>
+          <a:p>
+            <a:r>
+              <a:rPr lang="en-US" dirty="0"/>
+              <a:t>Attributes of interest: ‘text’ and ‘entities’, which includes hashtags</a:t>
+            </a:r>
+          </a:p>
+        </p:txBody>
+      </p:sp>
+      <p:sp>
+        <p:nvSpPr>
+          <p:cNvPr id="10" name="Freeform: Shape 9">
+            <a:extLst>
+              <a:ext uri="{FF2B5EF4-FFF2-40B4-BE49-F238E27FC236}">
+                <a16:creationId xmlns:a16="http://schemas.microsoft.com/office/drawing/2014/main" id="{D3262674-A504-4C90-BBBB-94D20F92A2B6}"/>
+              </a:ext>
+              <a:ext uri="{C183D7F6-B498-43B3-948B-1728B52AA6E4}">
+                <adec:decorative xmlns:adec="http://schemas.microsoft.com/office/drawing/2017/decorative" val="1"/>
+              </a:ext>
+            </a:extLst>
+          </p:cNvPr>
+          <p:cNvSpPr>
+            <a:spLocks noGrp="1" noRot="1" noChangeAspect="1" noMove="1" noResize="1" noEditPoints="1" noAdjustHandles="1" noChangeArrowheads="1" noChangeShapeType="1" noTextEdit="1"/>
+          </p:cNvSpPr>
+          <p:nvPr>
+            <p:extLst>
+              <p:ext uri="{386F3935-93C4-4BCD-93E2-E3B085C9AB24}">
+                <p16:designElem xmlns:p16="http://schemas.microsoft.com/office/powerpoint/2015/main" val="1"/>
+              </p:ext>
+            </p:extLst>
+          </p:nvPr>
+        </p:nvSpPr>
+        <p:spPr>
+          <a:xfrm>
+            <a:off x="10954653" y="4120355"/>
+            <a:ext cx="1237347" cy="1972470"/>
+          </a:xfrm>
+          <a:custGeom>
+            <a:avLst/>
+            <a:gdLst>
+              <a:gd name="connsiteX0" fmla="*/ 986235 w 1237347"/>
+              <a:gd name="connsiteY0" fmla="*/ 0 h 1972470"/>
+              <a:gd name="connsiteX1" fmla="*/ 1184996 w 1237347"/>
+              <a:gd name="connsiteY1" fmla="*/ 20037 h 1972470"/>
+              <a:gd name="connsiteX2" fmla="*/ 1237347 w 1237347"/>
+              <a:gd name="connsiteY2" fmla="*/ 33498 h 1972470"/>
+              <a:gd name="connsiteX3" fmla="*/ 1237347 w 1237347"/>
+              <a:gd name="connsiteY3" fmla="*/ 1938973 h 1972470"/>
+              <a:gd name="connsiteX4" fmla="*/ 1184996 w 1237347"/>
+              <a:gd name="connsiteY4" fmla="*/ 1952433 h 1972470"/>
+              <a:gd name="connsiteX5" fmla="*/ 986235 w 1237347"/>
+              <a:gd name="connsiteY5" fmla="*/ 1972470 h 1972470"/>
+              <a:gd name="connsiteX6" fmla="*/ 0 w 1237347"/>
+              <a:gd name="connsiteY6" fmla="*/ 986235 h 1972470"/>
+              <a:gd name="connsiteX7" fmla="*/ 986235 w 1237347"/>
+              <a:gd name="connsiteY7" fmla="*/ 0 h 1972470"/>
+            </a:gdLst>
+            <a:ahLst/>
+            <a:cxnLst>
+              <a:cxn ang="0">
+                <a:pos x="connsiteX0" y="connsiteY0"/>
+              </a:cxn>
+              <a:cxn ang="0">
+                <a:pos x="connsiteX1" y="connsiteY1"/>
+              </a:cxn>
+              <a:cxn ang="0">
+                <a:pos x="connsiteX2" y="connsiteY2"/>
+              </a:cxn>
+              <a:cxn ang="0">
+                <a:pos x="connsiteX3" y="connsiteY3"/>
+              </a:cxn>
+              <a:cxn ang="0">
+                <a:pos x="connsiteX4" y="connsiteY4"/>
+              </a:cxn>
+              <a:cxn ang="0">
+                <a:pos x="connsiteX5" y="connsiteY5"/>
+              </a:cxn>
+              <a:cxn ang="0">
+                <a:pos x="connsiteX6" y="connsiteY6"/>
+              </a:cxn>
+              <a:cxn ang="0">
+                <a:pos x="connsiteX7" y="connsiteY7"/>
+              </a:cxn>
+            </a:cxnLst>
+            <a:rect l="l" t="t" r="r" b="b"/>
+            <a:pathLst>
+              <a:path w="1237347" h="1972470">
+                <a:moveTo>
+                  <a:pt x="986235" y="0"/>
+                </a:moveTo>
+                <a:cubicBezTo>
+                  <a:pt x="1054320" y="0"/>
+                  <a:pt x="1120794" y="6899"/>
+                  <a:pt x="1184996" y="20037"/>
+                </a:cubicBezTo>
+                <a:lnTo>
+                  <a:pt x="1237347" y="33498"/>
+                </a:lnTo>
+                <a:lnTo>
+                  <a:pt x="1237347" y="1938973"/>
+                </a:lnTo>
+                <a:lnTo>
+                  <a:pt x="1184996" y="1952433"/>
+                </a:lnTo>
+                <a:cubicBezTo>
+                  <a:pt x="1120794" y="1965571"/>
+                  <a:pt x="1054320" y="1972470"/>
+                  <a:pt x="986235" y="1972470"/>
+                </a:cubicBezTo>
+                <a:cubicBezTo>
+                  <a:pt x="441552" y="1972470"/>
+                  <a:pt x="0" y="1530918"/>
+                  <a:pt x="0" y="986235"/>
+                </a:cubicBezTo>
+                <a:cubicBezTo>
+                  <a:pt x="0" y="441552"/>
+                  <a:pt x="441552" y="0"/>
+                  <a:pt x="986235" y="0"/>
+                </a:cubicBezTo>
+                <a:close/>
+              </a:path>
+            </a:pathLst>
+          </a:custGeom>
+          <a:gradFill flip="none" rotWithShape="1">
+            <a:gsLst>
+              <a:gs pos="100000">
+                <a:schemeClr val="bg2">
+                  <a:lumMod val="50000"/>
+                  <a:lumOff val="50000"/>
+                </a:schemeClr>
+              </a:gs>
+              <a:gs pos="60000">
+                <a:schemeClr val="bg2">
+                  <a:lumMod val="100000"/>
+                </a:schemeClr>
+              </a:gs>
+            </a:gsLst>
+            <a:path path="circle">
+              <a:fillToRect l="100000" b="100000"/>
+            </a:path>
+            <a:tileRect t="-100000" r="-100000"/>
+          </a:gradFill>
+          <a:ln>
+            <a:noFill/>
+          </a:ln>
+          <a:effectLst>
+            <a:innerShdw blurRad="508000" dist="76200" dir="15480000">
+              <a:schemeClr val="accent1">
+                <a:lumMod val="60000"/>
+                <a:lumOff val="40000"/>
+                <a:alpha val="60000"/>
+              </a:schemeClr>
+            </a:innerShdw>
+            <a:softEdge rad="0"/>
+          </a:effectLst>
+        </p:spPr>
+        <p:style>
+          <a:lnRef idx="2">
+            <a:schemeClr val="accent1">
+              <a:shade val="50000"/>
+            </a:schemeClr>
+          </a:lnRef>
+          <a:fillRef idx="1">
+            <a:schemeClr val="accent1"/>
+          </a:fillRef>
+          <a:effectRef idx="0">
+            <a:schemeClr val="accent1"/>
+          </a:effectRef>
+          <a:fontRef idx="minor">
+            <a:schemeClr val="lt1"/>
+          </a:fontRef>
+        </p:style>
+        <p:txBody>
+          <a:bodyPr rot="0" spcFirstLastPara="0" vertOverflow="overflow" horzOverflow="overflow" vert="horz" wrap="square" lIns="91440" tIns="45720" rIns="91440" bIns="45720" numCol="1" spcCol="0" rtlCol="0" fromWordArt="0" anchor="ctr" anchorCtr="0" forceAA="0" compatLnSpc="1">
+            <a:prstTxWarp prst="textNoShape">
+              <a:avLst/>
+            </a:prstTxWarp>
+            <a:noAutofit/>
+          </a:bodyPr>
+          <a:lstStyle/>
+          <a:p>
+            <a:pPr algn="ctr"/>
+            <a:endParaRPr lang="en-US" dirty="0"/>
+          </a:p>
+        </p:txBody>
+      </p:sp>
+    </p:spTree>
+    <p:extLst>
+      <p:ext uri="{BB962C8B-B14F-4D97-AF65-F5344CB8AC3E}">
+        <p14:creationId xmlns:p14="http://schemas.microsoft.com/office/powerpoint/2010/main" val="1178448529"/>
+      </p:ext>
+    </p:extLst>
+  </p:cSld>
+  <p:clrMapOvr>
+    <a:masterClrMapping/>
+  </p:clrMapOvr>
+</p:sld>
+</file>
+
+<file path=ppt/slides/slide6.xml><?xml version="1.0" encoding="utf-8"?>
+<p:sld xmlns:a="http://schemas.openxmlformats.org/drawingml/2006/main" xmlns:r="http://schemas.openxmlformats.org/officeDocument/2006/relationships" xmlns:p="http://schemas.openxmlformats.org/presentationml/2006/main">
+  <p:cSld>
+    <p:spTree>
+      <p:nvGrpSpPr>
+        <p:cNvPr id="1" name=""/>
+        <p:cNvGrpSpPr/>
+        <p:nvPr/>
+      </p:nvGrpSpPr>
+      <p:grpSpPr>
+        <a:xfrm>
+          <a:off x="0" y="0"/>
+          <a:ext cx="0" cy="0"/>
+          <a:chOff x="0" y="0"/>
+          <a:chExt cx="0" cy="0"/>
+        </a:xfrm>
+      </p:grpSpPr>
+      <p:sp>
+        <p:nvSpPr>
+          <p:cNvPr id="2" name="Title 1">
+            <a:extLst>
+              <a:ext uri="{FF2B5EF4-FFF2-40B4-BE49-F238E27FC236}">
+                <a16:creationId xmlns:a16="http://schemas.microsoft.com/office/drawing/2014/main" id="{DA8C9CF1-C310-F147-A187-4ADC1BC4CE6F}"/>
+              </a:ext>
+            </a:extLst>
+          </p:cNvPr>
+          <p:cNvSpPr>
+            <a:spLocks noGrp="1"/>
+          </p:cNvSpPr>
+          <p:nvPr>
+            <p:ph type="title"/>
+          </p:nvPr>
+        </p:nvSpPr>
+        <p:spPr/>
+        <p:txBody>
+          <a:bodyPr/>
+          <a:lstStyle/>
+          <a:p>
+            <a:r>
+              <a:rPr lang="en-US" dirty="0"/>
+              <a:t>Data Wrangling</a:t>
+            </a:r>
+          </a:p>
+        </p:txBody>
+      </p:sp>
+      <p:sp>
+        <p:nvSpPr>
+          <p:cNvPr id="4" name="Content Placeholder 3">
+            <a:extLst>
+              <a:ext uri="{FF2B5EF4-FFF2-40B4-BE49-F238E27FC236}">
+                <a16:creationId xmlns:a16="http://schemas.microsoft.com/office/drawing/2014/main" id="{C7ED68CA-E008-3247-AF0E-2CFC22A85BA1}"/>
+              </a:ext>
+            </a:extLst>
+          </p:cNvPr>
+          <p:cNvSpPr>
+            <a:spLocks noGrp="1"/>
+          </p:cNvSpPr>
+          <p:nvPr>
+            <p:ph sz="half" idx="1"/>
+          </p:nvPr>
+        </p:nvSpPr>
+        <p:spPr/>
+        <p:txBody>
+          <a:bodyPr>
+            <a:normAutofit fontScale="85000" lnSpcReduction="20000"/>
+          </a:bodyPr>
+          <a:lstStyle/>
+          <a:p>
+            <a:r>
+              <a:rPr lang="en-US" dirty="0"/>
+              <a:t>Processing text bodies of tweets</a:t>
+            </a:r>
+          </a:p>
+          <a:p>
+            <a:pPr lvl="1"/>
+            <a:r>
+              <a:rPr lang="en-US" dirty="0"/>
+              <a:t>Removing URLs, punctuation, @s, hashtags, emojis, words not in the dictionary</a:t>
+            </a:r>
+          </a:p>
+          <a:p>
+            <a:pPr lvl="1"/>
+            <a:r>
+              <a:rPr lang="en-US" dirty="0"/>
+              <a:t>Standardizing words/tokens, lemmatizing, lowercasing</a:t>
+            </a:r>
+          </a:p>
+          <a:p>
+            <a:r>
+              <a:rPr lang="en-US" dirty="0"/>
+              <a:t>Categorizing tweets by game using hashtags</a:t>
+            </a:r>
+          </a:p>
+          <a:p>
+            <a:pPr lvl="1"/>
+            <a:r>
+              <a:rPr lang="en-US" dirty="0"/>
+              <a:t>Group similar hashtags together, </a:t>
+            </a:r>
+            <a:r>
+              <a:rPr lang="en-US" dirty="0" err="1"/>
+              <a:t>eg</a:t>
+            </a:r>
+            <a:r>
+              <a:rPr lang="en-US" dirty="0"/>
+              <a:t>: #</a:t>
+            </a:r>
+            <a:r>
+              <a:rPr lang="en-US" dirty="0" err="1"/>
+              <a:t>supersmashbros</a:t>
+            </a:r>
+            <a:r>
+              <a:rPr lang="en-US" dirty="0"/>
+              <a:t>, #</a:t>
+            </a:r>
+            <a:r>
+              <a:rPr lang="en-US" dirty="0" err="1"/>
+              <a:t>smashbros</a:t>
+            </a:r>
+            <a:r>
+              <a:rPr lang="en-US" dirty="0"/>
+              <a:t>, #</a:t>
+            </a:r>
+            <a:r>
+              <a:rPr lang="en-US" dirty="0" err="1"/>
+              <a:t>smashultimate</a:t>
+            </a:r>
+            <a:r>
+              <a:rPr lang="en-US" dirty="0"/>
+              <a:t>, #</a:t>
+            </a:r>
+            <a:r>
+              <a:rPr lang="en-US" dirty="0" err="1"/>
+              <a:t>ssbu</a:t>
+            </a:r>
+            <a:endParaRPr lang="en-US" dirty="0"/>
+          </a:p>
+          <a:p>
+            <a:pPr lvl="1"/>
+            <a:r>
+              <a:rPr lang="en-US" dirty="0"/>
+              <a:t>Gather all tweets related to a game, based on the similar hashtags</a:t>
+            </a:r>
+          </a:p>
+          <a:p>
+            <a:r>
+              <a:rPr lang="en-US" dirty="0"/>
+              <a:t>Final columns used: ‘text’</a:t>
+            </a:r>
+          </a:p>
+          <a:p>
+            <a:r>
+              <a:rPr lang="en-US" dirty="0"/>
+              <a:t>Detecting and removing foreign tweets by checking words in English dictionary, and by using list of foreign language keywords, </a:t>
+            </a:r>
+            <a:r>
+              <a:rPr lang="en-US" dirty="0" err="1"/>
+              <a:t>eg</a:t>
+            </a:r>
+            <a:r>
+              <a:rPr lang="en-US" dirty="0"/>
+              <a:t>: (el, de, le, un)</a:t>
+            </a:r>
+          </a:p>
+          <a:p>
+            <a:endParaRPr lang="en-US" dirty="0"/>
+          </a:p>
+        </p:txBody>
+      </p:sp>
+      <p:pic>
+        <p:nvPicPr>
+          <p:cNvPr id="7" name="Content Placeholder 6" descr="A screenshot of a person&#10;&#10;Description automatically generated">
+            <a:extLst>
+              <a:ext uri="{FF2B5EF4-FFF2-40B4-BE49-F238E27FC236}">
+                <a16:creationId xmlns:a16="http://schemas.microsoft.com/office/drawing/2014/main" id="{3C561B52-FE9A-A04A-8938-86B502DFF129}"/>
+              </a:ext>
+            </a:extLst>
+          </p:cNvPr>
+          <p:cNvPicPr>
+            <a:picLocks noGrp="1" noChangeAspect="1"/>
+          </p:cNvPicPr>
+          <p:nvPr>
+            <p:ph sz="half" idx="2"/>
+          </p:nvPr>
+        </p:nvPicPr>
+        <p:blipFill>
+          <a:blip r:embed="rId2"/>
+          <a:stretch>
+            <a:fillRect/>
+          </a:stretch>
+        </p:blipFill>
+        <p:spPr>
+          <a:xfrm>
+            <a:off x="6328459" y="2097088"/>
+            <a:ext cx="5189757" cy="3995737"/>
+          </a:xfrm>
+        </p:spPr>
+      </p:pic>
+    </p:spTree>
+    <p:extLst>
+      <p:ext uri="{BB962C8B-B14F-4D97-AF65-F5344CB8AC3E}">
+        <p14:creationId xmlns:p14="http://schemas.microsoft.com/office/powerpoint/2010/main" val="968030840"/>
+      </p:ext>
+    </p:extLst>
+  </p:cSld>
+  <p:clrMapOvr>
+    <a:masterClrMapping/>
+  </p:clrMapOvr>
+</p:sld>
+</file>
+
+<file path=ppt/slides/slide7.xml><?xml version="1.0" encoding="utf-8"?>
+<p:sld xmlns:a="http://schemas.openxmlformats.org/drawingml/2006/main" xmlns:r="http://schemas.openxmlformats.org/officeDocument/2006/relationships" xmlns:p="http://schemas.openxmlformats.org/presentationml/2006/main">
+  <p:cSld>
+    <p:spTree>
+      <p:nvGrpSpPr>
+        <p:cNvPr id="1" name=""/>
+        <p:cNvGrpSpPr/>
+        <p:nvPr/>
+      </p:nvGrpSpPr>
+      <p:grpSpPr>
+        <a:xfrm>
+          <a:off x="0" y="0"/>
+          <a:ext cx="0" cy="0"/>
+          <a:chOff x="0" y="0"/>
+          <a:chExt cx="0" cy="0"/>
+        </a:xfrm>
+      </p:grpSpPr>
+      <p:sp>
+        <p:nvSpPr>
+          <p:cNvPr id="2" name="Title 1">
+            <a:extLst>
+              <a:ext uri="{FF2B5EF4-FFF2-40B4-BE49-F238E27FC236}">
+                <a16:creationId xmlns:a16="http://schemas.microsoft.com/office/drawing/2014/main" id="{1B6F93A2-92B1-704C-950A-C9F9D88232CB}"/>
+              </a:ext>
+            </a:extLst>
+          </p:cNvPr>
+          <p:cNvSpPr>
+            <a:spLocks noGrp="1"/>
+          </p:cNvSpPr>
+          <p:nvPr>
+            <p:ph type="title"/>
+          </p:nvPr>
+        </p:nvSpPr>
+        <p:spPr/>
+        <p:txBody>
+          <a:bodyPr/>
+          <a:lstStyle/>
+          <a:p>
+            <a:r>
+              <a:rPr lang="en-US" dirty="0"/>
+              <a:t>Exploratory Data Analysis</a:t>
+            </a:r>
+          </a:p>
+        </p:txBody>
+      </p:sp>
+      <p:sp>
+        <p:nvSpPr>
+          <p:cNvPr id="6" name="Content Placeholder 5">
+            <a:extLst>
+              <a:ext uri="{FF2B5EF4-FFF2-40B4-BE49-F238E27FC236}">
+                <a16:creationId xmlns:a16="http://schemas.microsoft.com/office/drawing/2014/main" id="{52A8F800-1499-0846-8E7E-F46AD83EE382}"/>
+              </a:ext>
+            </a:extLst>
+          </p:cNvPr>
+          <p:cNvSpPr>
+            <a:spLocks noGrp="1"/>
+          </p:cNvSpPr>
+          <p:nvPr>
+            <p:ph sz="half" idx="1"/>
+          </p:nvPr>
+        </p:nvSpPr>
+        <p:spPr/>
+        <p:txBody>
+          <a:bodyPr/>
+          <a:lstStyle/>
+          <a:p>
+            <a:r>
+              <a:rPr lang="en-US" dirty="0"/>
+              <a:t>Initial data visualization using word clouds, looking for individual words that clearly indicate positive or negative sentiment</a:t>
+            </a:r>
+          </a:p>
+          <a:p>
+            <a:r>
+              <a:rPr lang="en-US" dirty="0"/>
+              <a:t>Feature Extraction with Vectorizers, examining correlations between token frequency vectors, identifying collinear vectors</a:t>
+            </a:r>
+          </a:p>
+        </p:txBody>
+      </p:sp>
+      <p:pic>
+        <p:nvPicPr>
+          <p:cNvPr id="9" name="Content Placeholder 8" descr="A close up of a newspaper&#10;&#10;Description automatically generated">
+            <a:extLst>
+              <a:ext uri="{FF2B5EF4-FFF2-40B4-BE49-F238E27FC236}">
+                <a16:creationId xmlns:a16="http://schemas.microsoft.com/office/drawing/2014/main" id="{726C282B-6926-8E49-A429-C812C181C155}"/>
+              </a:ext>
+            </a:extLst>
+          </p:cNvPr>
+          <p:cNvPicPr>
+            <a:picLocks noGrp="1" noChangeAspect="1"/>
+          </p:cNvPicPr>
+          <p:nvPr>
+            <p:ph sz="half" idx="2"/>
+          </p:nvPr>
+        </p:nvPicPr>
+        <p:blipFill>
+          <a:blip r:embed="rId2"/>
+          <a:stretch>
+            <a:fillRect/>
+          </a:stretch>
+        </p:blipFill>
+        <p:spPr>
+          <a:xfrm>
+            <a:off x="6925469" y="1705232"/>
+            <a:ext cx="4387593" cy="4387593"/>
+          </a:xfrm>
+        </p:spPr>
+      </p:pic>
+    </p:spTree>
+    <p:extLst>
+      <p:ext uri="{BB962C8B-B14F-4D97-AF65-F5344CB8AC3E}">
+        <p14:creationId xmlns:p14="http://schemas.microsoft.com/office/powerpoint/2010/main" val="3737227288"/>
+      </p:ext>
+    </p:extLst>
+  </p:cSld>
+  <p:clrMapOvr>
+    <a:masterClrMapping/>
+  </p:clrMapOvr>
+</p:sld>
+</file>
+
+<file path=ppt/slides/slide8.xml><?xml version="1.0" encoding="utf-8"?>
+<p:sld xmlns:a="http://schemas.openxmlformats.org/drawingml/2006/main" xmlns:r="http://schemas.openxmlformats.org/officeDocument/2006/relationships" xmlns:p="http://schemas.openxmlformats.org/presentationml/2006/main">
+  <p:cSld>
+    <p:spTree>
+      <p:nvGrpSpPr>
+        <p:cNvPr id="1" name=""/>
+        <p:cNvGrpSpPr/>
+        <p:nvPr/>
+      </p:nvGrpSpPr>
+      <p:grpSpPr>
+        <a:xfrm>
+          <a:off x="0" y="0"/>
+          <a:ext cx="0" cy="0"/>
+          <a:chOff x="0" y="0"/>
+          <a:chExt cx="0" cy="0"/>
+        </a:xfrm>
+      </p:grpSpPr>
+      <p:sp>
+        <p:nvSpPr>
+          <p:cNvPr id="2" name="Title 1">
+            <a:extLst>
+              <a:ext uri="{FF2B5EF4-FFF2-40B4-BE49-F238E27FC236}">
+                <a16:creationId xmlns:a16="http://schemas.microsoft.com/office/drawing/2014/main" id="{00869599-920B-0A40-B2E6-0F9172276961}"/>
+              </a:ext>
+            </a:extLst>
+          </p:cNvPr>
+          <p:cNvSpPr>
+            <a:spLocks noGrp="1"/>
+          </p:cNvSpPr>
+          <p:nvPr>
+            <p:ph type="title"/>
+          </p:nvPr>
+        </p:nvSpPr>
+        <p:spPr/>
+        <p:txBody>
+          <a:bodyPr/>
+          <a:lstStyle/>
+          <a:p>
+            <a:r>
+              <a:rPr lang="en-US" dirty="0"/>
+              <a:t>Preprocessing</a:t>
+            </a:r>
+          </a:p>
+        </p:txBody>
+      </p:sp>
+      <p:sp>
+        <p:nvSpPr>
+          <p:cNvPr id="5" name="Content Placeholder 4">
+            <a:extLst>
+              <a:ext uri="{FF2B5EF4-FFF2-40B4-BE49-F238E27FC236}">
+                <a16:creationId xmlns:a16="http://schemas.microsoft.com/office/drawing/2014/main" id="{7E6BE7F2-AFD8-8241-95ED-D0DB521AAB22}"/>
+              </a:ext>
+            </a:extLst>
+          </p:cNvPr>
+          <p:cNvSpPr>
+            <a:spLocks noGrp="1"/>
+          </p:cNvSpPr>
+          <p:nvPr>
+            <p:ph sz="half" idx="1"/>
+          </p:nvPr>
+        </p:nvSpPr>
+        <p:spPr/>
+        <p:txBody>
+          <a:bodyPr/>
+          <a:lstStyle/>
+          <a:p>
+            <a:r>
+              <a:rPr lang="en-US" dirty="0"/>
+              <a:t>Setting aside sample of each collection of tweets to be manually labeled by myself, using train_test_split with stratification on the labels</a:t>
+            </a:r>
+          </a:p>
+          <a:p>
+            <a:r>
+              <a:rPr lang="en-US" dirty="0"/>
+              <a:t>Labeling the rest of the data using TextBlob, positive labeled as 0, negative labeled as 1</a:t>
+            </a:r>
+          </a:p>
+          <a:p>
+            <a:r>
+              <a:rPr lang="en-US" dirty="0"/>
+              <a:t>Checking for data imbalance</a:t>
+            </a:r>
+          </a:p>
+          <a:p>
+            <a:endParaRPr lang="en-US" dirty="0"/>
+          </a:p>
+        </p:txBody>
+      </p:sp>
+      <p:graphicFrame>
+        <p:nvGraphicFramePr>
+          <p:cNvPr id="7" name="Table 7">
+            <a:extLst>
+              <a:ext uri="{FF2B5EF4-FFF2-40B4-BE49-F238E27FC236}">
+                <a16:creationId xmlns:a16="http://schemas.microsoft.com/office/drawing/2014/main" id="{0A8FA8F9-615C-9043-875C-78DAEB16E0EC}"/>
+              </a:ext>
+            </a:extLst>
+          </p:cNvPr>
+          <p:cNvGraphicFramePr>
+            <a:graphicFrameLocks noGrp="1"/>
+          </p:cNvGraphicFramePr>
+          <p:nvPr>
+            <p:ph sz="half" idx="2"/>
+            <p:extLst>
+              <p:ext uri="{D42A27DB-BD31-4B8C-83A1-F6EECF244321}">
+                <p14:modId xmlns:p14="http://schemas.microsoft.com/office/powerpoint/2010/main" val="177934154"/>
+              </p:ext>
+            </p:extLst>
+          </p:nvPr>
+        </p:nvGraphicFramePr>
+        <p:xfrm>
+          <a:off x="6205538" y="2097087"/>
+          <a:ext cx="5435600" cy="2716652"/>
+        </p:xfrm>
+        <a:graphic>
+          <a:graphicData uri="http://schemas.openxmlformats.org/drawingml/2006/table">
+            <a:tbl>
+              <a:tblPr firstRow="1" bandRow="1">
+                <a:tableStyleId>{5C22544A-7EE6-4342-B048-85BDC9FD1C3A}</a:tableStyleId>
+              </a:tblPr>
+              <a:tblGrid>
+                <a:gridCol w="1358900">
+                  <a:extLst>
+                    <a:ext uri="{9D8B030D-6E8A-4147-A177-3AD203B41FA5}">
+                      <a16:colId xmlns:a16="http://schemas.microsoft.com/office/drawing/2014/main" val="1825380093"/>
+                    </a:ext>
+                  </a:extLst>
+                </a:gridCol>
+                <a:gridCol w="1358900">
+                  <a:extLst>
+                    <a:ext uri="{9D8B030D-6E8A-4147-A177-3AD203B41FA5}">
+                      <a16:colId xmlns:a16="http://schemas.microsoft.com/office/drawing/2014/main" val="307307485"/>
+                    </a:ext>
+                  </a:extLst>
+                </a:gridCol>
+                <a:gridCol w="1358900">
+                  <a:extLst>
+                    <a:ext uri="{9D8B030D-6E8A-4147-A177-3AD203B41FA5}">
+                      <a16:colId xmlns:a16="http://schemas.microsoft.com/office/drawing/2014/main" val="685932067"/>
+                    </a:ext>
+                  </a:extLst>
+                </a:gridCol>
+                <a:gridCol w="1358900">
+                  <a:extLst>
+                    <a:ext uri="{9D8B030D-6E8A-4147-A177-3AD203B41FA5}">
+                      <a16:colId xmlns:a16="http://schemas.microsoft.com/office/drawing/2014/main" val="2191020456"/>
+                    </a:ext>
+                  </a:extLst>
+                </a:gridCol>
+              </a:tblGrid>
+              <a:tr h="902396">
+                <a:tc>
+                  <a:txBody>
+                    <a:bodyPr/>
+                    <a:lstStyle/>
+                    <a:p>
+                      <a:r>
+                        <a:rPr lang="en-US" dirty="0"/>
+                        <a:t>Labels by TextBlob</a:t>
+                      </a:r>
+                    </a:p>
+                  </a:txBody>
+                  <a:tcPr/>
+                </a:tc>
+                <a:tc>
+                  <a:txBody>
+                    <a:bodyPr/>
+                    <a:lstStyle/>
+                    <a:p>
+                      <a:r>
+                        <a:rPr lang="en-US" dirty="0"/>
+                        <a:t>Smash Bros</a:t>
+                      </a:r>
+                    </a:p>
+                  </a:txBody>
+                  <a:tcPr/>
+                </a:tc>
+                <a:tc>
+                  <a:txBody>
+                    <a:bodyPr/>
+                    <a:lstStyle/>
+                    <a:p>
+                      <a:r>
+                        <a:rPr lang="en-US" dirty="0"/>
+                        <a:t>Fire Emblem</a:t>
+                      </a:r>
+                    </a:p>
+                  </a:txBody>
+                  <a:tcPr/>
+                </a:tc>
+                <a:tc>
+                  <a:txBody>
+                    <a:bodyPr/>
+                    <a:lstStyle/>
+                    <a:p>
+                      <a:r>
+                        <a:rPr lang="en-US" dirty="0"/>
+                        <a:t>Mario Party</a:t>
+                      </a:r>
+                    </a:p>
+                  </a:txBody>
+                  <a:tcPr/>
+                </a:tc>
+                <a:extLst>
+                  <a:ext uri="{0D108BD9-81ED-4DB2-BD59-A6C34878D82A}">
+                    <a16:rowId xmlns:a16="http://schemas.microsoft.com/office/drawing/2014/main" val="3616908133"/>
+                  </a:ext>
+                </a:extLst>
+              </a:tr>
+              <a:tr h="907128">
+                <a:tc>
+                  <a:txBody>
+                    <a:bodyPr/>
+                    <a:lstStyle/>
+                    <a:p>
+                      <a:r>
+                        <a:rPr lang="en-US" dirty="0"/>
+                        <a:t>Positive</a:t>
+                      </a:r>
+                    </a:p>
+                  </a:txBody>
+                  <a:tcPr/>
+                </a:tc>
+                <a:tc>
+                  <a:txBody>
+                    <a:bodyPr/>
+                    <a:lstStyle/>
+                    <a:p>
+                      <a:r>
+                        <a:rPr lang="en-US" dirty="0"/>
+                        <a:t>11861</a:t>
+                      </a:r>
+                    </a:p>
+                  </a:txBody>
+                  <a:tcPr/>
+                </a:tc>
+                <a:tc>
+                  <a:txBody>
+                    <a:bodyPr/>
+                    <a:lstStyle/>
+                    <a:p>
+                      <a:r>
+                        <a:rPr lang="en-US" dirty="0"/>
+                        <a:t>1534</a:t>
+                      </a:r>
+                    </a:p>
+                  </a:txBody>
+                  <a:tcPr/>
+                </a:tc>
+                <a:tc>
+                  <a:txBody>
+                    <a:bodyPr/>
+                    <a:lstStyle/>
+                    <a:p>
+                      <a:r>
+                        <a:rPr lang="en-US" dirty="0"/>
+                        <a:t>829</a:t>
+                      </a:r>
+                    </a:p>
+                  </a:txBody>
+                  <a:tcPr/>
+                </a:tc>
+                <a:extLst>
+                  <a:ext uri="{0D108BD9-81ED-4DB2-BD59-A6C34878D82A}">
+                    <a16:rowId xmlns:a16="http://schemas.microsoft.com/office/drawing/2014/main" val="1221147766"/>
+                  </a:ext>
+                </a:extLst>
+              </a:tr>
+              <a:tr h="907128">
+                <a:tc>
+                  <a:txBody>
+                    <a:bodyPr/>
+                    <a:lstStyle/>
+                    <a:p>
+                      <a:r>
+                        <a:rPr lang="en-US" dirty="0"/>
+                        <a:t>Negative</a:t>
+                      </a:r>
+                    </a:p>
+                  </a:txBody>
+                  <a:tcPr/>
+                </a:tc>
+                <a:tc>
+                  <a:txBody>
+                    <a:bodyPr/>
+                    <a:lstStyle/>
+                    <a:p>
+                      <a:r>
+                        <a:rPr lang="en-US" dirty="0"/>
+                        <a:t>674</a:t>
+                      </a:r>
+                    </a:p>
+                  </a:txBody>
+                  <a:tcPr/>
+                </a:tc>
+                <a:tc>
+                  <a:txBody>
+                    <a:bodyPr/>
+                    <a:lstStyle/>
+                    <a:p>
+                      <a:r>
+                        <a:rPr lang="en-US" dirty="0"/>
+                        <a:t>29</a:t>
+                      </a:r>
+                    </a:p>
+                  </a:txBody>
+                  <a:tcPr/>
+                </a:tc>
+                <a:tc>
+                  <a:txBody>
+                    <a:bodyPr/>
+                    <a:lstStyle/>
+                    <a:p>
+                      <a:r>
+                        <a:rPr lang="en-US" dirty="0"/>
+                        <a:t>53</a:t>
+                      </a:r>
+                    </a:p>
+                  </a:txBody>
+                  <a:tcPr/>
+                </a:tc>
+                <a:extLst>
+                  <a:ext uri="{0D108BD9-81ED-4DB2-BD59-A6C34878D82A}">
+                    <a16:rowId xmlns:a16="http://schemas.microsoft.com/office/drawing/2014/main" val="2358409951"/>
+                  </a:ext>
+                </a:extLst>
+              </a:tr>
+            </a:tbl>
+          </a:graphicData>
+        </a:graphic>
+      </p:graphicFrame>
+    </p:spTree>
+    <p:extLst>
+      <p:ext uri="{BB962C8B-B14F-4D97-AF65-F5344CB8AC3E}">
+        <p14:creationId xmlns:p14="http://schemas.microsoft.com/office/powerpoint/2010/main" val="18442578"/>
+      </p:ext>
+    </p:extLst>
+  </p:cSld>
+  <p:clrMapOvr>
+    <a:masterClrMapping/>
+  </p:clrMapOvr>
+</p:sld>
+</file>
+
+<file path=ppt/slides/slide9.xml><?xml version="1.0" encoding="utf-8"?>
 <p:sld xmlns:a="http://schemas.openxmlformats.org/drawingml/2006/main" xmlns:r="http://schemas.openxmlformats.org/officeDocument/2006/relationships" xmlns:p="http://schemas.openxmlformats.org/presentationml/2006/main">
   <p:cSld>
     <p:bg>
@@ -19743,3301 +23742,6 @@
 </p:sld>
 </file>
 
-<file path=ppt/slides/slide11.xml><?xml version="1.0" encoding="utf-8"?>
-<p:sld xmlns:a="http://schemas.openxmlformats.org/drawingml/2006/main" xmlns:r="http://schemas.openxmlformats.org/officeDocument/2006/relationships" xmlns:p="http://schemas.openxmlformats.org/presentationml/2006/main">
-  <p:cSld>
-    <p:bg>
-      <p:bgPr>
-        <a:solidFill>
-          <a:schemeClr val="bg2"/>
-        </a:solidFill>
-        <a:effectLst/>
-      </p:bgPr>
-    </p:bg>
-    <p:spTree>
-      <p:nvGrpSpPr>
-        <p:cNvPr id="1" name=""/>
-        <p:cNvGrpSpPr/>
-        <p:nvPr/>
-      </p:nvGrpSpPr>
-      <p:grpSpPr>
-        <a:xfrm>
-          <a:off x="0" y="0"/>
-          <a:ext cx="0" cy="0"/>
-          <a:chOff x="0" y="0"/>
-          <a:chExt cx="0" cy="0"/>
-        </a:xfrm>
-      </p:grpSpPr>
-      <p:sp useBgFill="1">
-        <p:nvSpPr>
-          <p:cNvPr id="19" name="Rectangle 18">
-            <a:extLst>
-              <a:ext uri="{FF2B5EF4-FFF2-40B4-BE49-F238E27FC236}">
-                <a16:creationId xmlns:a16="http://schemas.microsoft.com/office/drawing/2014/main" id="{60B7752B-728D-4CA3-8923-C4F7F77029E3}"/>
-              </a:ext>
-              <a:ext uri="{C183D7F6-B498-43B3-948B-1728B52AA6E4}">
-                <adec:decorative xmlns:adec="http://schemas.microsoft.com/office/drawing/2017/decorative" val="1"/>
-              </a:ext>
-            </a:extLst>
-          </p:cNvPr>
-          <p:cNvSpPr>
-            <a:spLocks noGrp="1" noRot="1" noChangeAspect="1" noMove="1" noResize="1" noEditPoints="1" noAdjustHandles="1" noChangeArrowheads="1" noChangeShapeType="1" noTextEdit="1"/>
-          </p:cNvSpPr>
-          <p:nvPr>
-            <p:extLst>
-              <p:ext uri="{386F3935-93C4-4BCD-93E2-E3B085C9AB24}">
-                <p16:designElem xmlns:p16="http://schemas.microsoft.com/office/powerpoint/2015/main" val="1"/>
-              </p:ext>
-            </p:extLst>
-          </p:nvPr>
-        </p:nvSpPr>
-        <p:spPr>
-          <a:xfrm>
-            <a:off x="0" y="0"/>
-            <a:ext cx="12192000" cy="6858000"/>
-          </a:xfrm>
-          <a:prstGeom prst="rect">
-            <a:avLst/>
-          </a:prstGeom>
-          <a:ln w="12700" cap="flat" cmpd="sng" algn="ctr">
-            <a:noFill/>
-            <a:prstDash val="solid"/>
-            <a:miter lim="800000"/>
-          </a:ln>
-          <a:effectLst/>
-          <a:extLst>
-            <a:ext uri="{91240B29-F687-4F45-9708-019B960494DF}">
-              <a14:hiddenLine xmlns:a14="http://schemas.microsoft.com/office/drawing/2010/main" w="12700" cap="flat" cmpd="sng" algn="ctr">
-                <a:solidFill>
-                  <a:schemeClr val="accent1">
-                    <a:shade val="50000"/>
-                  </a:schemeClr>
-                </a:solidFill>
-                <a:prstDash val="solid"/>
-                <a:miter lim="800000"/>
-              </a14:hiddenLine>
-            </a:ext>
-          </a:extLst>
-        </p:spPr>
-        <p:style>
-          <a:lnRef idx="2">
-            <a:schemeClr val="accent1">
-              <a:shade val="50000"/>
-            </a:schemeClr>
-          </a:lnRef>
-          <a:fillRef idx="1">
-            <a:schemeClr val="accent1"/>
-          </a:fillRef>
-          <a:effectRef idx="0">
-            <a:schemeClr val="accent1"/>
-          </a:effectRef>
-          <a:fontRef idx="minor">
-            <a:schemeClr val="lt1"/>
-          </a:fontRef>
-        </p:style>
-        <p:txBody>
-          <a:bodyPr rtlCol="0" anchor="ctr"/>
-          <a:lstStyle/>
-          <a:p>
-            <a:pPr algn="ctr"/>
-            <a:endParaRPr lang="en-US"/>
-          </a:p>
-        </p:txBody>
-      </p:sp>
-      <p:sp>
-        <p:nvSpPr>
-          <p:cNvPr id="5" name="Title 4">
-            <a:extLst>
-              <a:ext uri="{FF2B5EF4-FFF2-40B4-BE49-F238E27FC236}">
-                <a16:creationId xmlns:a16="http://schemas.microsoft.com/office/drawing/2014/main" id="{1D2A6076-6E78-CE46-9BB4-116D6E7D97D4}"/>
-              </a:ext>
-            </a:extLst>
-          </p:cNvPr>
-          <p:cNvSpPr>
-            <a:spLocks noGrp="1"/>
-          </p:cNvSpPr>
-          <p:nvPr>
-            <p:ph type="title"/>
-          </p:nvPr>
-        </p:nvSpPr>
-        <p:spPr>
-          <a:xfrm>
-            <a:off x="550863" y="1520825"/>
-            <a:ext cx="4535487" cy="3779838"/>
-          </a:xfrm>
-        </p:spPr>
-        <p:txBody>
-          <a:bodyPr anchor="ctr">
-            <a:normAutofit/>
-          </a:bodyPr>
-          <a:lstStyle/>
-          <a:p>
-            <a:r>
-              <a:rPr lang="en-US" sz="5000"/>
-              <a:t>Hyperparameter Tuning</a:t>
-            </a:r>
-          </a:p>
-        </p:txBody>
-      </p:sp>
-      <p:grpSp>
-        <p:nvGrpSpPr>
-          <p:cNvPr id="21" name="Group 20">
-            <a:extLst>
-              <a:ext uri="{FF2B5EF4-FFF2-40B4-BE49-F238E27FC236}">
-                <a16:creationId xmlns:a16="http://schemas.microsoft.com/office/drawing/2014/main" id="{20205E53-D75C-4F15-A4A3-21DA0826FCE9}"/>
-              </a:ext>
-              <a:ext uri="{C183D7F6-B498-43B3-948B-1728B52AA6E4}">
-                <adec:decorative xmlns:adec="http://schemas.microsoft.com/office/drawing/2017/decorative" val="1"/>
-              </a:ext>
-            </a:extLst>
-          </p:cNvPr>
-          <p:cNvGrpSpPr>
-            <a:grpSpLocks noGrp="1" noUngrp="1" noRot="1" noChangeAspect="1" noMove="1" noResize="1"/>
-          </p:cNvGrpSpPr>
-          <p:nvPr>
-            <p:extLst>
-              <p:ext uri="{386F3935-93C4-4BCD-93E2-E3B085C9AB24}">
-                <p16:designElem xmlns:p16="http://schemas.microsoft.com/office/powerpoint/2015/main" val="1"/>
-              </p:ext>
-            </p:extLst>
-          </p:nvPr>
-        </p:nvGrpSpPr>
-        <p:grpSpPr>
-          <a:xfrm>
-            <a:off x="1132950" y="623661"/>
-            <a:ext cx="667800" cy="631474"/>
-            <a:chOff x="8069541" y="1262702"/>
-            <a:chExt cx="667800" cy="631474"/>
-          </a:xfrm>
-        </p:grpSpPr>
-        <p:sp>
-          <p:nvSpPr>
-            <p:cNvPr id="22" name="Freeform: Shape 21">
-              <a:extLst>
-                <a:ext uri="{FF2B5EF4-FFF2-40B4-BE49-F238E27FC236}">
-                  <a16:creationId xmlns:a16="http://schemas.microsoft.com/office/drawing/2014/main" id="{EB48C7E5-9699-4FB1-9EEE-581C686293C0}"/>
-                </a:ext>
-                <a:ext uri="{C183D7F6-B498-43B3-948B-1728B52AA6E4}">
-                  <adec:decorative xmlns:adec="http://schemas.microsoft.com/office/drawing/2017/decorative" val="1"/>
-                </a:ext>
-              </a:extLst>
-            </p:cNvPr>
-            <p:cNvSpPr>
-              <a:spLocks noChangeAspect="1"/>
-            </p:cNvSpPr>
-            <p:nvPr>
-              <p:extLst>
-                <p:ext uri="{386F3935-93C4-4BCD-93E2-E3B085C9AB24}">
-                  <p16:designElem xmlns:p16="http://schemas.microsoft.com/office/powerpoint/2015/main" val="1"/>
-                </p:ext>
-              </p:extLst>
-            </p:nvPr>
-          </p:nvSpPr>
-          <p:spPr>
-            <a:xfrm rot="18900000">
-              <a:off x="8069541" y="1262702"/>
-              <a:ext cx="540000" cy="631474"/>
-            </a:xfrm>
-            <a:custGeom>
-              <a:avLst/>
-              <a:gdLst>
-                <a:gd name="connsiteX0" fmla="*/ 540000 w 1080000"/>
-                <a:gd name="connsiteY0" fmla="*/ 0 h 1262947"/>
-                <a:gd name="connsiteX1" fmla="*/ 1080000 w 1080000"/>
-                <a:gd name="connsiteY1" fmla="*/ 931034 h 1262947"/>
-                <a:gd name="connsiteX2" fmla="*/ 1064374 w 1080000"/>
-                <a:gd name="connsiteY2" fmla="*/ 931034 h 1262947"/>
-                <a:gd name="connsiteX3" fmla="*/ 1069029 w 1080000"/>
-                <a:gd name="connsiteY3" fmla="*/ 938533 h 1262947"/>
-                <a:gd name="connsiteX4" fmla="*/ 1080000 w 1080000"/>
-                <a:gd name="connsiteY4" fmla="*/ 992947 h 1262947"/>
-                <a:gd name="connsiteX5" fmla="*/ 540000 w 1080000"/>
-                <a:gd name="connsiteY5" fmla="*/ 1262947 h 1262947"/>
-                <a:gd name="connsiteX6" fmla="*/ 0 w 1080000"/>
-                <a:gd name="connsiteY6" fmla="*/ 992947 h 1262947"/>
-                <a:gd name="connsiteX7" fmla="*/ 10971 w 1080000"/>
-                <a:gd name="connsiteY7" fmla="*/ 938533 h 1262947"/>
-                <a:gd name="connsiteX8" fmla="*/ 15626 w 1080000"/>
-                <a:gd name="connsiteY8" fmla="*/ 931034 h 1262947"/>
-                <a:gd name="connsiteX9" fmla="*/ 0 w 1080000"/>
-                <a:gd name="connsiteY9" fmla="*/ 931034 h 1262947"/>
-                <a:gd name="connsiteX0" fmla="*/ 540000 w 1080000"/>
-                <a:gd name="connsiteY0" fmla="*/ 0 h 1262947"/>
-                <a:gd name="connsiteX1" fmla="*/ 1080000 w 1080000"/>
-                <a:gd name="connsiteY1" fmla="*/ 931034 h 1262947"/>
-                <a:gd name="connsiteX2" fmla="*/ 1064374 w 1080000"/>
-                <a:gd name="connsiteY2" fmla="*/ 931034 h 1262947"/>
-                <a:gd name="connsiteX3" fmla="*/ 1069029 w 1080000"/>
-                <a:gd name="connsiteY3" fmla="*/ 938533 h 1262947"/>
-                <a:gd name="connsiteX4" fmla="*/ 1080000 w 1080000"/>
-                <a:gd name="connsiteY4" fmla="*/ 992947 h 1262947"/>
-                <a:gd name="connsiteX5" fmla="*/ 540000 w 1080000"/>
-                <a:gd name="connsiteY5" fmla="*/ 1262947 h 1262947"/>
-                <a:gd name="connsiteX6" fmla="*/ 0 w 1080000"/>
-                <a:gd name="connsiteY6" fmla="*/ 992947 h 1262947"/>
-                <a:gd name="connsiteX7" fmla="*/ 10971 w 1080000"/>
-                <a:gd name="connsiteY7" fmla="*/ 938533 h 1262947"/>
-                <a:gd name="connsiteX8" fmla="*/ 15626 w 1080000"/>
-                <a:gd name="connsiteY8" fmla="*/ 931034 h 1262947"/>
-                <a:gd name="connsiteX9" fmla="*/ 540000 w 1080000"/>
-                <a:gd name="connsiteY9" fmla="*/ 0 h 1262947"/>
-                <a:gd name="connsiteX0" fmla="*/ 540000 w 1080000"/>
-                <a:gd name="connsiteY0" fmla="*/ 0 h 1262947"/>
-                <a:gd name="connsiteX1" fmla="*/ 1064374 w 1080000"/>
-                <a:gd name="connsiteY1" fmla="*/ 931034 h 1262947"/>
-                <a:gd name="connsiteX2" fmla="*/ 1069029 w 1080000"/>
-                <a:gd name="connsiteY2" fmla="*/ 938533 h 1262947"/>
-                <a:gd name="connsiteX3" fmla="*/ 1080000 w 1080000"/>
-                <a:gd name="connsiteY3" fmla="*/ 992947 h 1262947"/>
-                <a:gd name="connsiteX4" fmla="*/ 540000 w 1080000"/>
-                <a:gd name="connsiteY4" fmla="*/ 1262947 h 1262947"/>
-                <a:gd name="connsiteX5" fmla="*/ 0 w 1080000"/>
-                <a:gd name="connsiteY5" fmla="*/ 992947 h 1262947"/>
-                <a:gd name="connsiteX6" fmla="*/ 10971 w 1080000"/>
-                <a:gd name="connsiteY6" fmla="*/ 938533 h 1262947"/>
-                <a:gd name="connsiteX7" fmla="*/ 15626 w 1080000"/>
-                <a:gd name="connsiteY7" fmla="*/ 931034 h 1262947"/>
-                <a:gd name="connsiteX8" fmla="*/ 540000 w 1080000"/>
-                <a:gd name="connsiteY8" fmla="*/ 0 h 1262947"/>
-              </a:gdLst>
-              <a:ahLst/>
-              <a:cxnLst>
-                <a:cxn ang="0">
-                  <a:pos x="connsiteX0" y="connsiteY0"/>
-                </a:cxn>
-                <a:cxn ang="0">
-                  <a:pos x="connsiteX1" y="connsiteY1"/>
-                </a:cxn>
-                <a:cxn ang="0">
-                  <a:pos x="connsiteX2" y="connsiteY2"/>
-                </a:cxn>
-                <a:cxn ang="0">
-                  <a:pos x="connsiteX3" y="connsiteY3"/>
-                </a:cxn>
-                <a:cxn ang="0">
-                  <a:pos x="connsiteX4" y="connsiteY4"/>
-                </a:cxn>
-                <a:cxn ang="0">
-                  <a:pos x="connsiteX5" y="connsiteY5"/>
-                </a:cxn>
-                <a:cxn ang="0">
-                  <a:pos x="connsiteX6" y="connsiteY6"/>
-                </a:cxn>
-                <a:cxn ang="0">
-                  <a:pos x="connsiteX7" y="connsiteY7"/>
-                </a:cxn>
-                <a:cxn ang="0">
-                  <a:pos x="connsiteX8" y="connsiteY8"/>
-                </a:cxn>
-              </a:cxnLst>
-              <a:rect l="l" t="t" r="r" b="b"/>
-              <a:pathLst>
-                <a:path w="1080000" h="1262947">
-                  <a:moveTo>
-                    <a:pt x="540000" y="0"/>
-                  </a:moveTo>
-                  <a:lnTo>
-                    <a:pt x="1064374" y="931034"/>
-                  </a:lnTo>
-                  <a:lnTo>
-                    <a:pt x="1069029" y="938533"/>
-                  </a:lnTo>
-                  <a:cubicBezTo>
-                    <a:pt x="1076223" y="956109"/>
-                    <a:pt x="1080000" y="974307"/>
-                    <a:pt x="1080000" y="992947"/>
-                  </a:cubicBezTo>
-                  <a:cubicBezTo>
-                    <a:pt x="1080000" y="1142064"/>
-                    <a:pt x="838234" y="1262947"/>
-                    <a:pt x="540000" y="1262947"/>
-                  </a:cubicBezTo>
-                  <a:cubicBezTo>
-                    <a:pt x="241766" y="1262947"/>
-                    <a:pt x="0" y="1142064"/>
-                    <a:pt x="0" y="992947"/>
-                  </a:cubicBezTo>
-                  <a:cubicBezTo>
-                    <a:pt x="0" y="974307"/>
-                    <a:pt x="3778" y="956109"/>
-                    <a:pt x="10971" y="938533"/>
-                  </a:cubicBezTo>
-                  <a:lnTo>
-                    <a:pt x="15626" y="931034"/>
-                  </a:lnTo>
-                  <a:lnTo>
-                    <a:pt x="540000" y="0"/>
-                  </a:lnTo>
-                  <a:close/>
-                </a:path>
-              </a:pathLst>
-            </a:custGeom>
-            <a:gradFill>
-              <a:gsLst>
-                <a:gs pos="60000">
-                  <a:schemeClr val="bg2">
-                    <a:lumMod val="90000"/>
-                    <a:lumOff val="10000"/>
-                  </a:schemeClr>
-                </a:gs>
-                <a:gs pos="30000">
-                  <a:schemeClr val="bg2">
-                    <a:lumMod val="90000"/>
-                    <a:lumOff val="10000"/>
-                  </a:schemeClr>
-                </a:gs>
-                <a:gs pos="40000">
-                  <a:schemeClr val="bg2">
-                    <a:lumMod val="75000"/>
-                    <a:lumOff val="25000"/>
-                  </a:schemeClr>
-                </a:gs>
-                <a:gs pos="100000">
-                  <a:schemeClr val="bg2"/>
-                </a:gs>
-              </a:gsLst>
-              <a:lin ang="10200000" scaled="0"/>
-            </a:gradFill>
-            <a:ln>
-              <a:noFill/>
-            </a:ln>
-            <a:effectLst>
-              <a:innerShdw blurRad="127000" dist="50800" dir="4200000">
-                <a:schemeClr val="accent1">
-                  <a:lumMod val="60000"/>
-                  <a:lumOff val="40000"/>
-                  <a:alpha val="20000"/>
-                </a:schemeClr>
-              </a:innerShdw>
-            </a:effectLst>
-          </p:spPr>
-          <p:style>
-            <a:lnRef idx="2">
-              <a:schemeClr val="accent1">
-                <a:shade val="50000"/>
-              </a:schemeClr>
-            </a:lnRef>
-            <a:fillRef idx="1">
-              <a:schemeClr val="accent1"/>
-            </a:fillRef>
-            <a:effectRef idx="0">
-              <a:schemeClr val="accent1"/>
-            </a:effectRef>
-            <a:fontRef idx="minor">
-              <a:schemeClr val="lt1"/>
-            </a:fontRef>
-          </p:style>
-          <p:txBody>
-            <a:bodyPr rot="0" spcFirstLastPara="0" vertOverflow="overflow" horzOverflow="overflow" vert="horz" wrap="square" lIns="91440" tIns="45720" rIns="91440" bIns="45720" numCol="1" spcCol="0" rtlCol="0" fromWordArt="0" anchor="ctr" anchorCtr="0" forceAA="0" compatLnSpc="1">
-              <a:prstTxWarp prst="textNoShape">
-                <a:avLst/>
-              </a:prstTxWarp>
-              <a:noAutofit/>
-            </a:bodyPr>
-            <a:lstStyle/>
-            <a:p>
-              <a:pPr algn="ctr"/>
-              <a:endParaRPr lang="en-US"/>
-            </a:p>
-          </p:txBody>
-        </p:sp>
-        <p:sp>
-          <p:nvSpPr>
-            <p:cNvPr id="23" name="Oval 22">
-              <a:extLst>
-                <a:ext uri="{FF2B5EF4-FFF2-40B4-BE49-F238E27FC236}">
-                  <a16:creationId xmlns:a16="http://schemas.microsoft.com/office/drawing/2014/main" id="{316993F2-7052-4269-8B81-AC271D2D9911}"/>
-                </a:ext>
-                <a:ext uri="{C183D7F6-B498-43B3-948B-1728B52AA6E4}">
-                  <adec:decorative xmlns:adec="http://schemas.microsoft.com/office/drawing/2017/decorative" val="1"/>
-                </a:ext>
-              </a:extLst>
-            </p:cNvPr>
-            <p:cNvSpPr/>
-            <p:nvPr>
-              <p:extLst>
-                <p:ext uri="{386F3935-93C4-4BCD-93E2-E3B085C9AB24}">
-                  <p16:designElem xmlns:p16="http://schemas.microsoft.com/office/powerpoint/2015/main" val="1"/>
-                </p:ext>
-              </p:extLst>
-            </p:nvPr>
-          </p:nvSpPr>
-          <p:spPr>
-            <a:xfrm rot="2700000">
-              <a:off x="8332341" y="1436239"/>
-              <a:ext cx="270000" cy="540000"/>
-            </a:xfrm>
-            <a:prstGeom prst="ellipse">
-              <a:avLst/>
-            </a:prstGeom>
-            <a:solidFill>
-              <a:schemeClr val="bg2">
-                <a:lumMod val="90000"/>
-                <a:lumOff val="10000"/>
-              </a:schemeClr>
-            </a:solidFill>
-            <a:ln>
-              <a:noFill/>
-            </a:ln>
-            <a:effectLst>
-              <a:innerShdw blurRad="1270000" dist="2540000">
-                <a:schemeClr val="accent1">
-                  <a:lumMod val="60000"/>
-                  <a:lumOff val="40000"/>
-                  <a:alpha val="0"/>
-                </a:schemeClr>
-              </a:innerShdw>
-            </a:effectLst>
-          </p:spPr>
-          <p:style>
-            <a:lnRef idx="2">
-              <a:schemeClr val="accent1">
-                <a:shade val="50000"/>
-              </a:schemeClr>
-            </a:lnRef>
-            <a:fillRef idx="1">
-              <a:schemeClr val="accent1"/>
-            </a:fillRef>
-            <a:effectRef idx="0">
-              <a:schemeClr val="accent1"/>
-            </a:effectRef>
-            <a:fontRef idx="minor">
-              <a:schemeClr val="lt1"/>
-            </a:fontRef>
-          </p:style>
-          <p:txBody>
-            <a:bodyPr rot="0" spcFirstLastPara="0" vertOverflow="overflow" horzOverflow="overflow" vert="horz" wrap="square" lIns="91440" tIns="45720" rIns="91440" bIns="45720" numCol="1" spcCol="0" rtlCol="0" fromWordArt="0" anchor="ctr" anchorCtr="0" forceAA="0" compatLnSpc="1">
-              <a:prstTxWarp prst="textNoShape">
-                <a:avLst/>
-              </a:prstTxWarp>
-              <a:noAutofit/>
-            </a:bodyPr>
-            <a:lstStyle/>
-            <a:p>
-              <a:pPr algn="ctr"/>
-              <a:endParaRPr lang="en-US" dirty="0"/>
-            </a:p>
-          </p:txBody>
-        </p:sp>
-      </p:grpSp>
-      <p:sp>
-        <p:nvSpPr>
-          <p:cNvPr id="25" name="Oval 24">
-            <a:extLst>
-              <a:ext uri="{FF2B5EF4-FFF2-40B4-BE49-F238E27FC236}">
-                <a16:creationId xmlns:a16="http://schemas.microsoft.com/office/drawing/2014/main" id="{52D58DC7-20C8-4471-BAA7-B296A2AEC3F6}"/>
-              </a:ext>
-              <a:ext uri="{C183D7F6-B498-43B3-948B-1728B52AA6E4}">
-                <adec:decorative xmlns:adec="http://schemas.microsoft.com/office/drawing/2017/decorative" val="1"/>
-              </a:ext>
-            </a:extLst>
-          </p:cNvPr>
-          <p:cNvSpPr>
-            <a:spLocks noGrp="1" noRot="1" noChangeAspect="1" noMove="1" noResize="1" noEditPoints="1" noAdjustHandles="1" noChangeArrowheads="1" noChangeShapeType="1" noTextEdit="1"/>
-          </p:cNvSpPr>
-          <p:nvPr>
-            <p:extLst>
-              <p:ext uri="{386F3935-93C4-4BCD-93E2-E3B085C9AB24}">
-                <p16:designElem xmlns:p16="http://schemas.microsoft.com/office/powerpoint/2015/main" val="1"/>
-              </p:ext>
-            </p:extLst>
-          </p:nvPr>
-        </p:nvSpPr>
-        <p:spPr>
-          <a:xfrm>
-            <a:off x="482384" y="4977175"/>
-            <a:ext cx="360000" cy="360000"/>
-          </a:xfrm>
-          <a:prstGeom prst="ellipse">
-            <a:avLst/>
-          </a:prstGeom>
-          <a:gradFill flip="none" rotWithShape="1">
-            <a:gsLst>
-              <a:gs pos="100000">
-                <a:schemeClr val="bg2">
-                  <a:lumMod val="50000"/>
-                  <a:lumOff val="50000"/>
-                </a:schemeClr>
-              </a:gs>
-              <a:gs pos="60000">
-                <a:schemeClr val="bg2"/>
-              </a:gs>
-            </a:gsLst>
-            <a:path path="circle">
-              <a:fillToRect l="100000" b="100000"/>
-            </a:path>
-            <a:tileRect t="-100000" r="-100000"/>
-          </a:gradFill>
-          <a:ln>
-            <a:noFill/>
-          </a:ln>
-          <a:effectLst>
-            <a:innerShdw blurRad="127000" dist="63500" dir="2700000">
-              <a:schemeClr val="accent1">
-                <a:lumMod val="60000"/>
-                <a:lumOff val="40000"/>
-                <a:alpha val="20000"/>
-              </a:schemeClr>
-            </a:innerShdw>
-            <a:softEdge rad="0"/>
-          </a:effectLst>
-        </p:spPr>
-        <p:style>
-          <a:lnRef idx="2">
-            <a:schemeClr val="accent1">
-              <a:shade val="50000"/>
-            </a:schemeClr>
-          </a:lnRef>
-          <a:fillRef idx="1">
-            <a:schemeClr val="accent1"/>
-          </a:fillRef>
-          <a:effectRef idx="0">
-            <a:schemeClr val="accent1"/>
-          </a:effectRef>
-          <a:fontRef idx="minor">
-            <a:schemeClr val="lt1"/>
-          </a:fontRef>
-        </p:style>
-        <p:txBody>
-          <a:bodyPr rot="0" spcFirstLastPara="0" vertOverflow="overflow" horzOverflow="overflow" vert="horz" wrap="square" lIns="91440" tIns="45720" rIns="91440" bIns="45720" numCol="1" spcCol="0" rtlCol="0" fromWordArt="0" anchor="ctr" anchorCtr="0" forceAA="0" compatLnSpc="1">
-            <a:prstTxWarp prst="textNoShape">
-              <a:avLst/>
-            </a:prstTxWarp>
-            <a:noAutofit/>
-          </a:bodyPr>
-          <a:lstStyle/>
-          <a:p>
-            <a:pPr algn="ctr"/>
-            <a:endParaRPr lang="en-US"/>
-          </a:p>
-        </p:txBody>
-      </p:sp>
-      <p:sp>
-        <p:nvSpPr>
-          <p:cNvPr id="27" name="Freeform: Shape 26">
-            <a:extLst>
-              <a:ext uri="{FF2B5EF4-FFF2-40B4-BE49-F238E27FC236}">
-                <a16:creationId xmlns:a16="http://schemas.microsoft.com/office/drawing/2014/main" id="{8E4AABAC-100B-437F-86D3-981412859411}"/>
-              </a:ext>
-              <a:ext uri="{C183D7F6-B498-43B3-948B-1728B52AA6E4}">
-                <adec:decorative xmlns:adec="http://schemas.microsoft.com/office/drawing/2017/decorative" val="1"/>
-              </a:ext>
-            </a:extLst>
-          </p:cNvPr>
-          <p:cNvSpPr>
-            <a:spLocks noGrp="1" noRot="1" noChangeAspect="1" noMove="1" noResize="1" noEditPoints="1" noAdjustHandles="1" noChangeArrowheads="1" noChangeShapeType="1" noTextEdit="1"/>
-          </p:cNvSpPr>
-          <p:nvPr>
-            <p:extLst>
-              <p:ext uri="{386F3935-93C4-4BCD-93E2-E3B085C9AB24}">
-                <p16:designElem xmlns:p16="http://schemas.microsoft.com/office/powerpoint/2015/main" val="1"/>
-              </p:ext>
-            </p:extLst>
-          </p:nvPr>
-        </p:nvSpPr>
-        <p:spPr>
-          <a:xfrm rot="18900000">
-            <a:off x="3261346" y="5733597"/>
-            <a:ext cx="1758388" cy="926985"/>
-          </a:xfrm>
-          <a:custGeom>
-            <a:avLst/>
-            <a:gdLst>
-              <a:gd name="connsiteX0" fmla="*/ 1486881 w 1758388"/>
-              <a:gd name="connsiteY0" fmla="*/ 271508 h 926985"/>
-              <a:gd name="connsiteX1" fmla="*/ 1758388 w 1758388"/>
-              <a:gd name="connsiteY1" fmla="*/ 926985 h 926985"/>
-              <a:gd name="connsiteX2" fmla="*/ 1294895 w 1758388"/>
-              <a:gd name="connsiteY2" fmla="*/ 926985 h 926985"/>
-              <a:gd name="connsiteX3" fmla="*/ 831404 w 1758388"/>
-              <a:gd name="connsiteY3" fmla="*/ 463493 h 926985"/>
-              <a:gd name="connsiteX4" fmla="*/ 377328 w 1758388"/>
-              <a:gd name="connsiteY4" fmla="*/ 833575 h 926985"/>
-              <a:gd name="connsiteX5" fmla="*/ 371585 w 1758388"/>
-              <a:gd name="connsiteY5" fmla="*/ 890552 h 926985"/>
-              <a:gd name="connsiteX6" fmla="*/ 0 w 1758388"/>
-              <a:gd name="connsiteY6" fmla="*/ 518968 h 926985"/>
-              <a:gd name="connsiteX7" fmla="*/ 16301 w 1758388"/>
-              <a:gd name="connsiteY7" fmla="*/ 485129 h 926985"/>
-              <a:gd name="connsiteX8" fmla="*/ 831403 w 1758388"/>
-              <a:gd name="connsiteY8" fmla="*/ 0 h 926985"/>
-              <a:gd name="connsiteX9" fmla="*/ 1486881 w 1758388"/>
-              <a:gd name="connsiteY9" fmla="*/ 271508 h 926985"/>
-            </a:gdLst>
-            <a:ahLst/>
-            <a:cxnLst>
-              <a:cxn ang="0">
-                <a:pos x="connsiteX0" y="connsiteY0"/>
-              </a:cxn>
-              <a:cxn ang="0">
-                <a:pos x="connsiteX1" y="connsiteY1"/>
-              </a:cxn>
-              <a:cxn ang="0">
-                <a:pos x="connsiteX2" y="connsiteY2"/>
-              </a:cxn>
-              <a:cxn ang="0">
-                <a:pos x="connsiteX3" y="connsiteY3"/>
-              </a:cxn>
-              <a:cxn ang="0">
-                <a:pos x="connsiteX4" y="connsiteY4"/>
-              </a:cxn>
-              <a:cxn ang="0">
-                <a:pos x="connsiteX5" y="connsiteY5"/>
-              </a:cxn>
-              <a:cxn ang="0">
-                <a:pos x="connsiteX6" y="connsiteY6"/>
-              </a:cxn>
-              <a:cxn ang="0">
-                <a:pos x="connsiteX7" y="connsiteY7"/>
-              </a:cxn>
-              <a:cxn ang="0">
-                <a:pos x="connsiteX8" y="connsiteY8"/>
-              </a:cxn>
-              <a:cxn ang="0">
-                <a:pos x="connsiteX9" y="connsiteY9"/>
-              </a:cxn>
-            </a:cxnLst>
-            <a:rect l="l" t="t" r="r" b="b"/>
-            <a:pathLst>
-              <a:path w="1758388" h="926985">
-                <a:moveTo>
-                  <a:pt x="1486881" y="271508"/>
-                </a:moveTo>
-                <a:cubicBezTo>
-                  <a:pt x="1654632" y="439259"/>
-                  <a:pt x="1758388" y="671005"/>
-                  <a:pt x="1758388" y="926985"/>
-                </a:cubicBezTo>
-                <a:lnTo>
-                  <a:pt x="1294895" y="926985"/>
-                </a:lnTo>
-                <a:cubicBezTo>
-                  <a:pt x="1294895" y="671005"/>
-                  <a:pt x="1087383" y="463493"/>
-                  <a:pt x="831404" y="463493"/>
-                </a:cubicBezTo>
-                <a:cubicBezTo>
-                  <a:pt x="607421" y="463493"/>
-                  <a:pt x="420547" y="622370"/>
-                  <a:pt x="377328" y="833575"/>
-                </a:cubicBezTo>
-                <a:lnTo>
-                  <a:pt x="371585" y="890552"/>
-                </a:lnTo>
-                <a:lnTo>
-                  <a:pt x="0" y="518968"/>
-                </a:lnTo>
-                <a:lnTo>
-                  <a:pt x="16301" y="485129"/>
-                </a:lnTo>
-                <a:cubicBezTo>
-                  <a:pt x="173276" y="196165"/>
-                  <a:pt x="479432" y="0"/>
-                  <a:pt x="831403" y="0"/>
-                </a:cubicBezTo>
-                <a:cubicBezTo>
-                  <a:pt x="1087383" y="0"/>
-                  <a:pt x="1319129" y="103757"/>
-                  <a:pt x="1486881" y="271508"/>
-                </a:cubicBezTo>
-                <a:close/>
-              </a:path>
-            </a:pathLst>
-          </a:custGeom>
-          <a:solidFill>
-            <a:schemeClr val="bg2"/>
-          </a:solidFill>
-          <a:ln>
-            <a:noFill/>
-          </a:ln>
-          <a:effectLst>
-            <a:innerShdw blurRad="254000" dist="50800" dir="5400000">
-              <a:schemeClr val="accent1">
-                <a:lumMod val="40000"/>
-                <a:lumOff val="60000"/>
-                <a:alpha val="40000"/>
-              </a:schemeClr>
-            </a:innerShdw>
-          </a:effectLst>
-        </p:spPr>
-        <p:style>
-          <a:lnRef idx="2">
-            <a:schemeClr val="accent1">
-              <a:shade val="50000"/>
-            </a:schemeClr>
-          </a:lnRef>
-          <a:fillRef idx="1">
-            <a:schemeClr val="accent1"/>
-          </a:fillRef>
-          <a:effectRef idx="0">
-            <a:schemeClr val="accent1"/>
-          </a:effectRef>
-          <a:fontRef idx="minor">
-            <a:schemeClr val="lt1"/>
-          </a:fontRef>
-        </p:style>
-        <p:txBody>
-          <a:bodyPr wrap="square" rtlCol="0" anchor="ctr">
-            <a:noAutofit/>
-          </a:bodyPr>
-          <a:lstStyle/>
-          <a:p>
-            <a:pPr algn="ctr"/>
-            <a:endParaRPr lang="en-US" dirty="0">
-              <a:solidFill>
-                <a:schemeClr val="tx1"/>
-              </a:solidFill>
-            </a:endParaRPr>
-          </a:p>
-        </p:txBody>
-      </p:sp>
-      <p:sp>
-        <p:nvSpPr>
-          <p:cNvPr id="29" name="Freeform: Shape 28">
-            <a:extLst>
-              <a:ext uri="{FF2B5EF4-FFF2-40B4-BE49-F238E27FC236}">
-                <a16:creationId xmlns:a16="http://schemas.microsoft.com/office/drawing/2014/main" id="{1DFD33E0-4D46-4176-BAE2-6AED15231C59}"/>
-              </a:ext>
-              <a:ext uri="{C183D7F6-B498-43B3-948B-1728B52AA6E4}">
-                <adec:decorative xmlns:adec="http://schemas.microsoft.com/office/drawing/2017/decorative" val="1"/>
-              </a:ext>
-            </a:extLst>
-          </p:cNvPr>
-          <p:cNvSpPr>
-            <a:spLocks noGrp="1" noRot="1" noChangeAspect="1" noMove="1" noResize="1" noEditPoints="1" noAdjustHandles="1" noChangeArrowheads="1" noChangeShapeType="1" noTextEdit="1"/>
-          </p:cNvSpPr>
-          <p:nvPr>
-            <p:extLst>
-              <p:ext uri="{386F3935-93C4-4BCD-93E2-E3B085C9AB24}">
-                <p16:designElem xmlns:p16="http://schemas.microsoft.com/office/powerpoint/2015/main" val="1"/>
-              </p:ext>
-            </p:extLst>
-          </p:nvPr>
-        </p:nvSpPr>
-        <p:spPr>
-          <a:xfrm rot="18900000">
-            <a:off x="3353363" y="5725768"/>
-            <a:ext cx="1728640" cy="1042921"/>
-          </a:xfrm>
-          <a:custGeom>
-            <a:avLst/>
-            <a:gdLst>
-              <a:gd name="connsiteX0" fmla="*/ 1391304 w 1728640"/>
-              <a:gd name="connsiteY0" fmla="*/ 238153 h 1042921"/>
-              <a:gd name="connsiteX1" fmla="*/ 1728640 w 1728640"/>
-              <a:gd name="connsiteY1" fmla="*/ 1042921 h 1042921"/>
-              <a:gd name="connsiteX2" fmla="*/ 1265147 w 1728640"/>
-              <a:gd name="connsiteY2" fmla="*/ 1042921 h 1042921"/>
-              <a:gd name="connsiteX3" fmla="*/ 801655 w 1728640"/>
-              <a:gd name="connsiteY3" fmla="*/ 521461 h 1042921"/>
-              <a:gd name="connsiteX4" fmla="*/ 374587 w 1728640"/>
-              <a:gd name="connsiteY4" fmla="*/ 839945 h 1042921"/>
-              <a:gd name="connsiteX5" fmla="*/ 362576 w 1728640"/>
-              <a:gd name="connsiteY5" fmla="*/ 883477 h 1042921"/>
-              <a:gd name="connsiteX6" fmla="*/ 0 w 1728640"/>
-              <a:gd name="connsiteY6" fmla="*/ 520901 h 1042921"/>
-              <a:gd name="connsiteX7" fmla="*/ 32986 w 1728640"/>
-              <a:gd name="connsiteY7" fmla="*/ 459814 h 1042921"/>
-              <a:gd name="connsiteX8" fmla="*/ 801656 w 1728640"/>
-              <a:gd name="connsiteY8" fmla="*/ 0 h 1042921"/>
-              <a:gd name="connsiteX9" fmla="*/ 1391304 w 1728640"/>
-              <a:gd name="connsiteY9" fmla="*/ 238153 h 1042921"/>
-            </a:gdLst>
-            <a:ahLst/>
-            <a:cxnLst>
-              <a:cxn ang="0">
-                <a:pos x="connsiteX0" y="connsiteY0"/>
-              </a:cxn>
-              <a:cxn ang="0">
-                <a:pos x="connsiteX1" y="connsiteY1"/>
-              </a:cxn>
-              <a:cxn ang="0">
-                <a:pos x="connsiteX2" y="connsiteY2"/>
-              </a:cxn>
-              <a:cxn ang="0">
-                <a:pos x="connsiteX3" y="connsiteY3"/>
-              </a:cxn>
-              <a:cxn ang="0">
-                <a:pos x="connsiteX4" y="connsiteY4"/>
-              </a:cxn>
-              <a:cxn ang="0">
-                <a:pos x="connsiteX5" y="connsiteY5"/>
-              </a:cxn>
-              <a:cxn ang="0">
-                <a:pos x="connsiteX6" y="connsiteY6"/>
-              </a:cxn>
-              <a:cxn ang="0">
-                <a:pos x="connsiteX7" y="connsiteY7"/>
-              </a:cxn>
-              <a:cxn ang="0">
-                <a:pos x="connsiteX8" y="connsiteY8"/>
-              </a:cxn>
-              <a:cxn ang="0">
-                <a:pos x="connsiteX9" y="connsiteY9"/>
-              </a:cxn>
-            </a:cxnLst>
-            <a:rect l="l" t="t" r="r" b="b"/>
-            <a:pathLst>
-              <a:path w="1728640" h="1042921">
-                <a:moveTo>
-                  <a:pt x="1391304" y="238153"/>
-                </a:moveTo>
-                <a:cubicBezTo>
-                  <a:pt x="1597323" y="429440"/>
-                  <a:pt x="1728640" y="718927"/>
-                  <a:pt x="1728640" y="1042921"/>
-                </a:cubicBezTo>
-                <a:lnTo>
-                  <a:pt x="1265147" y="1042921"/>
-                </a:lnTo>
-                <a:cubicBezTo>
-                  <a:pt x="1265147" y="754926"/>
-                  <a:pt x="1057635" y="521461"/>
-                  <a:pt x="801655" y="521461"/>
-                </a:cubicBezTo>
-                <a:cubicBezTo>
-                  <a:pt x="609671" y="521461"/>
-                  <a:pt x="444949" y="652785"/>
-                  <a:pt x="374587" y="839945"/>
-                </a:cubicBezTo>
-                <a:lnTo>
-                  <a:pt x="362576" y="883477"/>
-                </a:lnTo>
-                <a:lnTo>
-                  <a:pt x="0" y="520901"/>
-                </a:lnTo>
-                <a:lnTo>
-                  <a:pt x="32986" y="459814"/>
-                </a:lnTo>
-                <a:cubicBezTo>
-                  <a:pt x="199571" y="182395"/>
-                  <a:pt x="481681" y="0"/>
-                  <a:pt x="801656" y="0"/>
-                </a:cubicBezTo>
-                <a:cubicBezTo>
-                  <a:pt x="1025638" y="0"/>
-                  <a:pt x="1231066" y="89374"/>
-                  <a:pt x="1391304" y="238153"/>
-                </a:cubicBezTo>
-                <a:close/>
-              </a:path>
-            </a:pathLst>
-          </a:custGeom>
-          <a:solidFill>
-            <a:schemeClr val="bg2">
-              <a:lumMod val="50000"/>
-              <a:lumOff val="50000"/>
-              <a:alpha val="40000"/>
-            </a:schemeClr>
-          </a:solidFill>
-          <a:ln>
-            <a:noFill/>
-          </a:ln>
-          <a:effectLst>
-            <a:softEdge rad="190500"/>
-          </a:effectLst>
-        </p:spPr>
-        <p:style>
-          <a:lnRef idx="2">
-            <a:schemeClr val="accent1">
-              <a:shade val="50000"/>
-            </a:schemeClr>
-          </a:lnRef>
-          <a:fillRef idx="1">
-            <a:schemeClr val="accent1"/>
-          </a:fillRef>
-          <a:effectRef idx="0">
-            <a:schemeClr val="accent1"/>
-          </a:effectRef>
-          <a:fontRef idx="minor">
-            <a:schemeClr val="lt1"/>
-          </a:fontRef>
-        </p:style>
-        <p:txBody>
-          <a:bodyPr wrap="square" rtlCol="0" anchor="ctr">
-            <a:noAutofit/>
-          </a:bodyPr>
-          <a:lstStyle/>
-          <a:p>
-            <a:pPr algn="ctr"/>
-            <a:endParaRPr lang="en-US" dirty="0">
-              <a:solidFill>
-                <a:schemeClr val="tx1"/>
-              </a:solidFill>
-            </a:endParaRPr>
-          </a:p>
-        </p:txBody>
-      </p:sp>
-      <p:sp>
-        <p:nvSpPr>
-          <p:cNvPr id="31" name="Oval 30">
-            <a:extLst>
-              <a:ext uri="{FF2B5EF4-FFF2-40B4-BE49-F238E27FC236}">
-                <a16:creationId xmlns:a16="http://schemas.microsoft.com/office/drawing/2014/main" id="{022B5D87-7689-4E7F-B03A-7F803B5DF799}"/>
-              </a:ext>
-              <a:ext uri="{C183D7F6-B498-43B3-948B-1728B52AA6E4}">
-                <adec:decorative xmlns:adec="http://schemas.microsoft.com/office/drawing/2017/decorative" val="1"/>
-              </a:ext>
-            </a:extLst>
-          </p:cNvPr>
-          <p:cNvSpPr>
-            <a:spLocks noGrp="1" noRot="1" noChangeAspect="1" noMove="1" noResize="1" noEditPoints="1" noAdjustHandles="1" noChangeArrowheads="1" noChangeShapeType="1" noTextEdit="1"/>
-          </p:cNvSpPr>
-          <p:nvPr>
-            <p:extLst>
-              <p:ext uri="{386F3935-93C4-4BCD-93E2-E3B085C9AB24}">
-                <p16:designElem xmlns:p16="http://schemas.microsoft.com/office/powerpoint/2015/main" val="1"/>
-              </p:ext>
-            </p:extLst>
-          </p:nvPr>
-        </p:nvSpPr>
-        <p:spPr>
-          <a:xfrm rot="2700000">
-            <a:off x="4872920" y="5836283"/>
-            <a:ext cx="107098" cy="466589"/>
-          </a:xfrm>
-          <a:prstGeom prst="ellipse">
-            <a:avLst/>
-          </a:prstGeom>
-          <a:solidFill>
-            <a:schemeClr val="bg2"/>
-          </a:solidFill>
-          <a:ln>
-            <a:noFill/>
-          </a:ln>
-          <a:effectLst>
-            <a:innerShdw blurRad="63500" dist="2540000">
-              <a:schemeClr val="accent1">
-                <a:lumMod val="40000"/>
-                <a:lumOff val="60000"/>
-                <a:alpha val="20000"/>
-              </a:schemeClr>
-            </a:innerShdw>
-          </a:effectLst>
-        </p:spPr>
-        <p:style>
-          <a:lnRef idx="2">
-            <a:schemeClr val="accent1">
-              <a:shade val="50000"/>
-            </a:schemeClr>
-          </a:lnRef>
-          <a:fillRef idx="1">
-            <a:schemeClr val="accent1"/>
-          </a:fillRef>
-          <a:effectRef idx="0">
-            <a:schemeClr val="accent1"/>
-          </a:effectRef>
-          <a:fontRef idx="minor">
-            <a:schemeClr val="lt1"/>
-          </a:fontRef>
-        </p:style>
-        <p:txBody>
-          <a:bodyPr rot="0" spcFirstLastPara="0" vertOverflow="overflow" horzOverflow="overflow" vert="horz" wrap="square" lIns="91440" tIns="45720" rIns="91440" bIns="45720" numCol="1" spcCol="0" rtlCol="0" fromWordArt="0" anchor="ctr" anchorCtr="0" forceAA="0" compatLnSpc="1">
-            <a:prstTxWarp prst="textNoShape">
-              <a:avLst/>
-            </a:prstTxWarp>
-            <a:noAutofit/>
-          </a:bodyPr>
-          <a:lstStyle/>
-          <a:p>
-            <a:pPr algn="ctr"/>
-            <a:endParaRPr lang="en-US"/>
-          </a:p>
-        </p:txBody>
-      </p:sp>
-      <p:graphicFrame>
-        <p:nvGraphicFramePr>
-          <p:cNvPr id="8" name="Content Placeholder 5">
-            <a:extLst>
-              <a:ext uri="{FF2B5EF4-FFF2-40B4-BE49-F238E27FC236}">
-                <a16:creationId xmlns:a16="http://schemas.microsoft.com/office/drawing/2014/main" id="{4A1CD662-ABBE-45E4-95F2-BA6F9004882D}"/>
-              </a:ext>
-            </a:extLst>
-          </p:cNvPr>
-          <p:cNvGraphicFramePr>
-            <a:graphicFrameLocks noGrp="1"/>
-          </p:cNvGraphicFramePr>
-          <p:nvPr>
-            <p:ph idx="1"/>
-            <p:extLst>
-              <p:ext uri="{D42A27DB-BD31-4B8C-83A1-F6EECF244321}">
-                <p14:modId xmlns:p14="http://schemas.microsoft.com/office/powerpoint/2010/main" val="728619382"/>
-              </p:ext>
-            </p:extLst>
-          </p:nvPr>
-        </p:nvGraphicFramePr>
-        <p:xfrm>
-          <a:off x="5267325" y="549275"/>
-          <a:ext cx="6373814" cy="5759450"/>
-        </p:xfrm>
-        <a:graphic>
-          <a:graphicData uri="http://schemas.openxmlformats.org/drawingml/2006/diagram">
-            <dgm:relIds xmlns:dgm="http://schemas.openxmlformats.org/drawingml/2006/diagram" xmlns:r="http://schemas.openxmlformats.org/officeDocument/2006/relationships" r:dm="rId2" r:lo="rId3" r:qs="rId4" r:cs="rId5"/>
-          </a:graphicData>
-        </a:graphic>
-      </p:graphicFrame>
-    </p:spTree>
-    <p:extLst>
-      <p:ext uri="{BB962C8B-B14F-4D97-AF65-F5344CB8AC3E}">
-        <p14:creationId xmlns:p14="http://schemas.microsoft.com/office/powerpoint/2010/main" val="791904048"/>
-      </p:ext>
-    </p:extLst>
-  </p:cSld>
-  <p:clrMapOvr>
-    <a:masterClrMapping/>
-  </p:clrMapOvr>
-</p:sld>
-</file>
-
-<file path=ppt/slides/slide12.xml><?xml version="1.0" encoding="utf-8"?>
-<p:sld xmlns:a="http://schemas.openxmlformats.org/drawingml/2006/main" xmlns:r="http://schemas.openxmlformats.org/officeDocument/2006/relationships" xmlns:p="http://schemas.openxmlformats.org/presentationml/2006/main">
-  <p:cSld>
-    <p:spTree>
-      <p:nvGrpSpPr>
-        <p:cNvPr id="1" name=""/>
-        <p:cNvGrpSpPr/>
-        <p:nvPr/>
-      </p:nvGrpSpPr>
-      <p:grpSpPr>
-        <a:xfrm>
-          <a:off x="0" y="0"/>
-          <a:ext cx="0" cy="0"/>
-          <a:chOff x="0" y="0"/>
-          <a:chExt cx="0" cy="0"/>
-        </a:xfrm>
-      </p:grpSpPr>
-      <p:sp>
-        <p:nvSpPr>
-          <p:cNvPr id="2" name="Title 1">
-            <a:extLst>
-              <a:ext uri="{FF2B5EF4-FFF2-40B4-BE49-F238E27FC236}">
-                <a16:creationId xmlns:a16="http://schemas.microsoft.com/office/drawing/2014/main" id="{DBD1BE5A-2F51-1442-AE97-665736C41343}"/>
-              </a:ext>
-            </a:extLst>
-          </p:cNvPr>
-          <p:cNvSpPr>
-            <a:spLocks noGrp="1"/>
-          </p:cNvSpPr>
-          <p:nvPr>
-            <p:ph type="title"/>
-          </p:nvPr>
-        </p:nvSpPr>
-        <p:spPr/>
-        <p:txBody>
-          <a:bodyPr/>
-          <a:lstStyle/>
-          <a:p>
-            <a:r>
-              <a:rPr lang="en-US" dirty="0"/>
-              <a:t>Extended Modeling – Recall Scores</a:t>
-            </a:r>
-          </a:p>
-        </p:txBody>
-      </p:sp>
-      <p:sp>
-        <p:nvSpPr>
-          <p:cNvPr id="4" name="Content Placeholder 3">
-            <a:extLst>
-              <a:ext uri="{FF2B5EF4-FFF2-40B4-BE49-F238E27FC236}">
-                <a16:creationId xmlns:a16="http://schemas.microsoft.com/office/drawing/2014/main" id="{B4DC2CDD-8EE3-744D-B384-F37E1C6C8A05}"/>
-              </a:ext>
-            </a:extLst>
-          </p:cNvPr>
-          <p:cNvSpPr>
-            <a:spLocks noGrp="1"/>
-          </p:cNvSpPr>
-          <p:nvPr>
-            <p:ph sz="half" idx="1"/>
-          </p:nvPr>
-        </p:nvSpPr>
-        <p:spPr/>
-        <p:txBody>
-          <a:bodyPr/>
-          <a:lstStyle/>
-          <a:p>
-            <a:endParaRPr lang="en-US" dirty="0"/>
-          </a:p>
-        </p:txBody>
-      </p:sp>
-      <p:sp>
-        <p:nvSpPr>
-          <p:cNvPr id="5" name="Content Placeholder 4">
-            <a:extLst>
-              <a:ext uri="{FF2B5EF4-FFF2-40B4-BE49-F238E27FC236}">
-                <a16:creationId xmlns:a16="http://schemas.microsoft.com/office/drawing/2014/main" id="{953316B1-3DEE-AA49-B335-03646242A51A}"/>
-              </a:ext>
-            </a:extLst>
-          </p:cNvPr>
-          <p:cNvSpPr>
-            <a:spLocks noGrp="1"/>
-          </p:cNvSpPr>
-          <p:nvPr>
-            <p:ph sz="half" idx="2"/>
-          </p:nvPr>
-        </p:nvSpPr>
-        <p:spPr/>
-        <p:txBody>
-          <a:bodyPr/>
-          <a:lstStyle/>
-          <a:p>
-            <a:endParaRPr lang="en-US"/>
-          </a:p>
-        </p:txBody>
-      </p:sp>
-    </p:spTree>
-    <p:extLst>
-      <p:ext uri="{BB962C8B-B14F-4D97-AF65-F5344CB8AC3E}">
-        <p14:creationId xmlns:p14="http://schemas.microsoft.com/office/powerpoint/2010/main" val="3171560043"/>
-      </p:ext>
-    </p:extLst>
-  </p:cSld>
-  <p:clrMapOvr>
-    <a:masterClrMapping/>
-  </p:clrMapOvr>
-</p:sld>
-</file>
-
-<file path=ppt/slides/slide13.xml><?xml version="1.0" encoding="utf-8"?>
-<p:sld xmlns:a="http://schemas.openxmlformats.org/drawingml/2006/main" xmlns:r="http://schemas.openxmlformats.org/officeDocument/2006/relationships" xmlns:p="http://schemas.openxmlformats.org/presentationml/2006/main">
-  <p:cSld>
-    <p:spTree>
-      <p:nvGrpSpPr>
-        <p:cNvPr id="1" name=""/>
-        <p:cNvGrpSpPr/>
-        <p:nvPr/>
-      </p:nvGrpSpPr>
-      <p:grpSpPr>
-        <a:xfrm>
-          <a:off x="0" y="0"/>
-          <a:ext cx="0" cy="0"/>
-          <a:chOff x="0" y="0"/>
-          <a:chExt cx="0" cy="0"/>
-        </a:xfrm>
-      </p:grpSpPr>
-      <p:sp>
-        <p:nvSpPr>
-          <p:cNvPr id="2" name="Title 1">
-            <a:extLst>
-              <a:ext uri="{FF2B5EF4-FFF2-40B4-BE49-F238E27FC236}">
-                <a16:creationId xmlns:a16="http://schemas.microsoft.com/office/drawing/2014/main" id="{DCD30F62-76A9-8A44-89E1-026667F1BD6D}"/>
-              </a:ext>
-            </a:extLst>
-          </p:cNvPr>
-          <p:cNvSpPr>
-            <a:spLocks noGrp="1"/>
-          </p:cNvSpPr>
-          <p:nvPr>
-            <p:ph type="title"/>
-          </p:nvPr>
-        </p:nvSpPr>
-        <p:spPr/>
-        <p:txBody>
-          <a:bodyPr>
-            <a:normAutofit fontScale="90000"/>
-          </a:bodyPr>
-          <a:lstStyle/>
-          <a:p>
-            <a:r>
-              <a:rPr lang="en-US" dirty="0"/>
-              <a:t>Integration with Existing Business Workflow</a:t>
-            </a:r>
-          </a:p>
-        </p:txBody>
-      </p:sp>
-      <p:sp>
-        <p:nvSpPr>
-          <p:cNvPr id="3" name="Content Placeholder 2">
-            <a:extLst>
-              <a:ext uri="{FF2B5EF4-FFF2-40B4-BE49-F238E27FC236}">
-                <a16:creationId xmlns:a16="http://schemas.microsoft.com/office/drawing/2014/main" id="{92712C72-CDFC-2B4D-BED6-59C00EE294DA}"/>
-              </a:ext>
-            </a:extLst>
-          </p:cNvPr>
-          <p:cNvSpPr>
-            <a:spLocks noGrp="1"/>
-          </p:cNvSpPr>
-          <p:nvPr>
-            <p:ph sz="half" idx="1"/>
-          </p:nvPr>
-        </p:nvSpPr>
-        <p:spPr/>
-        <p:txBody>
-          <a:bodyPr/>
-          <a:lstStyle/>
-          <a:p>
-            <a:endParaRPr lang="en-US"/>
-          </a:p>
-        </p:txBody>
-      </p:sp>
-      <p:sp>
-        <p:nvSpPr>
-          <p:cNvPr id="4" name="Content Placeholder 3">
-            <a:extLst>
-              <a:ext uri="{FF2B5EF4-FFF2-40B4-BE49-F238E27FC236}">
-                <a16:creationId xmlns:a16="http://schemas.microsoft.com/office/drawing/2014/main" id="{7BE2A9A7-4617-064C-A6F2-370381CBDC7C}"/>
-              </a:ext>
-            </a:extLst>
-          </p:cNvPr>
-          <p:cNvSpPr>
-            <a:spLocks noGrp="1"/>
-          </p:cNvSpPr>
-          <p:nvPr>
-            <p:ph sz="half" idx="2"/>
-          </p:nvPr>
-        </p:nvSpPr>
-        <p:spPr/>
-        <p:txBody>
-          <a:bodyPr/>
-          <a:lstStyle/>
-          <a:p>
-            <a:endParaRPr lang="en-US"/>
-          </a:p>
-        </p:txBody>
-      </p:sp>
-    </p:spTree>
-    <p:extLst>
-      <p:ext uri="{BB962C8B-B14F-4D97-AF65-F5344CB8AC3E}">
-        <p14:creationId xmlns:p14="http://schemas.microsoft.com/office/powerpoint/2010/main" val="1520755306"/>
-      </p:ext>
-    </p:extLst>
-  </p:cSld>
-  <p:clrMapOvr>
-    <a:masterClrMapping/>
-  </p:clrMapOvr>
-</p:sld>
-</file>
-
-<file path=ppt/slides/slide14.xml><?xml version="1.0" encoding="utf-8"?>
-<p:sld xmlns:a="http://schemas.openxmlformats.org/drawingml/2006/main" xmlns:r="http://schemas.openxmlformats.org/officeDocument/2006/relationships" xmlns:p="http://schemas.openxmlformats.org/presentationml/2006/main">
-  <p:cSld>
-    <p:spTree>
-      <p:nvGrpSpPr>
-        <p:cNvPr id="1" name=""/>
-        <p:cNvGrpSpPr/>
-        <p:nvPr/>
-      </p:nvGrpSpPr>
-      <p:grpSpPr>
-        <a:xfrm>
-          <a:off x="0" y="0"/>
-          <a:ext cx="0" cy="0"/>
-          <a:chOff x="0" y="0"/>
-          <a:chExt cx="0" cy="0"/>
-        </a:xfrm>
-      </p:grpSpPr>
-      <p:sp>
-        <p:nvSpPr>
-          <p:cNvPr id="2" name="Title 1">
-            <a:extLst>
-              <a:ext uri="{FF2B5EF4-FFF2-40B4-BE49-F238E27FC236}">
-                <a16:creationId xmlns:a16="http://schemas.microsoft.com/office/drawing/2014/main" id="{6405657F-CDA6-A14C-8443-F158C7F43BB7}"/>
-              </a:ext>
-            </a:extLst>
-          </p:cNvPr>
-          <p:cNvSpPr>
-            <a:spLocks noGrp="1"/>
-          </p:cNvSpPr>
-          <p:nvPr>
-            <p:ph type="title"/>
-          </p:nvPr>
-        </p:nvSpPr>
-        <p:spPr/>
-        <p:txBody>
-          <a:bodyPr/>
-          <a:lstStyle/>
-          <a:p>
-            <a:r>
-              <a:rPr lang="en-US" dirty="0"/>
-              <a:t>Recommendation for Clients</a:t>
-            </a:r>
-          </a:p>
-        </p:txBody>
-      </p:sp>
-      <p:sp>
-        <p:nvSpPr>
-          <p:cNvPr id="3" name="Content Placeholder 2">
-            <a:extLst>
-              <a:ext uri="{FF2B5EF4-FFF2-40B4-BE49-F238E27FC236}">
-                <a16:creationId xmlns:a16="http://schemas.microsoft.com/office/drawing/2014/main" id="{C743F9BB-033A-5647-B31B-9B5E1C77B36A}"/>
-              </a:ext>
-            </a:extLst>
-          </p:cNvPr>
-          <p:cNvSpPr>
-            <a:spLocks noGrp="1"/>
-          </p:cNvSpPr>
-          <p:nvPr>
-            <p:ph sz="half" idx="1"/>
-          </p:nvPr>
-        </p:nvSpPr>
-        <p:spPr/>
-        <p:txBody>
-          <a:bodyPr/>
-          <a:lstStyle/>
-          <a:p>
-            <a:endParaRPr lang="en-US"/>
-          </a:p>
-        </p:txBody>
-      </p:sp>
-      <p:sp>
-        <p:nvSpPr>
-          <p:cNvPr id="4" name="Content Placeholder 3">
-            <a:extLst>
-              <a:ext uri="{FF2B5EF4-FFF2-40B4-BE49-F238E27FC236}">
-                <a16:creationId xmlns:a16="http://schemas.microsoft.com/office/drawing/2014/main" id="{B480B57C-73FD-504A-B6AF-C48C42C9CB5F}"/>
-              </a:ext>
-            </a:extLst>
-          </p:cNvPr>
-          <p:cNvSpPr>
-            <a:spLocks noGrp="1"/>
-          </p:cNvSpPr>
-          <p:nvPr>
-            <p:ph sz="half" idx="2"/>
-          </p:nvPr>
-        </p:nvSpPr>
-        <p:spPr/>
-        <p:txBody>
-          <a:bodyPr/>
-          <a:lstStyle/>
-          <a:p>
-            <a:endParaRPr lang="en-US"/>
-          </a:p>
-        </p:txBody>
-      </p:sp>
-    </p:spTree>
-    <p:extLst>
-      <p:ext uri="{BB962C8B-B14F-4D97-AF65-F5344CB8AC3E}">
-        <p14:creationId xmlns:p14="http://schemas.microsoft.com/office/powerpoint/2010/main" val="4112906621"/>
-      </p:ext>
-    </p:extLst>
-  </p:cSld>
-  <p:clrMapOvr>
-    <a:masterClrMapping/>
-  </p:clrMapOvr>
-</p:sld>
-</file>
-
-<file path=ppt/slides/slide15.xml><?xml version="1.0" encoding="utf-8"?>
-<p:sld xmlns:a="http://schemas.openxmlformats.org/drawingml/2006/main" xmlns:r="http://schemas.openxmlformats.org/officeDocument/2006/relationships" xmlns:p="http://schemas.openxmlformats.org/presentationml/2006/main">
-  <p:cSld>
-    <p:bg>
-      <p:bgPr>
-        <a:solidFill>
-          <a:schemeClr val="bg2"/>
-        </a:solidFill>
-        <a:effectLst/>
-      </p:bgPr>
-    </p:bg>
-    <p:spTree>
-      <p:nvGrpSpPr>
-        <p:cNvPr id="1" name=""/>
-        <p:cNvGrpSpPr/>
-        <p:nvPr/>
-      </p:nvGrpSpPr>
-      <p:grpSpPr>
-        <a:xfrm>
-          <a:off x="0" y="0"/>
-          <a:ext cx="0" cy="0"/>
-          <a:chOff x="0" y="0"/>
-          <a:chExt cx="0" cy="0"/>
-        </a:xfrm>
-      </p:grpSpPr>
-      <p:sp useBgFill="1">
-        <p:nvSpPr>
-          <p:cNvPr id="11" name="Rectangle 10">
-            <a:extLst>
-              <a:ext uri="{FF2B5EF4-FFF2-40B4-BE49-F238E27FC236}">
-                <a16:creationId xmlns:a16="http://schemas.microsoft.com/office/drawing/2014/main" id="{60B7752B-728D-4CA3-8923-C4F7F77029E3}"/>
-              </a:ext>
-              <a:ext uri="{C183D7F6-B498-43B3-948B-1728B52AA6E4}">
-                <adec:decorative xmlns:adec="http://schemas.microsoft.com/office/drawing/2017/decorative" val="1"/>
-              </a:ext>
-            </a:extLst>
-          </p:cNvPr>
-          <p:cNvSpPr>
-            <a:spLocks noGrp="1" noRot="1" noChangeAspect="1" noMove="1" noResize="1" noEditPoints="1" noAdjustHandles="1" noChangeArrowheads="1" noChangeShapeType="1" noTextEdit="1"/>
-          </p:cNvSpPr>
-          <p:nvPr>
-            <p:extLst>
-              <p:ext uri="{386F3935-93C4-4BCD-93E2-E3B085C9AB24}">
-                <p16:designElem xmlns:p16="http://schemas.microsoft.com/office/powerpoint/2015/main" val="1"/>
-              </p:ext>
-            </p:extLst>
-          </p:nvPr>
-        </p:nvSpPr>
-        <p:spPr>
-          <a:xfrm>
-            <a:off x="0" y="0"/>
-            <a:ext cx="12192000" cy="6858000"/>
-          </a:xfrm>
-          <a:prstGeom prst="rect">
-            <a:avLst/>
-          </a:prstGeom>
-          <a:ln w="12700" cap="flat" cmpd="sng" algn="ctr">
-            <a:noFill/>
-            <a:prstDash val="solid"/>
-            <a:miter lim="800000"/>
-          </a:ln>
-          <a:effectLst/>
-          <a:extLst>
-            <a:ext uri="{91240B29-F687-4F45-9708-019B960494DF}">
-              <a14:hiddenLine xmlns:a14="http://schemas.microsoft.com/office/drawing/2010/main" w="12700" cap="flat" cmpd="sng" algn="ctr">
-                <a:solidFill>
-                  <a:schemeClr val="accent1">
-                    <a:shade val="50000"/>
-                  </a:schemeClr>
-                </a:solidFill>
-                <a:prstDash val="solid"/>
-                <a:miter lim="800000"/>
-              </a14:hiddenLine>
-            </a:ext>
-          </a:extLst>
-        </p:spPr>
-        <p:style>
-          <a:lnRef idx="2">
-            <a:schemeClr val="accent1">
-              <a:shade val="50000"/>
-            </a:schemeClr>
-          </a:lnRef>
-          <a:fillRef idx="1">
-            <a:schemeClr val="accent1"/>
-          </a:fillRef>
-          <a:effectRef idx="0">
-            <a:schemeClr val="accent1"/>
-          </a:effectRef>
-          <a:fontRef idx="minor">
-            <a:schemeClr val="lt1"/>
-          </a:fontRef>
-        </p:style>
-        <p:txBody>
-          <a:bodyPr rtlCol="0" anchor="ctr"/>
-          <a:lstStyle/>
-          <a:p>
-            <a:pPr algn="ctr"/>
-            <a:endParaRPr lang="en-US"/>
-          </a:p>
-        </p:txBody>
-      </p:sp>
-      <p:sp>
-        <p:nvSpPr>
-          <p:cNvPr id="2" name="Title 1">
-            <a:extLst>
-              <a:ext uri="{FF2B5EF4-FFF2-40B4-BE49-F238E27FC236}">
-                <a16:creationId xmlns:a16="http://schemas.microsoft.com/office/drawing/2014/main" id="{D6A538CF-438C-5846-B5F2-B37D418F494A}"/>
-              </a:ext>
-            </a:extLst>
-          </p:cNvPr>
-          <p:cNvSpPr>
-            <a:spLocks noGrp="1"/>
-          </p:cNvSpPr>
-          <p:nvPr>
-            <p:ph type="title"/>
-          </p:nvPr>
-        </p:nvSpPr>
-        <p:spPr>
-          <a:xfrm>
-            <a:off x="550863" y="549275"/>
-            <a:ext cx="3565525" cy="5543549"/>
-          </a:xfrm>
-        </p:spPr>
-        <p:txBody>
-          <a:bodyPr wrap="square" anchor="ctr">
-            <a:normAutofit/>
-          </a:bodyPr>
-          <a:lstStyle/>
-          <a:p>
-            <a:r>
-              <a:rPr lang="en-US" sz="4400"/>
-              <a:t>Future Improvements</a:t>
-            </a:r>
-          </a:p>
-        </p:txBody>
-      </p:sp>
-      <p:sp>
-        <p:nvSpPr>
-          <p:cNvPr id="13" name="Rectangle 12">
-            <a:extLst>
-              <a:ext uri="{FF2B5EF4-FFF2-40B4-BE49-F238E27FC236}">
-                <a16:creationId xmlns:a16="http://schemas.microsoft.com/office/drawing/2014/main" id="{429899A3-416E-4DB5-846D-023526052013}"/>
-              </a:ext>
-              <a:ext uri="{C183D7F6-B498-43B3-948B-1728B52AA6E4}">
-                <adec:decorative xmlns:adec="http://schemas.microsoft.com/office/drawing/2017/decorative" val="1"/>
-              </a:ext>
-            </a:extLst>
-          </p:cNvPr>
-          <p:cNvSpPr>
-            <a:spLocks noGrp="1" noRot="1" noChangeAspect="1" noMove="1" noResize="1" noEditPoints="1" noAdjustHandles="1" noChangeArrowheads="1" noChangeShapeType="1" noTextEdit="1"/>
-          </p:cNvSpPr>
-          <p:nvPr>
-            <p:extLst>
-              <p:ext uri="{386F3935-93C4-4BCD-93E2-E3B085C9AB24}">
-                <p16:designElem xmlns:p16="http://schemas.microsoft.com/office/powerpoint/2015/main" val="1"/>
-              </p:ext>
-            </p:extLst>
-          </p:nvPr>
-        </p:nvSpPr>
-        <p:spPr>
-          <a:xfrm>
-            <a:off x="4550899" y="0"/>
-            <a:ext cx="7641102" cy="6858000"/>
-          </a:xfrm>
-          <a:prstGeom prst="rect">
-            <a:avLst/>
-          </a:prstGeom>
-          <a:solidFill>
-            <a:schemeClr val="bg2">
-              <a:lumMod val="10000"/>
-              <a:lumOff val="90000"/>
-              <a:alpha val="5000"/>
-            </a:schemeClr>
-          </a:solidFill>
-          <a:ln>
-            <a:noFill/>
-          </a:ln>
-        </p:spPr>
-        <p:style>
-          <a:lnRef idx="2">
-            <a:schemeClr val="accent1">
-              <a:shade val="50000"/>
-            </a:schemeClr>
-          </a:lnRef>
-          <a:fillRef idx="1">
-            <a:schemeClr val="accent1"/>
-          </a:fillRef>
-          <a:effectRef idx="0">
-            <a:schemeClr val="accent1"/>
-          </a:effectRef>
-          <a:fontRef idx="minor">
-            <a:schemeClr val="lt1"/>
-          </a:fontRef>
-        </p:style>
-        <p:txBody>
-          <a:bodyPr rtlCol="0" anchor="ctr"/>
-          <a:lstStyle/>
-          <a:p>
-            <a:pPr algn="ctr"/>
-            <a:endParaRPr lang="en-US"/>
-          </a:p>
-        </p:txBody>
-      </p:sp>
-      <p:graphicFrame>
-        <p:nvGraphicFramePr>
-          <p:cNvPr id="7" name="Content Placeholder 4">
-            <a:extLst>
-              <a:ext uri="{FF2B5EF4-FFF2-40B4-BE49-F238E27FC236}">
-                <a16:creationId xmlns:a16="http://schemas.microsoft.com/office/drawing/2014/main" id="{60084B2C-63A5-46F9-9011-A4C9FFD72561}"/>
-              </a:ext>
-            </a:extLst>
-          </p:cNvPr>
-          <p:cNvGraphicFramePr>
-            <a:graphicFrameLocks noGrp="1"/>
-          </p:cNvGraphicFramePr>
-          <p:nvPr>
-            <p:ph idx="1"/>
-            <p:extLst>
-              <p:ext uri="{D42A27DB-BD31-4B8C-83A1-F6EECF244321}">
-                <p14:modId xmlns:p14="http://schemas.microsoft.com/office/powerpoint/2010/main" val="3184119140"/>
-              </p:ext>
-            </p:extLst>
-          </p:nvPr>
-        </p:nvGraphicFramePr>
-        <p:xfrm>
-          <a:off x="5267325" y="549275"/>
-          <a:ext cx="6373814" cy="5759450"/>
-        </p:xfrm>
-        <a:graphic>
-          <a:graphicData uri="http://schemas.openxmlformats.org/drawingml/2006/diagram">
-            <dgm:relIds xmlns:dgm="http://schemas.openxmlformats.org/drawingml/2006/diagram" xmlns:r="http://schemas.openxmlformats.org/officeDocument/2006/relationships" r:dm="rId2" r:lo="rId3" r:qs="rId4" r:cs="rId5"/>
-          </a:graphicData>
-        </a:graphic>
-      </p:graphicFrame>
-    </p:spTree>
-    <p:extLst>
-      <p:ext uri="{BB962C8B-B14F-4D97-AF65-F5344CB8AC3E}">
-        <p14:creationId xmlns:p14="http://schemas.microsoft.com/office/powerpoint/2010/main" val="4231760224"/>
-      </p:ext>
-    </p:extLst>
-  </p:cSld>
-  <p:clrMapOvr>
-    <a:masterClrMapping/>
-  </p:clrMapOvr>
-</p:sld>
-</file>
-
-<file path=ppt/slides/slide2.xml><?xml version="1.0" encoding="utf-8"?>
-<p:sld xmlns:a="http://schemas.openxmlformats.org/drawingml/2006/main" xmlns:r="http://schemas.openxmlformats.org/officeDocument/2006/relationships" xmlns:p="http://schemas.openxmlformats.org/presentationml/2006/main">
-  <p:cSld>
-    <p:spTree>
-      <p:nvGrpSpPr>
-        <p:cNvPr id="1" name=""/>
-        <p:cNvGrpSpPr/>
-        <p:nvPr/>
-      </p:nvGrpSpPr>
-      <p:grpSpPr>
-        <a:xfrm>
-          <a:off x="0" y="0"/>
-          <a:ext cx="0" cy="0"/>
-          <a:chOff x="0" y="0"/>
-          <a:chExt cx="0" cy="0"/>
-        </a:xfrm>
-      </p:grpSpPr>
-      <p:sp>
-        <p:nvSpPr>
-          <p:cNvPr id="2" name="Title 1">
-            <a:extLst>
-              <a:ext uri="{FF2B5EF4-FFF2-40B4-BE49-F238E27FC236}">
-                <a16:creationId xmlns:a16="http://schemas.microsoft.com/office/drawing/2014/main" id="{B0F413EC-2F4C-DA43-82DC-FD4A9EC713D3}"/>
-              </a:ext>
-            </a:extLst>
-          </p:cNvPr>
-          <p:cNvSpPr>
-            <a:spLocks noGrp="1"/>
-          </p:cNvSpPr>
-          <p:nvPr>
-            <p:ph type="title"/>
-          </p:nvPr>
-        </p:nvSpPr>
-        <p:spPr/>
-        <p:txBody>
-          <a:bodyPr/>
-          <a:lstStyle/>
-          <a:p>
-            <a:r>
-              <a:rPr lang="en-US" dirty="0"/>
-              <a:t>Introduction</a:t>
-            </a:r>
-          </a:p>
-        </p:txBody>
-      </p:sp>
-      <p:sp>
-        <p:nvSpPr>
-          <p:cNvPr id="3" name="Content Placeholder 2">
-            <a:extLst>
-              <a:ext uri="{FF2B5EF4-FFF2-40B4-BE49-F238E27FC236}">
-                <a16:creationId xmlns:a16="http://schemas.microsoft.com/office/drawing/2014/main" id="{60B72EC4-3C8F-F748-9261-44077A6FA10C}"/>
-              </a:ext>
-            </a:extLst>
-          </p:cNvPr>
-          <p:cNvSpPr>
-            <a:spLocks noGrp="1"/>
-          </p:cNvSpPr>
-          <p:nvPr>
-            <p:ph sz="half" idx="1"/>
-          </p:nvPr>
-        </p:nvSpPr>
-        <p:spPr/>
-        <p:txBody>
-          <a:bodyPr/>
-          <a:lstStyle/>
-          <a:p>
-            <a:r>
-              <a:rPr lang="en-US" dirty="0"/>
-              <a:t>E3 (Electronic Entertainment Expo) is a major annual event in the video game industry</a:t>
-            </a:r>
-          </a:p>
-          <a:p>
-            <a:r>
-              <a:rPr lang="en-US" dirty="0"/>
-              <a:t>Major companies in the industry attend the event to announce new releases, including Nintendo</a:t>
-            </a:r>
-          </a:p>
-          <a:p>
-            <a:r>
-              <a:rPr lang="en-US" dirty="0"/>
-              <a:t>Reactions to new titles get posted on Twitter</a:t>
-            </a:r>
-          </a:p>
-          <a:p>
-            <a:r>
-              <a:rPr lang="en-US" dirty="0"/>
-              <a:t>Major upcoming Nintendo titles: Super Smash Bros Ultimate, Fire Emblem: Three Houses, Super Mario Party</a:t>
-            </a:r>
-          </a:p>
-          <a:p>
-            <a:endParaRPr lang="en-US" dirty="0"/>
-          </a:p>
-        </p:txBody>
-      </p:sp>
-      <p:pic>
-        <p:nvPicPr>
-          <p:cNvPr id="14" name="Content Placeholder 13" descr="Text&#10;&#10;Description automatically generated">
-            <a:extLst>
-              <a:ext uri="{FF2B5EF4-FFF2-40B4-BE49-F238E27FC236}">
-                <a16:creationId xmlns:a16="http://schemas.microsoft.com/office/drawing/2014/main" id="{7D2870D9-EC9D-A349-815D-A96D54376EED}"/>
-              </a:ext>
-            </a:extLst>
-          </p:cNvPr>
-          <p:cNvPicPr>
-            <a:picLocks noGrp="1" noChangeAspect="1"/>
-          </p:cNvPicPr>
-          <p:nvPr>
-            <p:ph sz="half" idx="2"/>
-          </p:nvPr>
-        </p:nvPicPr>
-        <p:blipFill>
-          <a:blip r:embed="rId2"/>
-          <a:stretch>
-            <a:fillRect/>
-          </a:stretch>
-        </p:blipFill>
-        <p:spPr>
-          <a:xfrm>
-            <a:off x="6929633" y="1371484"/>
-            <a:ext cx="4711504" cy="4721341"/>
-          </a:xfrm>
-        </p:spPr>
-      </p:pic>
-    </p:spTree>
-    <p:extLst>
-      <p:ext uri="{BB962C8B-B14F-4D97-AF65-F5344CB8AC3E}">
-        <p14:creationId xmlns:p14="http://schemas.microsoft.com/office/powerpoint/2010/main" val="740252647"/>
-      </p:ext>
-    </p:extLst>
-  </p:cSld>
-  <p:clrMapOvr>
-    <a:masterClrMapping/>
-  </p:clrMapOvr>
-</p:sld>
-</file>
-
-<file path=ppt/slides/slide3.xml><?xml version="1.0" encoding="utf-8"?>
-<p:sld xmlns:a="http://schemas.openxmlformats.org/drawingml/2006/main" xmlns:r="http://schemas.openxmlformats.org/officeDocument/2006/relationships" xmlns:p="http://schemas.openxmlformats.org/presentationml/2006/main">
-  <p:cSld>
-    <p:spTree>
-      <p:nvGrpSpPr>
-        <p:cNvPr id="1" name=""/>
-        <p:cNvGrpSpPr/>
-        <p:nvPr/>
-      </p:nvGrpSpPr>
-      <p:grpSpPr>
-        <a:xfrm>
-          <a:off x="0" y="0"/>
-          <a:ext cx="0" cy="0"/>
-          <a:chOff x="0" y="0"/>
-          <a:chExt cx="0" cy="0"/>
-        </a:xfrm>
-      </p:grpSpPr>
-      <p:sp>
-        <p:nvSpPr>
-          <p:cNvPr id="2" name="Title 1">
-            <a:extLst>
-              <a:ext uri="{FF2B5EF4-FFF2-40B4-BE49-F238E27FC236}">
-                <a16:creationId xmlns:a16="http://schemas.microsoft.com/office/drawing/2014/main" id="{3BA243DC-743F-9B49-80B1-BC089F3A9AB3}"/>
-              </a:ext>
-            </a:extLst>
-          </p:cNvPr>
-          <p:cNvSpPr>
-            <a:spLocks noGrp="1"/>
-          </p:cNvSpPr>
-          <p:nvPr>
-            <p:ph type="title"/>
-          </p:nvPr>
-        </p:nvSpPr>
-        <p:spPr/>
-        <p:txBody>
-          <a:bodyPr/>
-          <a:lstStyle/>
-          <a:p>
-            <a:r>
-              <a:rPr lang="en-US" dirty="0"/>
-              <a:t>Business Problem</a:t>
-            </a:r>
-          </a:p>
-        </p:txBody>
-      </p:sp>
-      <p:pic>
-        <p:nvPicPr>
-          <p:cNvPr id="12" name="Content Placeholder 11" descr="A screenshot of a cell phone&#10;&#10;Description automatically generated">
-            <a:extLst>
-              <a:ext uri="{FF2B5EF4-FFF2-40B4-BE49-F238E27FC236}">
-                <a16:creationId xmlns:a16="http://schemas.microsoft.com/office/drawing/2014/main" id="{1D84A308-8959-D441-AE00-6FCCD0C06C91}"/>
-              </a:ext>
-            </a:extLst>
-          </p:cNvPr>
-          <p:cNvPicPr>
-            <a:picLocks noGrp="1" noChangeAspect="1"/>
-          </p:cNvPicPr>
-          <p:nvPr>
-            <p:ph sz="half" idx="2"/>
-          </p:nvPr>
-        </p:nvPicPr>
-        <p:blipFill>
-          <a:blip r:embed="rId2"/>
-          <a:stretch>
-            <a:fillRect/>
-          </a:stretch>
-        </p:blipFill>
-        <p:spPr>
-          <a:xfrm>
-            <a:off x="7687497" y="482481"/>
-            <a:ext cx="3149380" cy="2797588"/>
-          </a:xfrm>
-        </p:spPr>
-      </p:pic>
-      <p:sp>
-        <p:nvSpPr>
-          <p:cNvPr id="17" name="Content Placeholder 16">
-            <a:extLst>
-              <a:ext uri="{FF2B5EF4-FFF2-40B4-BE49-F238E27FC236}">
-                <a16:creationId xmlns:a16="http://schemas.microsoft.com/office/drawing/2014/main" id="{55B981E5-F7DF-2F42-A39A-D051E6461A78}"/>
-              </a:ext>
-            </a:extLst>
-          </p:cNvPr>
-          <p:cNvSpPr>
-            <a:spLocks noGrp="1"/>
-          </p:cNvSpPr>
-          <p:nvPr>
-            <p:ph sz="half" idx="1"/>
-          </p:nvPr>
-        </p:nvSpPr>
-        <p:spPr/>
-        <p:txBody>
-          <a:bodyPr/>
-          <a:lstStyle/>
-          <a:p>
-            <a:r>
-              <a:rPr lang="en-US" dirty="0"/>
-              <a:t>Sentiment analysis of tweets responding to the announcement of the major upcoming titles: Smash Ultimate, Fire Emblem, Mario Party</a:t>
-            </a:r>
-          </a:p>
-          <a:p>
-            <a:r>
-              <a:rPr lang="en-US" dirty="0"/>
-              <a:t>Build models that accurately label tweets as positive or negative reactions, one separate model for each game</a:t>
-            </a:r>
-          </a:p>
-          <a:p>
-            <a:pPr marL="0" indent="0">
-              <a:buNone/>
-            </a:pPr>
-            <a:endParaRPr lang="en-US" dirty="0"/>
-          </a:p>
-        </p:txBody>
-      </p:sp>
-      <p:pic>
-        <p:nvPicPr>
-          <p:cNvPr id="19" name="Picture 18" descr="Graphical user interface, text, application, email&#10;&#10;Description automatically generated">
-            <a:extLst>
-              <a:ext uri="{FF2B5EF4-FFF2-40B4-BE49-F238E27FC236}">
-                <a16:creationId xmlns:a16="http://schemas.microsoft.com/office/drawing/2014/main" id="{46976BE3-2F2A-814A-8BFF-F16657693A59}"/>
-              </a:ext>
-            </a:extLst>
-          </p:cNvPr>
-          <p:cNvPicPr>
-            <a:picLocks noChangeAspect="1"/>
-          </p:cNvPicPr>
-          <p:nvPr/>
-        </p:nvPicPr>
-        <p:blipFill>
-          <a:blip r:embed="rId3"/>
-          <a:stretch>
-            <a:fillRect/>
-          </a:stretch>
-        </p:blipFill>
-        <p:spPr>
-          <a:xfrm>
-            <a:off x="7129078" y="3419693"/>
-            <a:ext cx="4266218" cy="2955826"/>
-          </a:xfrm>
-          <a:prstGeom prst="rect">
-            <a:avLst/>
-          </a:prstGeom>
-        </p:spPr>
-      </p:pic>
-    </p:spTree>
-    <p:extLst>
-      <p:ext uri="{BB962C8B-B14F-4D97-AF65-F5344CB8AC3E}">
-        <p14:creationId xmlns:p14="http://schemas.microsoft.com/office/powerpoint/2010/main" val="1209830521"/>
-      </p:ext>
-    </p:extLst>
-  </p:cSld>
-  <p:clrMapOvr>
-    <a:masterClrMapping/>
-  </p:clrMapOvr>
-</p:sld>
-</file>
-
-<file path=ppt/slides/slide4.xml><?xml version="1.0" encoding="utf-8"?>
-<p:sld xmlns:a="http://schemas.openxmlformats.org/drawingml/2006/main" xmlns:r="http://schemas.openxmlformats.org/officeDocument/2006/relationships" xmlns:p="http://schemas.openxmlformats.org/presentationml/2006/main">
-  <p:cSld>
-    <p:bg>
-      <p:bgPr>
-        <a:solidFill>
-          <a:schemeClr val="bg2"/>
-        </a:solidFill>
-        <a:effectLst/>
-      </p:bgPr>
-    </p:bg>
-    <p:spTree>
-      <p:nvGrpSpPr>
-        <p:cNvPr id="1" name=""/>
-        <p:cNvGrpSpPr/>
-        <p:nvPr/>
-      </p:nvGrpSpPr>
-      <p:grpSpPr>
-        <a:xfrm>
-          <a:off x="0" y="0"/>
-          <a:ext cx="0" cy="0"/>
-          <a:chOff x="0" y="0"/>
-          <a:chExt cx="0" cy="0"/>
-        </a:xfrm>
-      </p:grpSpPr>
-      <p:sp useBgFill="1">
-        <p:nvSpPr>
-          <p:cNvPr id="15" name="Rectangle 10">
-            <a:extLst>
-              <a:ext uri="{FF2B5EF4-FFF2-40B4-BE49-F238E27FC236}">
-                <a16:creationId xmlns:a16="http://schemas.microsoft.com/office/drawing/2014/main" id="{60B7752B-728D-4CA3-8923-C4F7F77029E3}"/>
-              </a:ext>
-              <a:ext uri="{C183D7F6-B498-43B3-948B-1728B52AA6E4}">
-                <adec:decorative xmlns:adec="http://schemas.microsoft.com/office/drawing/2017/decorative" val="1"/>
-              </a:ext>
-            </a:extLst>
-          </p:cNvPr>
-          <p:cNvSpPr>
-            <a:spLocks noGrp="1" noRot="1" noChangeAspect="1" noMove="1" noResize="1" noEditPoints="1" noAdjustHandles="1" noChangeArrowheads="1" noChangeShapeType="1" noTextEdit="1"/>
-          </p:cNvSpPr>
-          <p:nvPr>
-            <p:extLst>
-              <p:ext uri="{386F3935-93C4-4BCD-93E2-E3B085C9AB24}">
-                <p16:designElem xmlns:p16="http://schemas.microsoft.com/office/powerpoint/2015/main" val="1"/>
-              </p:ext>
-            </p:extLst>
-          </p:nvPr>
-        </p:nvSpPr>
-        <p:spPr>
-          <a:xfrm>
-            <a:off x="0" y="0"/>
-            <a:ext cx="12192000" cy="6858000"/>
-          </a:xfrm>
-          <a:prstGeom prst="rect">
-            <a:avLst/>
-          </a:prstGeom>
-          <a:ln w="12700" cap="flat" cmpd="sng" algn="ctr">
-            <a:noFill/>
-            <a:prstDash val="solid"/>
-            <a:miter lim="800000"/>
-          </a:ln>
-          <a:effectLst/>
-          <a:extLst>
-            <a:ext uri="{91240B29-F687-4F45-9708-019B960494DF}">
-              <a14:hiddenLine xmlns:a14="http://schemas.microsoft.com/office/drawing/2010/main" w="12700" cap="flat" cmpd="sng" algn="ctr">
-                <a:solidFill>
-                  <a:schemeClr val="accent1">
-                    <a:shade val="50000"/>
-                  </a:schemeClr>
-                </a:solidFill>
-                <a:prstDash val="solid"/>
-                <a:miter lim="800000"/>
-              </a14:hiddenLine>
-            </a:ext>
-          </a:extLst>
-        </p:spPr>
-        <p:style>
-          <a:lnRef idx="2">
-            <a:schemeClr val="accent1">
-              <a:shade val="50000"/>
-            </a:schemeClr>
-          </a:lnRef>
-          <a:fillRef idx="1">
-            <a:schemeClr val="accent1"/>
-          </a:fillRef>
-          <a:effectRef idx="0">
-            <a:schemeClr val="accent1"/>
-          </a:effectRef>
-          <a:fontRef idx="minor">
-            <a:schemeClr val="lt1"/>
-          </a:fontRef>
-        </p:style>
-        <p:txBody>
-          <a:bodyPr rtlCol="0" anchor="ctr"/>
-          <a:lstStyle/>
-          <a:p>
-            <a:pPr algn="ctr"/>
-            <a:endParaRPr lang="en-US"/>
-          </a:p>
-        </p:txBody>
-      </p:sp>
-      <p:sp>
-        <p:nvSpPr>
-          <p:cNvPr id="2" name="Title 1">
-            <a:extLst>
-              <a:ext uri="{FF2B5EF4-FFF2-40B4-BE49-F238E27FC236}">
-                <a16:creationId xmlns:a16="http://schemas.microsoft.com/office/drawing/2014/main" id="{5A17FD71-8CE9-CA46-B5E0-803B2AA43F44}"/>
-              </a:ext>
-            </a:extLst>
-          </p:cNvPr>
-          <p:cNvSpPr>
-            <a:spLocks noGrp="1"/>
-          </p:cNvSpPr>
-          <p:nvPr>
-            <p:ph type="title"/>
-          </p:nvPr>
-        </p:nvSpPr>
-        <p:spPr>
-          <a:xfrm>
-            <a:off x="550863" y="550800"/>
-            <a:ext cx="7308850" cy="986400"/>
-          </a:xfrm>
-        </p:spPr>
-        <p:txBody>
-          <a:bodyPr wrap="square" anchor="ctr">
-            <a:normAutofit/>
-          </a:bodyPr>
-          <a:lstStyle/>
-          <a:p>
-            <a:r>
-              <a:rPr lang="en-US" dirty="0"/>
-              <a:t>Data Science Approach</a:t>
-            </a:r>
-          </a:p>
-        </p:txBody>
-      </p:sp>
-      <p:sp>
-        <p:nvSpPr>
-          <p:cNvPr id="16" name="Rectangle 12">
-            <a:extLst>
-              <a:ext uri="{FF2B5EF4-FFF2-40B4-BE49-F238E27FC236}">
-                <a16:creationId xmlns:a16="http://schemas.microsoft.com/office/drawing/2014/main" id="{88392DC7-0988-443B-A0D0-E726C7DB622B}"/>
-              </a:ext>
-              <a:ext uri="{C183D7F6-B498-43B3-948B-1728B52AA6E4}">
-                <adec:decorative xmlns:adec="http://schemas.microsoft.com/office/drawing/2017/decorative" val="1"/>
-              </a:ext>
-            </a:extLst>
-          </p:cNvPr>
-          <p:cNvSpPr>
-            <a:spLocks noGrp="1" noRot="1" noChangeAspect="1" noMove="1" noResize="1" noEditPoints="1" noAdjustHandles="1" noChangeArrowheads="1" noChangeShapeType="1" noTextEdit="1"/>
-          </p:cNvSpPr>
-          <p:nvPr>
-            <p:extLst>
-              <p:ext uri="{386F3935-93C4-4BCD-93E2-E3B085C9AB24}">
-                <p16:designElem xmlns:p16="http://schemas.microsoft.com/office/powerpoint/2015/main" val="1"/>
-              </p:ext>
-            </p:extLst>
-          </p:nvPr>
-        </p:nvSpPr>
-        <p:spPr>
-          <a:xfrm>
-            <a:off x="0" y="2083435"/>
-            <a:ext cx="12192000" cy="4774564"/>
-          </a:xfrm>
-          <a:prstGeom prst="rect">
-            <a:avLst/>
-          </a:prstGeom>
-          <a:solidFill>
-            <a:schemeClr val="bg2">
-              <a:lumMod val="10000"/>
-              <a:lumOff val="90000"/>
-              <a:alpha val="5000"/>
-            </a:schemeClr>
-          </a:solidFill>
-          <a:ln>
-            <a:noFill/>
-          </a:ln>
-        </p:spPr>
-        <p:style>
-          <a:lnRef idx="2">
-            <a:schemeClr val="accent1">
-              <a:shade val="50000"/>
-            </a:schemeClr>
-          </a:lnRef>
-          <a:fillRef idx="1">
-            <a:schemeClr val="accent1"/>
-          </a:fillRef>
-          <a:effectRef idx="0">
-            <a:schemeClr val="accent1"/>
-          </a:effectRef>
-          <a:fontRef idx="minor">
-            <a:schemeClr val="lt1"/>
-          </a:fontRef>
-        </p:style>
-        <p:txBody>
-          <a:bodyPr rtlCol="0" anchor="ctr"/>
-          <a:lstStyle/>
-          <a:p>
-            <a:pPr algn="ctr"/>
-            <a:endParaRPr lang="en-US"/>
-          </a:p>
-        </p:txBody>
-      </p:sp>
-      <p:graphicFrame>
-        <p:nvGraphicFramePr>
-          <p:cNvPr id="17" name="Content Placeholder 4">
-            <a:extLst>
-              <a:ext uri="{FF2B5EF4-FFF2-40B4-BE49-F238E27FC236}">
-                <a16:creationId xmlns:a16="http://schemas.microsoft.com/office/drawing/2014/main" id="{ECE320D5-C435-4DCF-A17B-DC4818E853BC}"/>
-              </a:ext>
-            </a:extLst>
-          </p:cNvPr>
-          <p:cNvGraphicFramePr>
-            <a:graphicFrameLocks noGrp="1"/>
-          </p:cNvGraphicFramePr>
-          <p:nvPr>
-            <p:ph idx="1"/>
-            <p:extLst>
-              <p:ext uri="{D42A27DB-BD31-4B8C-83A1-F6EECF244321}">
-                <p14:modId xmlns:p14="http://schemas.microsoft.com/office/powerpoint/2010/main" val="3181328065"/>
-              </p:ext>
-            </p:extLst>
-          </p:nvPr>
-        </p:nvGraphicFramePr>
-        <p:xfrm>
-          <a:off x="550863" y="2624135"/>
-          <a:ext cx="11090276" cy="3468690"/>
-        </p:xfrm>
-        <a:graphic>
-          <a:graphicData uri="http://schemas.openxmlformats.org/drawingml/2006/diagram">
-            <dgm:relIds xmlns:dgm="http://schemas.openxmlformats.org/drawingml/2006/diagram" xmlns:r="http://schemas.openxmlformats.org/officeDocument/2006/relationships" r:dm="rId2" r:lo="rId3" r:qs="rId4" r:cs="rId5"/>
-          </a:graphicData>
-        </a:graphic>
-      </p:graphicFrame>
-    </p:spTree>
-    <p:extLst>
-      <p:ext uri="{BB962C8B-B14F-4D97-AF65-F5344CB8AC3E}">
-        <p14:creationId xmlns:p14="http://schemas.microsoft.com/office/powerpoint/2010/main" val="1509420088"/>
-      </p:ext>
-    </p:extLst>
-  </p:cSld>
-  <p:clrMapOvr>
-    <a:masterClrMapping/>
-  </p:clrMapOvr>
-</p:sld>
-</file>
-
-<file path=ppt/slides/slide5.xml><?xml version="1.0" encoding="utf-8"?>
-<p:sld xmlns:a="http://schemas.openxmlformats.org/drawingml/2006/main" xmlns:r="http://schemas.openxmlformats.org/officeDocument/2006/relationships" xmlns:p="http://schemas.openxmlformats.org/presentationml/2006/main">
-  <p:cSld>
-    <p:spTree>
-      <p:nvGrpSpPr>
-        <p:cNvPr id="1" name=""/>
-        <p:cNvGrpSpPr/>
-        <p:nvPr/>
-      </p:nvGrpSpPr>
-      <p:grpSpPr>
-        <a:xfrm>
-          <a:off x="0" y="0"/>
-          <a:ext cx="0" cy="0"/>
-          <a:chOff x="0" y="0"/>
-          <a:chExt cx="0" cy="0"/>
-        </a:xfrm>
-      </p:grpSpPr>
-      <p:sp>
-        <p:nvSpPr>
-          <p:cNvPr id="2" name="Title 1">
-            <a:extLst>
-              <a:ext uri="{FF2B5EF4-FFF2-40B4-BE49-F238E27FC236}">
-                <a16:creationId xmlns:a16="http://schemas.microsoft.com/office/drawing/2014/main" id="{FCDBDEE9-6EC8-4E41-BD22-AD38A082F02C}"/>
-              </a:ext>
-            </a:extLst>
-          </p:cNvPr>
-          <p:cNvSpPr>
-            <a:spLocks noGrp="1"/>
-          </p:cNvSpPr>
-          <p:nvPr>
-            <p:ph type="title"/>
-          </p:nvPr>
-        </p:nvSpPr>
-        <p:spPr/>
-        <p:txBody>
-          <a:bodyPr/>
-          <a:lstStyle/>
-          <a:p>
-            <a:r>
-              <a:rPr lang="en-US" dirty="0"/>
-              <a:t>Summary of Results</a:t>
-            </a:r>
-          </a:p>
-        </p:txBody>
-      </p:sp>
-      <p:sp>
-        <p:nvSpPr>
-          <p:cNvPr id="3" name="Content Placeholder 2">
-            <a:extLst>
-              <a:ext uri="{FF2B5EF4-FFF2-40B4-BE49-F238E27FC236}">
-                <a16:creationId xmlns:a16="http://schemas.microsoft.com/office/drawing/2014/main" id="{DB61DC71-F161-9947-A298-D1E94A4C9F18}"/>
-              </a:ext>
-            </a:extLst>
-          </p:cNvPr>
-          <p:cNvSpPr>
-            <a:spLocks noGrp="1"/>
-          </p:cNvSpPr>
-          <p:nvPr>
-            <p:ph idx="1"/>
-          </p:nvPr>
-        </p:nvSpPr>
-        <p:spPr/>
-        <p:txBody>
-          <a:bodyPr/>
-          <a:lstStyle/>
-          <a:p>
-            <a:endParaRPr lang="en-US"/>
-          </a:p>
-        </p:txBody>
-      </p:sp>
-    </p:spTree>
-    <p:extLst>
-      <p:ext uri="{BB962C8B-B14F-4D97-AF65-F5344CB8AC3E}">
-        <p14:creationId xmlns:p14="http://schemas.microsoft.com/office/powerpoint/2010/main" val="980975317"/>
-      </p:ext>
-    </p:extLst>
-  </p:cSld>
-  <p:clrMapOvr>
-    <a:masterClrMapping/>
-  </p:clrMapOvr>
-</p:sld>
-</file>
-
-<file path=ppt/slides/slide6.xml><?xml version="1.0" encoding="utf-8"?>
-<p:sld xmlns:a="http://schemas.openxmlformats.org/drawingml/2006/main" xmlns:r="http://schemas.openxmlformats.org/officeDocument/2006/relationships" xmlns:p="http://schemas.openxmlformats.org/presentationml/2006/main">
-  <p:cSld>
-    <p:bg>
-      <p:bgPr>
-        <a:solidFill>
-          <a:schemeClr val="bg2"/>
-        </a:solidFill>
-        <a:effectLst/>
-      </p:bgPr>
-    </p:bg>
-    <p:spTree>
-      <p:nvGrpSpPr>
-        <p:cNvPr id="1" name=""/>
-        <p:cNvGrpSpPr/>
-        <p:nvPr/>
-      </p:nvGrpSpPr>
-      <p:grpSpPr>
-        <a:xfrm>
-          <a:off x="0" y="0"/>
-          <a:ext cx="0" cy="0"/>
-          <a:chOff x="0" y="0"/>
-          <a:chExt cx="0" cy="0"/>
-        </a:xfrm>
-      </p:grpSpPr>
-      <p:sp useBgFill="1">
-        <p:nvSpPr>
-          <p:cNvPr id="8" name="Rectangle 7">
-            <a:extLst>
-              <a:ext uri="{FF2B5EF4-FFF2-40B4-BE49-F238E27FC236}">
-                <a16:creationId xmlns:a16="http://schemas.microsoft.com/office/drawing/2014/main" id="{A5931BE0-4B93-4D6C-878E-ACC59D6B4587}"/>
-              </a:ext>
-              <a:ext uri="{C183D7F6-B498-43B3-948B-1728B52AA6E4}">
-                <adec:decorative xmlns:adec="http://schemas.microsoft.com/office/drawing/2017/decorative" val="1"/>
-              </a:ext>
-            </a:extLst>
-          </p:cNvPr>
-          <p:cNvSpPr>
-            <a:spLocks noGrp="1" noRot="1" noChangeAspect="1" noMove="1" noResize="1" noEditPoints="1" noAdjustHandles="1" noChangeArrowheads="1" noChangeShapeType="1" noTextEdit="1"/>
-          </p:cNvSpPr>
-          <p:nvPr>
-            <p:extLst>
-              <p:ext uri="{386F3935-93C4-4BCD-93E2-E3B085C9AB24}">
-                <p16:designElem xmlns:p16="http://schemas.microsoft.com/office/powerpoint/2015/main" val="1"/>
-              </p:ext>
-            </p:extLst>
-          </p:nvPr>
-        </p:nvSpPr>
-        <p:spPr>
-          <a:xfrm>
-            <a:off x="0" y="0"/>
-            <a:ext cx="12192000" cy="6858000"/>
-          </a:xfrm>
-          <a:prstGeom prst="rect">
-            <a:avLst/>
-          </a:prstGeom>
-          <a:ln w="12700" cap="flat" cmpd="sng" algn="ctr">
-            <a:noFill/>
-            <a:prstDash val="solid"/>
-            <a:miter lim="800000"/>
-          </a:ln>
-          <a:effectLst/>
-          <a:extLst>
-            <a:ext uri="{91240B29-F687-4F45-9708-019B960494DF}">
-              <a14:hiddenLine xmlns:a14="http://schemas.microsoft.com/office/drawing/2010/main" w="12700" cap="flat" cmpd="sng" algn="ctr">
-                <a:solidFill>
-                  <a:schemeClr val="accent1">
-                    <a:shade val="50000"/>
-                  </a:schemeClr>
-                </a:solidFill>
-                <a:prstDash val="solid"/>
-                <a:miter lim="800000"/>
-              </a14:hiddenLine>
-            </a:ext>
-          </a:extLst>
-        </p:spPr>
-        <p:style>
-          <a:lnRef idx="2">
-            <a:schemeClr val="accent1">
-              <a:shade val="50000"/>
-            </a:schemeClr>
-          </a:lnRef>
-          <a:fillRef idx="1">
-            <a:schemeClr val="accent1"/>
-          </a:fillRef>
-          <a:effectRef idx="0">
-            <a:schemeClr val="accent1"/>
-          </a:effectRef>
-          <a:fontRef idx="minor">
-            <a:schemeClr val="lt1"/>
-          </a:fontRef>
-        </p:style>
-        <p:txBody>
-          <a:bodyPr rtlCol="0" anchor="ctr"/>
-          <a:lstStyle/>
-          <a:p>
-            <a:pPr algn="ctr"/>
-            <a:endParaRPr lang="en-US"/>
-          </a:p>
-        </p:txBody>
-      </p:sp>
-      <p:sp>
-        <p:nvSpPr>
-          <p:cNvPr id="2" name="Title 1">
-            <a:extLst>
-              <a:ext uri="{FF2B5EF4-FFF2-40B4-BE49-F238E27FC236}">
-                <a16:creationId xmlns:a16="http://schemas.microsoft.com/office/drawing/2014/main" id="{28F346B0-1ABB-B242-87BB-B8C40E06869E}"/>
-              </a:ext>
-            </a:extLst>
-          </p:cNvPr>
-          <p:cNvSpPr>
-            <a:spLocks noGrp="1"/>
-          </p:cNvSpPr>
-          <p:nvPr>
-            <p:ph type="title"/>
-          </p:nvPr>
-        </p:nvSpPr>
-        <p:spPr>
-          <a:xfrm>
-            <a:off x="550862" y="1435100"/>
-            <a:ext cx="5437188" cy="3496214"/>
-          </a:xfrm>
-        </p:spPr>
-        <p:txBody>
-          <a:bodyPr wrap="square" anchor="t">
-            <a:normAutofit/>
-          </a:bodyPr>
-          <a:lstStyle/>
-          <a:p>
-            <a:r>
-              <a:rPr lang="en-US" sz="8000" dirty="0"/>
-              <a:t>Data Acquisition</a:t>
-            </a:r>
-          </a:p>
-        </p:txBody>
-      </p:sp>
-      <p:sp>
-        <p:nvSpPr>
-          <p:cNvPr id="3" name="Content Placeholder 2">
-            <a:extLst>
-              <a:ext uri="{FF2B5EF4-FFF2-40B4-BE49-F238E27FC236}">
-                <a16:creationId xmlns:a16="http://schemas.microsoft.com/office/drawing/2014/main" id="{77D0DF8E-331A-1642-ABB8-4577B91BD225}"/>
-              </a:ext>
-            </a:extLst>
-          </p:cNvPr>
-          <p:cNvSpPr>
-            <a:spLocks noGrp="1"/>
-          </p:cNvSpPr>
-          <p:nvPr>
-            <p:ph idx="1"/>
-          </p:nvPr>
-        </p:nvSpPr>
-        <p:spPr>
-          <a:xfrm>
-            <a:off x="7140575" y="1522184"/>
-            <a:ext cx="3581181" cy="4570641"/>
-          </a:xfrm>
-        </p:spPr>
-        <p:txBody>
-          <a:bodyPr anchor="t">
-            <a:normAutofit/>
-          </a:bodyPr>
-          <a:lstStyle/>
-          <a:p>
-            <a:r>
-              <a:rPr lang="en-US" dirty="0"/>
-              <a:t>Data set found on Kaggle, 100,000+ tweets captured during Nintendo’s presentation at E3 2018, using keywords #NintendoE3 and #</a:t>
-            </a:r>
-            <a:r>
-              <a:rPr lang="en-US" dirty="0" err="1"/>
-              <a:t>NintendoDirect</a:t>
-            </a:r>
-            <a:endParaRPr lang="en-US" dirty="0"/>
-          </a:p>
-          <a:p>
-            <a:r>
-              <a:rPr lang="en-US" dirty="0"/>
-              <a:t>Tweet data encoded in JSON format, with predefined attributes and values</a:t>
-            </a:r>
-          </a:p>
-          <a:p>
-            <a:r>
-              <a:rPr lang="en-US" dirty="0"/>
-              <a:t>Attributes of interest: ‘text’ and ‘entities’, which includes hashtags</a:t>
-            </a:r>
-          </a:p>
-        </p:txBody>
-      </p:sp>
-      <p:sp>
-        <p:nvSpPr>
-          <p:cNvPr id="10" name="Freeform: Shape 9">
-            <a:extLst>
-              <a:ext uri="{FF2B5EF4-FFF2-40B4-BE49-F238E27FC236}">
-                <a16:creationId xmlns:a16="http://schemas.microsoft.com/office/drawing/2014/main" id="{D3262674-A504-4C90-BBBB-94D20F92A2B6}"/>
-              </a:ext>
-              <a:ext uri="{C183D7F6-B498-43B3-948B-1728B52AA6E4}">
-                <adec:decorative xmlns:adec="http://schemas.microsoft.com/office/drawing/2017/decorative" val="1"/>
-              </a:ext>
-            </a:extLst>
-          </p:cNvPr>
-          <p:cNvSpPr>
-            <a:spLocks noGrp="1" noRot="1" noChangeAspect="1" noMove="1" noResize="1" noEditPoints="1" noAdjustHandles="1" noChangeArrowheads="1" noChangeShapeType="1" noTextEdit="1"/>
-          </p:cNvSpPr>
-          <p:nvPr>
-            <p:extLst>
-              <p:ext uri="{386F3935-93C4-4BCD-93E2-E3B085C9AB24}">
-                <p16:designElem xmlns:p16="http://schemas.microsoft.com/office/powerpoint/2015/main" val="1"/>
-              </p:ext>
-            </p:extLst>
-          </p:nvPr>
-        </p:nvSpPr>
-        <p:spPr>
-          <a:xfrm>
-            <a:off x="10954653" y="4120355"/>
-            <a:ext cx="1237347" cy="1972470"/>
-          </a:xfrm>
-          <a:custGeom>
-            <a:avLst/>
-            <a:gdLst>
-              <a:gd name="connsiteX0" fmla="*/ 986235 w 1237347"/>
-              <a:gd name="connsiteY0" fmla="*/ 0 h 1972470"/>
-              <a:gd name="connsiteX1" fmla="*/ 1184996 w 1237347"/>
-              <a:gd name="connsiteY1" fmla="*/ 20037 h 1972470"/>
-              <a:gd name="connsiteX2" fmla="*/ 1237347 w 1237347"/>
-              <a:gd name="connsiteY2" fmla="*/ 33498 h 1972470"/>
-              <a:gd name="connsiteX3" fmla="*/ 1237347 w 1237347"/>
-              <a:gd name="connsiteY3" fmla="*/ 1938973 h 1972470"/>
-              <a:gd name="connsiteX4" fmla="*/ 1184996 w 1237347"/>
-              <a:gd name="connsiteY4" fmla="*/ 1952433 h 1972470"/>
-              <a:gd name="connsiteX5" fmla="*/ 986235 w 1237347"/>
-              <a:gd name="connsiteY5" fmla="*/ 1972470 h 1972470"/>
-              <a:gd name="connsiteX6" fmla="*/ 0 w 1237347"/>
-              <a:gd name="connsiteY6" fmla="*/ 986235 h 1972470"/>
-              <a:gd name="connsiteX7" fmla="*/ 986235 w 1237347"/>
-              <a:gd name="connsiteY7" fmla="*/ 0 h 1972470"/>
-            </a:gdLst>
-            <a:ahLst/>
-            <a:cxnLst>
-              <a:cxn ang="0">
-                <a:pos x="connsiteX0" y="connsiteY0"/>
-              </a:cxn>
-              <a:cxn ang="0">
-                <a:pos x="connsiteX1" y="connsiteY1"/>
-              </a:cxn>
-              <a:cxn ang="0">
-                <a:pos x="connsiteX2" y="connsiteY2"/>
-              </a:cxn>
-              <a:cxn ang="0">
-                <a:pos x="connsiteX3" y="connsiteY3"/>
-              </a:cxn>
-              <a:cxn ang="0">
-                <a:pos x="connsiteX4" y="connsiteY4"/>
-              </a:cxn>
-              <a:cxn ang="0">
-                <a:pos x="connsiteX5" y="connsiteY5"/>
-              </a:cxn>
-              <a:cxn ang="0">
-                <a:pos x="connsiteX6" y="connsiteY6"/>
-              </a:cxn>
-              <a:cxn ang="0">
-                <a:pos x="connsiteX7" y="connsiteY7"/>
-              </a:cxn>
-            </a:cxnLst>
-            <a:rect l="l" t="t" r="r" b="b"/>
-            <a:pathLst>
-              <a:path w="1237347" h="1972470">
-                <a:moveTo>
-                  <a:pt x="986235" y="0"/>
-                </a:moveTo>
-                <a:cubicBezTo>
-                  <a:pt x="1054320" y="0"/>
-                  <a:pt x="1120794" y="6899"/>
-                  <a:pt x="1184996" y="20037"/>
-                </a:cubicBezTo>
-                <a:lnTo>
-                  <a:pt x="1237347" y="33498"/>
-                </a:lnTo>
-                <a:lnTo>
-                  <a:pt x="1237347" y="1938973"/>
-                </a:lnTo>
-                <a:lnTo>
-                  <a:pt x="1184996" y="1952433"/>
-                </a:lnTo>
-                <a:cubicBezTo>
-                  <a:pt x="1120794" y="1965571"/>
-                  <a:pt x="1054320" y="1972470"/>
-                  <a:pt x="986235" y="1972470"/>
-                </a:cubicBezTo>
-                <a:cubicBezTo>
-                  <a:pt x="441552" y="1972470"/>
-                  <a:pt x="0" y="1530918"/>
-                  <a:pt x="0" y="986235"/>
-                </a:cubicBezTo>
-                <a:cubicBezTo>
-                  <a:pt x="0" y="441552"/>
-                  <a:pt x="441552" y="0"/>
-                  <a:pt x="986235" y="0"/>
-                </a:cubicBezTo>
-                <a:close/>
-              </a:path>
-            </a:pathLst>
-          </a:custGeom>
-          <a:gradFill flip="none" rotWithShape="1">
-            <a:gsLst>
-              <a:gs pos="100000">
-                <a:schemeClr val="bg2">
-                  <a:lumMod val="50000"/>
-                  <a:lumOff val="50000"/>
-                </a:schemeClr>
-              </a:gs>
-              <a:gs pos="60000">
-                <a:schemeClr val="bg2">
-                  <a:lumMod val="100000"/>
-                </a:schemeClr>
-              </a:gs>
-            </a:gsLst>
-            <a:path path="circle">
-              <a:fillToRect l="100000" b="100000"/>
-            </a:path>
-            <a:tileRect t="-100000" r="-100000"/>
-          </a:gradFill>
-          <a:ln>
-            <a:noFill/>
-          </a:ln>
-          <a:effectLst>
-            <a:innerShdw blurRad="508000" dist="76200" dir="15480000">
-              <a:schemeClr val="accent1">
-                <a:lumMod val="60000"/>
-                <a:lumOff val="40000"/>
-                <a:alpha val="60000"/>
-              </a:schemeClr>
-            </a:innerShdw>
-            <a:softEdge rad="0"/>
-          </a:effectLst>
-        </p:spPr>
-        <p:style>
-          <a:lnRef idx="2">
-            <a:schemeClr val="accent1">
-              <a:shade val="50000"/>
-            </a:schemeClr>
-          </a:lnRef>
-          <a:fillRef idx="1">
-            <a:schemeClr val="accent1"/>
-          </a:fillRef>
-          <a:effectRef idx="0">
-            <a:schemeClr val="accent1"/>
-          </a:effectRef>
-          <a:fontRef idx="minor">
-            <a:schemeClr val="lt1"/>
-          </a:fontRef>
-        </p:style>
-        <p:txBody>
-          <a:bodyPr rot="0" spcFirstLastPara="0" vertOverflow="overflow" horzOverflow="overflow" vert="horz" wrap="square" lIns="91440" tIns="45720" rIns="91440" bIns="45720" numCol="1" spcCol="0" rtlCol="0" fromWordArt="0" anchor="ctr" anchorCtr="0" forceAA="0" compatLnSpc="1">
-            <a:prstTxWarp prst="textNoShape">
-              <a:avLst/>
-            </a:prstTxWarp>
-            <a:noAutofit/>
-          </a:bodyPr>
-          <a:lstStyle/>
-          <a:p>
-            <a:pPr algn="ctr"/>
-            <a:endParaRPr lang="en-US" dirty="0"/>
-          </a:p>
-        </p:txBody>
-      </p:sp>
-    </p:spTree>
-    <p:extLst>
-      <p:ext uri="{BB962C8B-B14F-4D97-AF65-F5344CB8AC3E}">
-        <p14:creationId xmlns:p14="http://schemas.microsoft.com/office/powerpoint/2010/main" val="1178448529"/>
-      </p:ext>
-    </p:extLst>
-  </p:cSld>
-  <p:clrMapOvr>
-    <a:masterClrMapping/>
-  </p:clrMapOvr>
-</p:sld>
-</file>
-
-<file path=ppt/slides/slide7.xml><?xml version="1.0" encoding="utf-8"?>
-<p:sld xmlns:a="http://schemas.openxmlformats.org/drawingml/2006/main" xmlns:r="http://schemas.openxmlformats.org/officeDocument/2006/relationships" xmlns:p="http://schemas.openxmlformats.org/presentationml/2006/main">
-  <p:cSld>
-    <p:spTree>
-      <p:nvGrpSpPr>
-        <p:cNvPr id="1" name=""/>
-        <p:cNvGrpSpPr/>
-        <p:nvPr/>
-      </p:nvGrpSpPr>
-      <p:grpSpPr>
-        <a:xfrm>
-          <a:off x="0" y="0"/>
-          <a:ext cx="0" cy="0"/>
-          <a:chOff x="0" y="0"/>
-          <a:chExt cx="0" cy="0"/>
-        </a:xfrm>
-      </p:grpSpPr>
-      <p:sp>
-        <p:nvSpPr>
-          <p:cNvPr id="2" name="Title 1">
-            <a:extLst>
-              <a:ext uri="{FF2B5EF4-FFF2-40B4-BE49-F238E27FC236}">
-                <a16:creationId xmlns:a16="http://schemas.microsoft.com/office/drawing/2014/main" id="{DA8C9CF1-C310-F147-A187-4ADC1BC4CE6F}"/>
-              </a:ext>
-            </a:extLst>
-          </p:cNvPr>
-          <p:cNvSpPr>
-            <a:spLocks noGrp="1"/>
-          </p:cNvSpPr>
-          <p:nvPr>
-            <p:ph type="title"/>
-          </p:nvPr>
-        </p:nvSpPr>
-        <p:spPr/>
-        <p:txBody>
-          <a:bodyPr/>
-          <a:lstStyle/>
-          <a:p>
-            <a:r>
-              <a:rPr lang="en-US" dirty="0"/>
-              <a:t>Data Wrangling</a:t>
-            </a:r>
-          </a:p>
-        </p:txBody>
-      </p:sp>
-      <p:sp>
-        <p:nvSpPr>
-          <p:cNvPr id="4" name="Content Placeholder 3">
-            <a:extLst>
-              <a:ext uri="{FF2B5EF4-FFF2-40B4-BE49-F238E27FC236}">
-                <a16:creationId xmlns:a16="http://schemas.microsoft.com/office/drawing/2014/main" id="{C7ED68CA-E008-3247-AF0E-2CFC22A85BA1}"/>
-              </a:ext>
-            </a:extLst>
-          </p:cNvPr>
-          <p:cNvSpPr>
-            <a:spLocks noGrp="1"/>
-          </p:cNvSpPr>
-          <p:nvPr>
-            <p:ph sz="half" idx="1"/>
-          </p:nvPr>
-        </p:nvSpPr>
-        <p:spPr/>
-        <p:txBody>
-          <a:bodyPr>
-            <a:normAutofit fontScale="85000" lnSpcReduction="20000"/>
-          </a:bodyPr>
-          <a:lstStyle/>
-          <a:p>
-            <a:r>
-              <a:rPr lang="en-US" dirty="0"/>
-              <a:t>Processing text bodies of tweets</a:t>
-            </a:r>
-          </a:p>
-          <a:p>
-            <a:pPr lvl="1"/>
-            <a:r>
-              <a:rPr lang="en-US" dirty="0"/>
-              <a:t>Removing URLs, punctuation, @s, hashtags, emojis, words not in the dictionary</a:t>
-            </a:r>
-          </a:p>
-          <a:p>
-            <a:pPr lvl="1"/>
-            <a:r>
-              <a:rPr lang="en-US" dirty="0"/>
-              <a:t>Standardizing words/tokens, lemmatizing, lowercasing</a:t>
-            </a:r>
-          </a:p>
-          <a:p>
-            <a:r>
-              <a:rPr lang="en-US" dirty="0"/>
-              <a:t>Categorizing tweets by game using hashtags</a:t>
-            </a:r>
-          </a:p>
-          <a:p>
-            <a:pPr lvl="1"/>
-            <a:r>
-              <a:rPr lang="en-US" dirty="0"/>
-              <a:t>Group similar hashtags together, </a:t>
-            </a:r>
-            <a:r>
-              <a:rPr lang="en-US" dirty="0" err="1"/>
-              <a:t>eg</a:t>
-            </a:r>
-            <a:r>
-              <a:rPr lang="en-US" dirty="0"/>
-              <a:t>: #</a:t>
-            </a:r>
-            <a:r>
-              <a:rPr lang="en-US" dirty="0" err="1"/>
-              <a:t>supersmashbros</a:t>
-            </a:r>
-            <a:r>
-              <a:rPr lang="en-US" dirty="0"/>
-              <a:t>, #</a:t>
-            </a:r>
-            <a:r>
-              <a:rPr lang="en-US" dirty="0" err="1"/>
-              <a:t>smashbros</a:t>
-            </a:r>
-            <a:r>
-              <a:rPr lang="en-US" dirty="0"/>
-              <a:t>, #</a:t>
-            </a:r>
-            <a:r>
-              <a:rPr lang="en-US" dirty="0" err="1"/>
-              <a:t>smashultimate</a:t>
-            </a:r>
-            <a:r>
-              <a:rPr lang="en-US" dirty="0"/>
-              <a:t>, #</a:t>
-            </a:r>
-            <a:r>
-              <a:rPr lang="en-US" dirty="0" err="1"/>
-              <a:t>ssbu</a:t>
-            </a:r>
-            <a:endParaRPr lang="en-US" dirty="0"/>
-          </a:p>
-          <a:p>
-            <a:pPr lvl="1"/>
-            <a:r>
-              <a:rPr lang="en-US" dirty="0"/>
-              <a:t>Gather all tweets related to a game, based on the similar hashtags</a:t>
-            </a:r>
-          </a:p>
-          <a:p>
-            <a:r>
-              <a:rPr lang="en-US" dirty="0"/>
-              <a:t>Final columns used: ‘text’</a:t>
-            </a:r>
-          </a:p>
-          <a:p>
-            <a:r>
-              <a:rPr lang="en-US" dirty="0"/>
-              <a:t>Detecting and removing foreign tweets by checking words in English dictionary, and by using list of foreign language keywords, </a:t>
-            </a:r>
-            <a:r>
-              <a:rPr lang="en-US" dirty="0" err="1"/>
-              <a:t>eg</a:t>
-            </a:r>
-            <a:r>
-              <a:rPr lang="en-US" dirty="0"/>
-              <a:t>: (el, de, le, un)</a:t>
-            </a:r>
-          </a:p>
-          <a:p>
-            <a:endParaRPr lang="en-US" dirty="0"/>
-          </a:p>
-        </p:txBody>
-      </p:sp>
-      <p:pic>
-        <p:nvPicPr>
-          <p:cNvPr id="7" name="Content Placeholder 6" descr="A screenshot of a person&#10;&#10;Description automatically generated">
-            <a:extLst>
-              <a:ext uri="{FF2B5EF4-FFF2-40B4-BE49-F238E27FC236}">
-                <a16:creationId xmlns:a16="http://schemas.microsoft.com/office/drawing/2014/main" id="{3C561B52-FE9A-A04A-8938-86B502DFF129}"/>
-              </a:ext>
-            </a:extLst>
-          </p:cNvPr>
-          <p:cNvPicPr>
-            <a:picLocks noGrp="1" noChangeAspect="1"/>
-          </p:cNvPicPr>
-          <p:nvPr>
-            <p:ph sz="half" idx="2"/>
-          </p:nvPr>
-        </p:nvPicPr>
-        <p:blipFill>
-          <a:blip r:embed="rId2"/>
-          <a:stretch>
-            <a:fillRect/>
-          </a:stretch>
-        </p:blipFill>
-        <p:spPr>
-          <a:xfrm>
-            <a:off x="6328459" y="2097088"/>
-            <a:ext cx="5189757" cy="3995737"/>
-          </a:xfrm>
-        </p:spPr>
-      </p:pic>
-    </p:spTree>
-    <p:extLst>
-      <p:ext uri="{BB962C8B-B14F-4D97-AF65-F5344CB8AC3E}">
-        <p14:creationId xmlns:p14="http://schemas.microsoft.com/office/powerpoint/2010/main" val="968030840"/>
-      </p:ext>
-    </p:extLst>
-  </p:cSld>
-  <p:clrMapOvr>
-    <a:masterClrMapping/>
-  </p:clrMapOvr>
-</p:sld>
-</file>
-
-<file path=ppt/slides/slide8.xml><?xml version="1.0" encoding="utf-8"?>
-<p:sld xmlns:a="http://schemas.openxmlformats.org/drawingml/2006/main" xmlns:r="http://schemas.openxmlformats.org/officeDocument/2006/relationships" xmlns:p="http://schemas.openxmlformats.org/presentationml/2006/main">
-  <p:cSld>
-    <p:spTree>
-      <p:nvGrpSpPr>
-        <p:cNvPr id="1" name=""/>
-        <p:cNvGrpSpPr/>
-        <p:nvPr/>
-      </p:nvGrpSpPr>
-      <p:grpSpPr>
-        <a:xfrm>
-          <a:off x="0" y="0"/>
-          <a:ext cx="0" cy="0"/>
-          <a:chOff x="0" y="0"/>
-          <a:chExt cx="0" cy="0"/>
-        </a:xfrm>
-      </p:grpSpPr>
-      <p:sp>
-        <p:nvSpPr>
-          <p:cNvPr id="2" name="Title 1">
-            <a:extLst>
-              <a:ext uri="{FF2B5EF4-FFF2-40B4-BE49-F238E27FC236}">
-                <a16:creationId xmlns:a16="http://schemas.microsoft.com/office/drawing/2014/main" id="{1B6F93A2-92B1-704C-950A-C9F9D88232CB}"/>
-              </a:ext>
-            </a:extLst>
-          </p:cNvPr>
-          <p:cNvSpPr>
-            <a:spLocks noGrp="1"/>
-          </p:cNvSpPr>
-          <p:nvPr>
-            <p:ph type="title"/>
-          </p:nvPr>
-        </p:nvSpPr>
-        <p:spPr/>
-        <p:txBody>
-          <a:bodyPr/>
-          <a:lstStyle/>
-          <a:p>
-            <a:r>
-              <a:rPr lang="en-US" dirty="0"/>
-              <a:t>Exploratory Data Analysis</a:t>
-            </a:r>
-          </a:p>
-        </p:txBody>
-      </p:sp>
-      <p:sp>
-        <p:nvSpPr>
-          <p:cNvPr id="6" name="Content Placeholder 5">
-            <a:extLst>
-              <a:ext uri="{FF2B5EF4-FFF2-40B4-BE49-F238E27FC236}">
-                <a16:creationId xmlns:a16="http://schemas.microsoft.com/office/drawing/2014/main" id="{52A8F800-1499-0846-8E7E-F46AD83EE382}"/>
-              </a:ext>
-            </a:extLst>
-          </p:cNvPr>
-          <p:cNvSpPr>
-            <a:spLocks noGrp="1"/>
-          </p:cNvSpPr>
-          <p:nvPr>
-            <p:ph sz="half" idx="1"/>
-          </p:nvPr>
-        </p:nvSpPr>
-        <p:spPr/>
-        <p:txBody>
-          <a:bodyPr/>
-          <a:lstStyle/>
-          <a:p>
-            <a:r>
-              <a:rPr lang="en-US" dirty="0"/>
-              <a:t>Initial data visualization using word clouds, looking for individual words that clearly indicate positive or negative sentiment</a:t>
-            </a:r>
-          </a:p>
-          <a:p>
-            <a:r>
-              <a:rPr lang="en-US" dirty="0"/>
-              <a:t>Feature Extraction with Vectorizers, examining correlations between token frequency vectors, identifying collinear vectors</a:t>
-            </a:r>
-          </a:p>
-        </p:txBody>
-      </p:sp>
-      <p:pic>
-        <p:nvPicPr>
-          <p:cNvPr id="9" name="Content Placeholder 8" descr="A close up of a newspaper&#10;&#10;Description automatically generated">
-            <a:extLst>
-              <a:ext uri="{FF2B5EF4-FFF2-40B4-BE49-F238E27FC236}">
-                <a16:creationId xmlns:a16="http://schemas.microsoft.com/office/drawing/2014/main" id="{726C282B-6926-8E49-A429-C812C181C155}"/>
-              </a:ext>
-            </a:extLst>
-          </p:cNvPr>
-          <p:cNvPicPr>
-            <a:picLocks noGrp="1" noChangeAspect="1"/>
-          </p:cNvPicPr>
-          <p:nvPr>
-            <p:ph sz="half" idx="2"/>
-          </p:nvPr>
-        </p:nvPicPr>
-        <p:blipFill>
-          <a:blip r:embed="rId2"/>
-          <a:stretch>
-            <a:fillRect/>
-          </a:stretch>
-        </p:blipFill>
-        <p:spPr>
-          <a:xfrm>
-            <a:off x="6925469" y="1705232"/>
-            <a:ext cx="4387593" cy="4387593"/>
-          </a:xfrm>
-        </p:spPr>
-      </p:pic>
-    </p:spTree>
-    <p:extLst>
-      <p:ext uri="{BB962C8B-B14F-4D97-AF65-F5344CB8AC3E}">
-        <p14:creationId xmlns:p14="http://schemas.microsoft.com/office/powerpoint/2010/main" val="3737227288"/>
-      </p:ext>
-    </p:extLst>
-  </p:cSld>
-  <p:clrMapOvr>
-    <a:masterClrMapping/>
-  </p:clrMapOvr>
-</p:sld>
-</file>
-
-<file path=ppt/slides/slide9.xml><?xml version="1.0" encoding="utf-8"?>
-<p:sld xmlns:a="http://schemas.openxmlformats.org/drawingml/2006/main" xmlns:r="http://schemas.openxmlformats.org/officeDocument/2006/relationships" xmlns:p="http://schemas.openxmlformats.org/presentationml/2006/main">
-  <p:cSld>
-    <p:spTree>
-      <p:nvGrpSpPr>
-        <p:cNvPr id="1" name=""/>
-        <p:cNvGrpSpPr/>
-        <p:nvPr/>
-      </p:nvGrpSpPr>
-      <p:grpSpPr>
-        <a:xfrm>
-          <a:off x="0" y="0"/>
-          <a:ext cx="0" cy="0"/>
-          <a:chOff x="0" y="0"/>
-          <a:chExt cx="0" cy="0"/>
-        </a:xfrm>
-      </p:grpSpPr>
-      <p:sp>
-        <p:nvSpPr>
-          <p:cNvPr id="2" name="Title 1">
-            <a:extLst>
-              <a:ext uri="{FF2B5EF4-FFF2-40B4-BE49-F238E27FC236}">
-                <a16:creationId xmlns:a16="http://schemas.microsoft.com/office/drawing/2014/main" id="{00869599-920B-0A40-B2E6-0F9172276961}"/>
-              </a:ext>
-            </a:extLst>
-          </p:cNvPr>
-          <p:cNvSpPr>
-            <a:spLocks noGrp="1"/>
-          </p:cNvSpPr>
-          <p:nvPr>
-            <p:ph type="title"/>
-          </p:nvPr>
-        </p:nvSpPr>
-        <p:spPr/>
-        <p:txBody>
-          <a:bodyPr/>
-          <a:lstStyle/>
-          <a:p>
-            <a:r>
-              <a:rPr lang="en-US" dirty="0"/>
-              <a:t>Preprocessing</a:t>
-            </a:r>
-          </a:p>
-        </p:txBody>
-      </p:sp>
-      <p:sp>
-        <p:nvSpPr>
-          <p:cNvPr id="5" name="Content Placeholder 4">
-            <a:extLst>
-              <a:ext uri="{FF2B5EF4-FFF2-40B4-BE49-F238E27FC236}">
-                <a16:creationId xmlns:a16="http://schemas.microsoft.com/office/drawing/2014/main" id="{7E6BE7F2-AFD8-8241-95ED-D0DB521AAB22}"/>
-              </a:ext>
-            </a:extLst>
-          </p:cNvPr>
-          <p:cNvSpPr>
-            <a:spLocks noGrp="1"/>
-          </p:cNvSpPr>
-          <p:nvPr>
-            <p:ph sz="half" idx="1"/>
-          </p:nvPr>
-        </p:nvSpPr>
-        <p:spPr/>
-        <p:txBody>
-          <a:bodyPr/>
-          <a:lstStyle/>
-          <a:p>
-            <a:r>
-              <a:rPr lang="en-US" dirty="0"/>
-              <a:t>Setting aside sample of each collection of tweets to be manually labeled by myself, using train_test_split with stratification on the labels</a:t>
-            </a:r>
-          </a:p>
-          <a:p>
-            <a:r>
-              <a:rPr lang="en-US" dirty="0"/>
-              <a:t>Labeling the rest of the data using TextBlob, positive labeled as 0, negative labeled as 1</a:t>
-            </a:r>
-          </a:p>
-          <a:p>
-            <a:r>
-              <a:rPr lang="en-US" dirty="0"/>
-              <a:t>Checking for data imbalance</a:t>
-            </a:r>
-          </a:p>
-          <a:p>
-            <a:endParaRPr lang="en-US" dirty="0"/>
-          </a:p>
-        </p:txBody>
-      </p:sp>
-      <p:graphicFrame>
-        <p:nvGraphicFramePr>
-          <p:cNvPr id="7" name="Table 7">
-            <a:extLst>
-              <a:ext uri="{FF2B5EF4-FFF2-40B4-BE49-F238E27FC236}">
-                <a16:creationId xmlns:a16="http://schemas.microsoft.com/office/drawing/2014/main" id="{0A8FA8F9-615C-9043-875C-78DAEB16E0EC}"/>
-              </a:ext>
-            </a:extLst>
-          </p:cNvPr>
-          <p:cNvGraphicFramePr>
-            <a:graphicFrameLocks noGrp="1"/>
-          </p:cNvGraphicFramePr>
-          <p:nvPr>
-            <p:ph sz="half" idx="2"/>
-            <p:extLst>
-              <p:ext uri="{D42A27DB-BD31-4B8C-83A1-F6EECF244321}">
-                <p14:modId xmlns:p14="http://schemas.microsoft.com/office/powerpoint/2010/main" val="177934154"/>
-              </p:ext>
-            </p:extLst>
-          </p:nvPr>
-        </p:nvGraphicFramePr>
-        <p:xfrm>
-          <a:off x="6205538" y="2097087"/>
-          <a:ext cx="5435600" cy="2716652"/>
-        </p:xfrm>
-        <a:graphic>
-          <a:graphicData uri="http://schemas.openxmlformats.org/drawingml/2006/table">
-            <a:tbl>
-              <a:tblPr firstRow="1" bandRow="1">
-                <a:tableStyleId>{5C22544A-7EE6-4342-B048-85BDC9FD1C3A}</a:tableStyleId>
-              </a:tblPr>
-              <a:tblGrid>
-                <a:gridCol w="1358900">
-                  <a:extLst>
-                    <a:ext uri="{9D8B030D-6E8A-4147-A177-3AD203B41FA5}">
-                      <a16:colId xmlns:a16="http://schemas.microsoft.com/office/drawing/2014/main" val="1825380093"/>
-                    </a:ext>
-                  </a:extLst>
-                </a:gridCol>
-                <a:gridCol w="1358900">
-                  <a:extLst>
-                    <a:ext uri="{9D8B030D-6E8A-4147-A177-3AD203B41FA5}">
-                      <a16:colId xmlns:a16="http://schemas.microsoft.com/office/drawing/2014/main" val="307307485"/>
-                    </a:ext>
-                  </a:extLst>
-                </a:gridCol>
-                <a:gridCol w="1358900">
-                  <a:extLst>
-                    <a:ext uri="{9D8B030D-6E8A-4147-A177-3AD203B41FA5}">
-                      <a16:colId xmlns:a16="http://schemas.microsoft.com/office/drawing/2014/main" val="685932067"/>
-                    </a:ext>
-                  </a:extLst>
-                </a:gridCol>
-                <a:gridCol w="1358900">
-                  <a:extLst>
-                    <a:ext uri="{9D8B030D-6E8A-4147-A177-3AD203B41FA5}">
-                      <a16:colId xmlns:a16="http://schemas.microsoft.com/office/drawing/2014/main" val="2191020456"/>
-                    </a:ext>
-                  </a:extLst>
-                </a:gridCol>
-              </a:tblGrid>
-              <a:tr h="902396">
-                <a:tc>
-                  <a:txBody>
-                    <a:bodyPr/>
-                    <a:lstStyle/>
-                    <a:p>
-                      <a:r>
-                        <a:rPr lang="en-US" dirty="0"/>
-                        <a:t>Labels by TextBlob</a:t>
-                      </a:r>
-                    </a:p>
-                  </a:txBody>
-                  <a:tcPr/>
-                </a:tc>
-                <a:tc>
-                  <a:txBody>
-                    <a:bodyPr/>
-                    <a:lstStyle/>
-                    <a:p>
-                      <a:r>
-                        <a:rPr lang="en-US" dirty="0"/>
-                        <a:t>Smash Bros</a:t>
-                      </a:r>
-                    </a:p>
-                  </a:txBody>
-                  <a:tcPr/>
-                </a:tc>
-                <a:tc>
-                  <a:txBody>
-                    <a:bodyPr/>
-                    <a:lstStyle/>
-                    <a:p>
-                      <a:r>
-                        <a:rPr lang="en-US" dirty="0"/>
-                        <a:t>Fire Emblem</a:t>
-                      </a:r>
-                    </a:p>
-                  </a:txBody>
-                  <a:tcPr/>
-                </a:tc>
-                <a:tc>
-                  <a:txBody>
-                    <a:bodyPr/>
-                    <a:lstStyle/>
-                    <a:p>
-                      <a:r>
-                        <a:rPr lang="en-US" dirty="0"/>
-                        <a:t>Mario Party</a:t>
-                      </a:r>
-                    </a:p>
-                  </a:txBody>
-                  <a:tcPr/>
-                </a:tc>
-                <a:extLst>
-                  <a:ext uri="{0D108BD9-81ED-4DB2-BD59-A6C34878D82A}">
-                    <a16:rowId xmlns:a16="http://schemas.microsoft.com/office/drawing/2014/main" val="3616908133"/>
-                  </a:ext>
-                </a:extLst>
-              </a:tr>
-              <a:tr h="907128">
-                <a:tc>
-                  <a:txBody>
-                    <a:bodyPr/>
-                    <a:lstStyle/>
-                    <a:p>
-                      <a:r>
-                        <a:rPr lang="en-US" dirty="0"/>
-                        <a:t>Positive</a:t>
-                      </a:r>
-                    </a:p>
-                  </a:txBody>
-                  <a:tcPr/>
-                </a:tc>
-                <a:tc>
-                  <a:txBody>
-                    <a:bodyPr/>
-                    <a:lstStyle/>
-                    <a:p>
-                      <a:r>
-                        <a:rPr lang="en-US" dirty="0"/>
-                        <a:t>11861</a:t>
-                      </a:r>
-                    </a:p>
-                  </a:txBody>
-                  <a:tcPr/>
-                </a:tc>
-                <a:tc>
-                  <a:txBody>
-                    <a:bodyPr/>
-                    <a:lstStyle/>
-                    <a:p>
-                      <a:r>
-                        <a:rPr lang="en-US" dirty="0"/>
-                        <a:t>1534</a:t>
-                      </a:r>
-                    </a:p>
-                  </a:txBody>
-                  <a:tcPr/>
-                </a:tc>
-                <a:tc>
-                  <a:txBody>
-                    <a:bodyPr/>
-                    <a:lstStyle/>
-                    <a:p>
-                      <a:r>
-                        <a:rPr lang="en-US" dirty="0"/>
-                        <a:t>829</a:t>
-                      </a:r>
-                    </a:p>
-                  </a:txBody>
-                  <a:tcPr/>
-                </a:tc>
-                <a:extLst>
-                  <a:ext uri="{0D108BD9-81ED-4DB2-BD59-A6C34878D82A}">
-                    <a16:rowId xmlns:a16="http://schemas.microsoft.com/office/drawing/2014/main" val="1221147766"/>
-                  </a:ext>
-                </a:extLst>
-              </a:tr>
-              <a:tr h="907128">
-                <a:tc>
-                  <a:txBody>
-                    <a:bodyPr/>
-                    <a:lstStyle/>
-                    <a:p>
-                      <a:r>
-                        <a:rPr lang="en-US" dirty="0"/>
-                        <a:t>Negative</a:t>
-                      </a:r>
-                    </a:p>
-                  </a:txBody>
-                  <a:tcPr/>
-                </a:tc>
-                <a:tc>
-                  <a:txBody>
-                    <a:bodyPr/>
-                    <a:lstStyle/>
-                    <a:p>
-                      <a:r>
-                        <a:rPr lang="en-US" dirty="0"/>
-                        <a:t>674</a:t>
-                      </a:r>
-                    </a:p>
-                  </a:txBody>
-                  <a:tcPr/>
-                </a:tc>
-                <a:tc>
-                  <a:txBody>
-                    <a:bodyPr/>
-                    <a:lstStyle/>
-                    <a:p>
-                      <a:r>
-                        <a:rPr lang="en-US" dirty="0"/>
-                        <a:t>29</a:t>
-                      </a:r>
-                    </a:p>
-                  </a:txBody>
-                  <a:tcPr/>
-                </a:tc>
-                <a:tc>
-                  <a:txBody>
-                    <a:bodyPr/>
-                    <a:lstStyle/>
-                    <a:p>
-                      <a:r>
-                        <a:rPr lang="en-US" dirty="0"/>
-                        <a:t>53</a:t>
-                      </a:r>
-                    </a:p>
-                  </a:txBody>
-                  <a:tcPr/>
-                </a:tc>
-                <a:extLst>
-                  <a:ext uri="{0D108BD9-81ED-4DB2-BD59-A6C34878D82A}">
-                    <a16:rowId xmlns:a16="http://schemas.microsoft.com/office/drawing/2014/main" val="2358409951"/>
-                  </a:ext>
-                </a:extLst>
-              </a:tr>
-            </a:tbl>
-          </a:graphicData>
-        </a:graphic>
-      </p:graphicFrame>
-    </p:spTree>
-    <p:extLst>
-      <p:ext uri="{BB962C8B-B14F-4D97-AF65-F5344CB8AC3E}">
-        <p14:creationId xmlns:p14="http://schemas.microsoft.com/office/powerpoint/2010/main" val="18442578"/>
-      </p:ext>
-    </p:extLst>
-  </p:cSld>
-  <p:clrMapOvr>
-    <a:masterClrMapping/>
-  </p:clrMapOvr>
-</p:sld>
-</file>
-
 <file path=ppt/theme/theme1.xml><?xml version="1.0" encoding="utf-8"?>
 <a:theme xmlns:a="http://schemas.openxmlformats.org/drawingml/2006/main" name="3DFloatVTI">
   <a:themeElements>
